--- a/Project 2.pptx
+++ b/Project 2.pptx
@@ -2,7 +2,7 @@
 <file path=ppt/presentation.xml><?xml version="1.0" encoding="utf-8"?>
 <p:presentation xmlns:a="http://schemas.openxmlformats.org/drawingml/2006/main" xmlns:r="http://schemas.openxmlformats.org/officeDocument/2006/relationships" xmlns:p="http://schemas.openxmlformats.org/presentationml/2006/main" saveSubsetFonts="1">
   <p:sldMasterIdLst>
-    <p:sldMasterId id="2147483648" r:id="rId1"/>
+    <p:sldMasterId id="2147483786" r:id="rId1"/>
   </p:sldMasterIdLst>
   <p:notesMasterIdLst>
     <p:notesMasterId r:id="rId10"/>
@@ -23,7 +23,7 @@
     <a:defPPr>
       <a:defRPr lang="en-US"/>
     </a:defPPr>
-    <a:lvl1pPr marL="0" algn="l" defTabSz="914400" rtl="0" eaLnBrk="1" latinLnBrk="0" hangingPunct="1">
+    <a:lvl1pPr marL="0" algn="l" defTabSz="457200" rtl="0" eaLnBrk="1" latinLnBrk="0" hangingPunct="1">
       <a:defRPr sz="1800" kern="1200">
         <a:solidFill>
           <a:schemeClr val="tx1"/>
@@ -33,7 +33,7 @@
         <a:cs typeface="+mn-cs"/>
       </a:defRPr>
     </a:lvl1pPr>
-    <a:lvl2pPr marL="457200" algn="l" defTabSz="914400" rtl="0" eaLnBrk="1" latinLnBrk="0" hangingPunct="1">
+    <a:lvl2pPr marL="457200" algn="l" defTabSz="457200" rtl="0" eaLnBrk="1" latinLnBrk="0" hangingPunct="1">
       <a:defRPr sz="1800" kern="1200">
         <a:solidFill>
           <a:schemeClr val="tx1"/>
@@ -43,7 +43,7 @@
         <a:cs typeface="+mn-cs"/>
       </a:defRPr>
     </a:lvl2pPr>
-    <a:lvl3pPr marL="914400" algn="l" defTabSz="914400" rtl="0" eaLnBrk="1" latinLnBrk="0" hangingPunct="1">
+    <a:lvl3pPr marL="914400" algn="l" defTabSz="457200" rtl="0" eaLnBrk="1" latinLnBrk="0" hangingPunct="1">
       <a:defRPr sz="1800" kern="1200">
         <a:solidFill>
           <a:schemeClr val="tx1"/>
@@ -53,7 +53,7 @@
         <a:cs typeface="+mn-cs"/>
       </a:defRPr>
     </a:lvl3pPr>
-    <a:lvl4pPr marL="1371600" algn="l" defTabSz="914400" rtl="0" eaLnBrk="1" latinLnBrk="0" hangingPunct="1">
+    <a:lvl4pPr marL="1371600" algn="l" defTabSz="457200" rtl="0" eaLnBrk="1" latinLnBrk="0" hangingPunct="1">
       <a:defRPr sz="1800" kern="1200">
         <a:solidFill>
           <a:schemeClr val="tx1"/>
@@ -63,7 +63,7 @@
         <a:cs typeface="+mn-cs"/>
       </a:defRPr>
     </a:lvl4pPr>
-    <a:lvl5pPr marL="1828800" algn="l" defTabSz="914400" rtl="0" eaLnBrk="1" latinLnBrk="0" hangingPunct="1">
+    <a:lvl5pPr marL="1828800" algn="l" defTabSz="457200" rtl="0" eaLnBrk="1" latinLnBrk="0" hangingPunct="1">
       <a:defRPr sz="1800" kern="1200">
         <a:solidFill>
           <a:schemeClr val="tx1"/>
@@ -73,7 +73,7 @@
         <a:cs typeface="+mn-cs"/>
       </a:defRPr>
     </a:lvl5pPr>
-    <a:lvl6pPr marL="2286000" algn="l" defTabSz="914400" rtl="0" eaLnBrk="1" latinLnBrk="0" hangingPunct="1">
+    <a:lvl6pPr marL="2286000" algn="l" defTabSz="457200" rtl="0" eaLnBrk="1" latinLnBrk="0" hangingPunct="1">
       <a:defRPr sz="1800" kern="1200">
         <a:solidFill>
           <a:schemeClr val="tx1"/>
@@ -83,7 +83,7 @@
         <a:cs typeface="+mn-cs"/>
       </a:defRPr>
     </a:lvl6pPr>
-    <a:lvl7pPr marL="2743200" algn="l" defTabSz="914400" rtl="0" eaLnBrk="1" latinLnBrk="0" hangingPunct="1">
+    <a:lvl7pPr marL="2743200" algn="l" defTabSz="457200" rtl="0" eaLnBrk="1" latinLnBrk="0" hangingPunct="1">
       <a:defRPr sz="1800" kern="1200">
         <a:solidFill>
           <a:schemeClr val="tx1"/>
@@ -93,7 +93,7 @@
         <a:cs typeface="+mn-cs"/>
       </a:defRPr>
     </a:lvl7pPr>
-    <a:lvl8pPr marL="3200400" algn="l" defTabSz="914400" rtl="0" eaLnBrk="1" latinLnBrk="0" hangingPunct="1">
+    <a:lvl8pPr marL="3200400" algn="l" defTabSz="457200" rtl="0" eaLnBrk="1" latinLnBrk="0" hangingPunct="1">
       <a:defRPr sz="1800" kern="1200">
         <a:solidFill>
           <a:schemeClr val="tx1"/>
@@ -103,7 +103,7 @@
         <a:cs typeface="+mn-cs"/>
       </a:defRPr>
     </a:lvl8pPr>
-    <a:lvl9pPr marL="3657600" algn="l" defTabSz="914400" rtl="0" eaLnBrk="1" latinLnBrk="0" hangingPunct="1">
+    <a:lvl9pPr marL="3657600" algn="l" defTabSz="457200" rtl="0" eaLnBrk="1" latinLnBrk="0" hangingPunct="1">
       <a:defRPr sz="1800" kern="1200">
         <a:solidFill>
           <a:schemeClr val="tx1"/>
@@ -114,11 +114,561 @@
       </a:defRPr>
     </a:lvl9pPr>
   </p:defaultTextStyle>
+  <p:extLst>
+    <p:ext uri="{EFAFB233-063F-42B5-8137-9DF3F51BA10A}">
+      <p15:sldGuideLst xmlns:p15="http://schemas.microsoft.com/office/powerpoint/2012/main"/>
+    </p:ext>
+  </p:extLst>
 </p:presentation>
+</file>
+
+<file path=ppt/revisionInfo.xml><?xml version="1.0" encoding="utf-8"?>
+<p1510:revInfo xmlns:a="http://schemas.openxmlformats.org/drawingml/2006/main" xmlns:r="http://schemas.openxmlformats.org/officeDocument/2006/relationships" xmlns:p1510="http://schemas.microsoft.com/office/powerpoint/2015/10/main">
+  <p1510:revLst>
+    <p1510:client id="{9E614CCE-9445-4A57-A03D-BF1CF45A408B}" v="12" dt="2022-08-24T19:33:50.285"/>
+  </p1510:revLst>
+</p1510:revInfo>
 </file>
 
 <file path=ppt/changesInfos/changesInfo1.xml><?xml version="1.0" encoding="utf-8"?>
 <pc:chgInfo xmlns:a="http://schemas.openxmlformats.org/drawingml/2006/main" xmlns:r="http://schemas.openxmlformats.org/officeDocument/2006/relationships" xmlns:ac="http://schemas.microsoft.com/office/drawing/2013/main/command" xmlns:pc="http://schemas.microsoft.com/office/powerpoint/2013/main/command">
+  <pc:docChgLst>
+    <pc:chgData name="Ray Jaconski" userId="7d6821f44f725f9c" providerId="LiveId" clId="{9E614CCE-9445-4A57-A03D-BF1CF45A408B}"/>
+    <pc:docChg chg="undo custSel modSld">
+      <pc:chgData name="Ray Jaconski" userId="7d6821f44f725f9c" providerId="LiveId" clId="{9E614CCE-9445-4A57-A03D-BF1CF45A408B}" dt="2022-08-24T19:36:00.779" v="56" actId="14100"/>
+      <pc:docMkLst>
+        <pc:docMk/>
+      </pc:docMkLst>
+      <pc:sldChg chg="addSp delSp modSp mod setBg addAnim delAnim setClrOvrMap delDesignElem">
+        <pc:chgData name="Ray Jaconski" userId="7d6821f44f725f9c" providerId="LiveId" clId="{9E614CCE-9445-4A57-A03D-BF1CF45A408B}" dt="2022-08-24T19:29:42.187" v="38" actId="27636"/>
+        <pc:sldMkLst>
+          <pc:docMk/>
+          <pc:sldMk cId="3109001424" sldId="256"/>
+        </pc:sldMkLst>
+        <pc:spChg chg="mod ord">
+          <ac:chgData name="Ray Jaconski" userId="7d6821f44f725f9c" providerId="LiveId" clId="{9E614CCE-9445-4A57-A03D-BF1CF45A408B}" dt="2022-08-24T19:23:19.033" v="24" actId="26606"/>
+          <ac:spMkLst>
+            <pc:docMk/>
+            <pc:sldMk cId="3109001424" sldId="256"/>
+            <ac:spMk id="2" creationId="{F10A6950-D5D4-B0FD-AD6C-D54E67DF4349}"/>
+          </ac:spMkLst>
+        </pc:spChg>
+        <pc:spChg chg="mod">
+          <ac:chgData name="Ray Jaconski" userId="7d6821f44f725f9c" providerId="LiveId" clId="{9E614CCE-9445-4A57-A03D-BF1CF45A408B}" dt="2022-08-24T19:29:42.187" v="38" actId="27636"/>
+          <ac:spMkLst>
+            <pc:docMk/>
+            <pc:sldMk cId="3109001424" sldId="256"/>
+            <ac:spMk id="3" creationId="{4FFD20D7-E2CC-EEAD-B7D0-BCF55EA3B7BF}"/>
+          </ac:spMkLst>
+        </pc:spChg>
+        <pc:spChg chg="add del">
+          <ac:chgData name="Ray Jaconski" userId="7d6821f44f725f9c" providerId="LiveId" clId="{9E614CCE-9445-4A57-A03D-BF1CF45A408B}" dt="2022-08-24T19:23:08.958" v="9" actId="26606"/>
+          <ac:spMkLst>
+            <pc:docMk/>
+            <pc:sldMk cId="3109001424" sldId="256"/>
+            <ac:spMk id="5" creationId="{DE27238C-8EAF-4098-86E6-7723B7DAE601}"/>
+          </ac:spMkLst>
+        </pc:spChg>
+        <pc:spChg chg="add del">
+          <ac:chgData name="Ray Jaconski" userId="7d6821f44f725f9c" providerId="LiveId" clId="{9E614CCE-9445-4A57-A03D-BF1CF45A408B}" dt="2022-08-24T19:23:08.958" v="9" actId="26606"/>
+          <ac:spMkLst>
+            <pc:docMk/>
+            <pc:sldMk cId="3109001424" sldId="256"/>
+            <ac:spMk id="6" creationId="{992F97B1-1891-4FCC-9E5F-BA97EDB48F89}"/>
+          </ac:spMkLst>
+        </pc:spChg>
+        <pc:spChg chg="add del">
+          <ac:chgData name="Ray Jaconski" userId="7d6821f44f725f9c" providerId="LiveId" clId="{9E614CCE-9445-4A57-A03D-BF1CF45A408B}" dt="2022-08-24T19:23:08.958" v="9" actId="26606"/>
+          <ac:spMkLst>
+            <pc:docMk/>
+            <pc:sldMk cId="3109001424" sldId="256"/>
+            <ac:spMk id="7" creationId="{78C6C821-FEE1-4EB6-9590-C021440C77DE}"/>
+          </ac:spMkLst>
+        </pc:spChg>
+        <pc:spChg chg="add del">
+          <ac:chgData name="Ray Jaconski" userId="7d6821f44f725f9c" providerId="LiveId" clId="{9E614CCE-9445-4A57-A03D-BF1CF45A408B}" dt="2022-08-24T19:22:19.869" v="4"/>
+          <ac:spMkLst>
+            <pc:docMk/>
+            <pc:sldMk cId="3109001424" sldId="256"/>
+            <ac:spMk id="8" creationId="{6F5A5072-7B47-4D32-B52A-4EBBF590B8A5}"/>
+          </ac:spMkLst>
+        </pc:spChg>
+        <pc:spChg chg="add del">
+          <ac:chgData name="Ray Jaconski" userId="7d6821f44f725f9c" providerId="LiveId" clId="{9E614CCE-9445-4A57-A03D-BF1CF45A408B}" dt="2022-08-24T19:23:08.958" v="9" actId="26606"/>
+          <ac:spMkLst>
+            <pc:docMk/>
+            <pc:sldMk cId="3109001424" sldId="256"/>
+            <ac:spMk id="9" creationId="{B61A74B3-E247-44D4-8C48-FAE8E2056401}"/>
+          </ac:spMkLst>
+        </pc:spChg>
+        <pc:spChg chg="add del">
+          <ac:chgData name="Ray Jaconski" userId="7d6821f44f725f9c" providerId="LiveId" clId="{9E614CCE-9445-4A57-A03D-BF1CF45A408B}" dt="2022-08-24T19:22:19.869" v="4"/>
+          <ac:spMkLst>
+            <pc:docMk/>
+            <pc:sldMk cId="3109001424" sldId="256"/>
+            <ac:spMk id="10" creationId="{9715DAF0-AE1B-46C9-8A6B-DB2AA05AB91D}"/>
+          </ac:spMkLst>
+        </pc:spChg>
+        <pc:spChg chg="add del">
+          <ac:chgData name="Ray Jaconski" userId="7d6821f44f725f9c" providerId="LiveId" clId="{9E614CCE-9445-4A57-A03D-BF1CF45A408B}" dt="2022-08-24T19:23:11.691" v="11" actId="26606"/>
+          <ac:spMkLst>
+            <pc:docMk/>
+            <pc:sldMk cId="3109001424" sldId="256"/>
+            <ac:spMk id="11" creationId="{DE27238C-8EAF-4098-86E6-7723B7DAE601}"/>
+          </ac:spMkLst>
+        </pc:spChg>
+        <pc:spChg chg="add del">
+          <ac:chgData name="Ray Jaconski" userId="7d6821f44f725f9c" providerId="LiveId" clId="{9E614CCE-9445-4A57-A03D-BF1CF45A408B}" dt="2022-08-24T19:22:19.869" v="4"/>
+          <ac:spMkLst>
+            <pc:docMk/>
+            <pc:sldMk cId="3109001424" sldId="256"/>
+            <ac:spMk id="12" creationId="{6016219D-510E-4184-9090-6D5578A87BD1}"/>
+          </ac:spMkLst>
+        </pc:spChg>
+        <pc:spChg chg="add del">
+          <ac:chgData name="Ray Jaconski" userId="7d6821f44f725f9c" providerId="LiveId" clId="{9E614CCE-9445-4A57-A03D-BF1CF45A408B}" dt="2022-08-24T19:23:11.691" v="11" actId="26606"/>
+          <ac:spMkLst>
+            <pc:docMk/>
+            <pc:sldMk cId="3109001424" sldId="256"/>
+            <ac:spMk id="13" creationId="{992F97B1-1891-4FCC-9E5F-BA97EDB48F89}"/>
+          </ac:spMkLst>
+        </pc:spChg>
+        <pc:spChg chg="add del">
+          <ac:chgData name="Ray Jaconski" userId="7d6821f44f725f9c" providerId="LiveId" clId="{9E614CCE-9445-4A57-A03D-BF1CF45A408B}" dt="2022-08-24T19:22:19.869" v="4"/>
+          <ac:spMkLst>
+            <pc:docMk/>
+            <pc:sldMk cId="3109001424" sldId="256"/>
+            <ac:spMk id="14" creationId="{AFF4A713-7B75-4B21-90D7-5AB19547C728}"/>
+          </ac:spMkLst>
+        </pc:spChg>
+        <pc:spChg chg="add del">
+          <ac:chgData name="Ray Jaconski" userId="7d6821f44f725f9c" providerId="LiveId" clId="{9E614CCE-9445-4A57-A03D-BF1CF45A408B}" dt="2022-08-24T19:23:11.691" v="11" actId="26606"/>
+          <ac:spMkLst>
+            <pc:docMk/>
+            <pc:sldMk cId="3109001424" sldId="256"/>
+            <ac:spMk id="15" creationId="{78C6C821-FEE1-4EB6-9590-C021440C77DE}"/>
+          </ac:spMkLst>
+        </pc:spChg>
+        <pc:spChg chg="add del">
+          <ac:chgData name="Ray Jaconski" userId="7d6821f44f725f9c" providerId="LiveId" clId="{9E614CCE-9445-4A57-A03D-BF1CF45A408B}" dt="2022-08-24T19:22:19.869" v="4"/>
+          <ac:spMkLst>
+            <pc:docMk/>
+            <pc:sldMk cId="3109001424" sldId="256"/>
+            <ac:spMk id="16" creationId="{DC631C0B-6DA6-4E57-8231-CE32B3434A7E}"/>
+          </ac:spMkLst>
+        </pc:spChg>
+        <pc:spChg chg="add del">
+          <ac:chgData name="Ray Jaconski" userId="7d6821f44f725f9c" providerId="LiveId" clId="{9E614CCE-9445-4A57-A03D-BF1CF45A408B}" dt="2022-08-24T19:23:11.691" v="11" actId="26606"/>
+          <ac:spMkLst>
+            <pc:docMk/>
+            <pc:sldMk cId="3109001424" sldId="256"/>
+            <ac:spMk id="17" creationId="{B61A74B3-E247-44D4-8C48-FAE8E2056401}"/>
+          </ac:spMkLst>
+        </pc:spChg>
+        <pc:spChg chg="add del">
+          <ac:chgData name="Ray Jaconski" userId="7d6821f44f725f9c" providerId="LiveId" clId="{9E614CCE-9445-4A57-A03D-BF1CF45A408B}" dt="2022-08-24T19:22:19.869" v="4"/>
+          <ac:spMkLst>
+            <pc:docMk/>
+            <pc:sldMk cId="3109001424" sldId="256"/>
+            <ac:spMk id="18" creationId="{C29501E6-A978-4A61-9689-9085AF97A53A}"/>
+          </ac:spMkLst>
+        </pc:spChg>
+        <pc:spChg chg="add del">
+          <ac:chgData name="Ray Jaconski" userId="7d6821f44f725f9c" providerId="LiveId" clId="{9E614CCE-9445-4A57-A03D-BF1CF45A408B}" dt="2022-08-24T19:23:12.904" v="15" actId="26606"/>
+          <ac:spMkLst>
+            <pc:docMk/>
+            <pc:sldMk cId="3109001424" sldId="256"/>
+            <ac:spMk id="19" creationId="{C28D0172-F2E0-4763-9C35-F022664959D8}"/>
+          </ac:spMkLst>
+        </pc:spChg>
+        <pc:spChg chg="add del">
+          <ac:chgData name="Ray Jaconski" userId="7d6821f44f725f9c" providerId="LiveId" clId="{9E614CCE-9445-4A57-A03D-BF1CF45A408B}" dt="2022-08-24T19:23:12.904" v="15" actId="26606"/>
+          <ac:spMkLst>
+            <pc:docMk/>
+            <pc:sldMk cId="3109001424" sldId="256"/>
+            <ac:spMk id="20" creationId="{9F2851FB-E841-4509-8A6D-A416376EA380}"/>
+          </ac:spMkLst>
+        </pc:spChg>
+        <pc:spChg chg="add del">
+          <ac:chgData name="Ray Jaconski" userId="7d6821f44f725f9c" providerId="LiveId" clId="{9E614CCE-9445-4A57-A03D-BF1CF45A408B}" dt="2022-08-24T19:23:12.904" v="15" actId="26606"/>
+          <ac:spMkLst>
+            <pc:docMk/>
+            <pc:sldMk cId="3109001424" sldId="256"/>
+            <ac:spMk id="21" creationId="{DF6FB2B2-CE21-407F-B22E-302DADC2C3D3}"/>
+          </ac:spMkLst>
+        </pc:spChg>
+        <pc:spChg chg="add del">
+          <ac:chgData name="Ray Jaconski" userId="7d6821f44f725f9c" providerId="LiveId" clId="{9E614CCE-9445-4A57-A03D-BF1CF45A408B}" dt="2022-08-24T19:23:13.811" v="17" actId="26606"/>
+          <ac:spMkLst>
+            <pc:docMk/>
+            <pc:sldMk cId="3109001424" sldId="256"/>
+            <ac:spMk id="23" creationId="{DE27238C-8EAF-4098-86E6-7723B7DAE601}"/>
+          </ac:spMkLst>
+        </pc:spChg>
+        <pc:spChg chg="add del">
+          <ac:chgData name="Ray Jaconski" userId="7d6821f44f725f9c" providerId="LiveId" clId="{9E614CCE-9445-4A57-A03D-BF1CF45A408B}" dt="2022-08-24T19:23:13.811" v="17" actId="26606"/>
+          <ac:spMkLst>
+            <pc:docMk/>
+            <pc:sldMk cId="3109001424" sldId="256"/>
+            <ac:spMk id="24" creationId="{992F97B1-1891-4FCC-9E5F-BA97EDB48F89}"/>
+          </ac:spMkLst>
+        </pc:spChg>
+        <pc:spChg chg="add del">
+          <ac:chgData name="Ray Jaconski" userId="7d6821f44f725f9c" providerId="LiveId" clId="{9E614CCE-9445-4A57-A03D-BF1CF45A408B}" dt="2022-08-24T19:23:13.811" v="17" actId="26606"/>
+          <ac:spMkLst>
+            <pc:docMk/>
+            <pc:sldMk cId="3109001424" sldId="256"/>
+            <ac:spMk id="25" creationId="{78C6C821-FEE1-4EB6-9590-C021440C77DE}"/>
+          </ac:spMkLst>
+        </pc:spChg>
+        <pc:spChg chg="add del">
+          <ac:chgData name="Ray Jaconski" userId="7d6821f44f725f9c" providerId="LiveId" clId="{9E614CCE-9445-4A57-A03D-BF1CF45A408B}" dt="2022-08-24T19:23:13.811" v="17" actId="26606"/>
+          <ac:spMkLst>
+            <pc:docMk/>
+            <pc:sldMk cId="3109001424" sldId="256"/>
+            <ac:spMk id="26" creationId="{B61A74B3-E247-44D4-8C48-FAE8E2056401}"/>
+          </ac:spMkLst>
+        </pc:spChg>
+        <pc:spChg chg="add del">
+          <ac:chgData name="Ray Jaconski" userId="7d6821f44f725f9c" providerId="LiveId" clId="{9E614CCE-9445-4A57-A03D-BF1CF45A408B}" dt="2022-08-24T19:23:14.974" v="19" actId="26606"/>
+          <ac:spMkLst>
+            <pc:docMk/>
+            <pc:sldMk cId="3109001424" sldId="256"/>
+            <ac:spMk id="29" creationId="{C885E190-58DD-42DD-A4A8-401E15C92A52}"/>
+          </ac:spMkLst>
+        </pc:spChg>
+        <pc:spChg chg="add del">
+          <ac:chgData name="Ray Jaconski" userId="7d6821f44f725f9c" providerId="LiveId" clId="{9E614CCE-9445-4A57-A03D-BF1CF45A408B}" dt="2022-08-24T19:23:16.718" v="21" actId="26606"/>
+          <ac:spMkLst>
+            <pc:docMk/>
+            <pc:sldMk cId="3109001424" sldId="256"/>
+            <ac:spMk id="31" creationId="{DE27238C-8EAF-4098-86E6-7723B7DAE601}"/>
+          </ac:spMkLst>
+        </pc:spChg>
+        <pc:spChg chg="add del">
+          <ac:chgData name="Ray Jaconski" userId="7d6821f44f725f9c" providerId="LiveId" clId="{9E614CCE-9445-4A57-A03D-BF1CF45A408B}" dt="2022-08-24T19:23:16.718" v="21" actId="26606"/>
+          <ac:spMkLst>
+            <pc:docMk/>
+            <pc:sldMk cId="3109001424" sldId="256"/>
+            <ac:spMk id="32" creationId="{992F97B1-1891-4FCC-9E5F-BA97EDB48F89}"/>
+          </ac:spMkLst>
+        </pc:spChg>
+        <pc:spChg chg="add del">
+          <ac:chgData name="Ray Jaconski" userId="7d6821f44f725f9c" providerId="LiveId" clId="{9E614CCE-9445-4A57-A03D-BF1CF45A408B}" dt="2022-08-24T19:23:16.718" v="21" actId="26606"/>
+          <ac:spMkLst>
+            <pc:docMk/>
+            <pc:sldMk cId="3109001424" sldId="256"/>
+            <ac:spMk id="33" creationId="{78C6C821-FEE1-4EB6-9590-C021440C77DE}"/>
+          </ac:spMkLst>
+        </pc:spChg>
+        <pc:spChg chg="add del">
+          <ac:chgData name="Ray Jaconski" userId="7d6821f44f725f9c" providerId="LiveId" clId="{9E614CCE-9445-4A57-A03D-BF1CF45A408B}" dt="2022-08-24T19:23:16.718" v="21" actId="26606"/>
+          <ac:spMkLst>
+            <pc:docMk/>
+            <pc:sldMk cId="3109001424" sldId="256"/>
+            <ac:spMk id="34" creationId="{B61A74B3-E247-44D4-8C48-FAE8E2056401}"/>
+          </ac:spMkLst>
+        </pc:spChg>
+        <pc:spChg chg="add del">
+          <ac:chgData name="Ray Jaconski" userId="7d6821f44f725f9c" providerId="LiveId" clId="{9E614CCE-9445-4A57-A03D-BF1CF45A408B}" dt="2022-08-24T19:23:19.001" v="23" actId="26606"/>
+          <ac:spMkLst>
+            <pc:docMk/>
+            <pc:sldMk cId="3109001424" sldId="256"/>
+            <ac:spMk id="36" creationId="{E6A222EB-A81E-4238-B08D-AAB1828C8E0B}"/>
+          </ac:spMkLst>
+        </pc:spChg>
+        <pc:spChg chg="add del">
+          <ac:chgData name="Ray Jaconski" userId="7d6821f44f725f9c" providerId="LiveId" clId="{9E614CCE-9445-4A57-A03D-BF1CF45A408B}" dt="2022-08-24T19:23:19.001" v="23" actId="26606"/>
+          <ac:spMkLst>
+            <pc:docMk/>
+            <pc:sldMk cId="3109001424" sldId="256"/>
+            <ac:spMk id="37" creationId="{E014676C-074B-475A-8346-9C901C86CB97}"/>
+          </ac:spMkLst>
+        </pc:spChg>
+        <pc:spChg chg="add del">
+          <ac:chgData name="Ray Jaconski" userId="7d6821f44f725f9c" providerId="LiveId" clId="{9E614CCE-9445-4A57-A03D-BF1CF45A408B}" dt="2022-08-24T19:24:23.574" v="27"/>
+          <ac:spMkLst>
+            <pc:docMk/>
+            <pc:sldMk cId="3109001424" sldId="256"/>
+            <ac:spMk id="40" creationId="{DE27238C-8EAF-4098-86E6-7723B7DAE601}"/>
+          </ac:spMkLst>
+        </pc:spChg>
+        <pc:spChg chg="add del">
+          <ac:chgData name="Ray Jaconski" userId="7d6821f44f725f9c" providerId="LiveId" clId="{9E614CCE-9445-4A57-A03D-BF1CF45A408B}" dt="2022-08-24T19:24:23.574" v="27"/>
+          <ac:spMkLst>
+            <pc:docMk/>
+            <pc:sldMk cId="3109001424" sldId="256"/>
+            <ac:spMk id="41" creationId="{992F97B1-1891-4FCC-9E5F-BA97EDB48F89}"/>
+          </ac:spMkLst>
+        </pc:spChg>
+        <pc:spChg chg="add del">
+          <ac:chgData name="Ray Jaconski" userId="7d6821f44f725f9c" providerId="LiveId" clId="{9E614CCE-9445-4A57-A03D-BF1CF45A408B}" dt="2022-08-24T19:24:23.574" v="27"/>
+          <ac:spMkLst>
+            <pc:docMk/>
+            <pc:sldMk cId="3109001424" sldId="256"/>
+            <ac:spMk id="42" creationId="{78C6C821-FEE1-4EB6-9590-C021440C77DE}"/>
+          </ac:spMkLst>
+        </pc:spChg>
+        <pc:spChg chg="add del">
+          <ac:chgData name="Ray Jaconski" userId="7d6821f44f725f9c" providerId="LiveId" clId="{9E614CCE-9445-4A57-A03D-BF1CF45A408B}" dt="2022-08-24T19:24:23.574" v="27"/>
+          <ac:spMkLst>
+            <pc:docMk/>
+            <pc:sldMk cId="3109001424" sldId="256"/>
+            <ac:spMk id="43" creationId="{B61A74B3-E247-44D4-8C48-FAE8E2056401}"/>
+          </ac:spMkLst>
+        </pc:spChg>
+        <pc:picChg chg="add del">
+          <ac:chgData name="Ray Jaconski" userId="7d6821f44f725f9c" providerId="LiveId" clId="{9E614CCE-9445-4A57-A03D-BF1CF45A408B}" dt="2022-08-24T19:23:14.974" v="19" actId="26606"/>
+          <ac:picMkLst>
+            <pc:docMk/>
+            <pc:sldMk cId="3109001424" sldId="256"/>
+            <ac:picMk id="28" creationId="{9300A575-8502-5CB8-88B8-CF82101B520B}"/>
+          </ac:picMkLst>
+        </pc:picChg>
+        <pc:cxnChg chg="add del">
+          <ac:chgData name="Ray Jaconski" userId="7d6821f44f725f9c" providerId="LiveId" clId="{9E614CCE-9445-4A57-A03D-BF1CF45A408B}" dt="2022-08-24T19:23:19.001" v="23" actId="26606"/>
+          <ac:cxnSpMkLst>
+            <pc:docMk/>
+            <pc:sldMk cId="3109001424" sldId="256"/>
+            <ac:cxnSpMk id="38" creationId="{179C4C8E-197B-4679-AE96-B5147F971C90}"/>
+          </ac:cxnSpMkLst>
+        </pc:cxnChg>
+      </pc:sldChg>
+      <pc:sldChg chg="addSp delSp modSp mod setBg setClrOvrMap delDesignElem">
+        <pc:chgData name="Ray Jaconski" userId="7d6821f44f725f9c" providerId="LiveId" clId="{9E614CCE-9445-4A57-A03D-BF1CF45A408B}" dt="2022-08-24T19:30:14.294" v="40" actId="14100"/>
+        <pc:sldMkLst>
+          <pc:docMk/>
+          <pc:sldMk cId="1958436066" sldId="257"/>
+        </pc:sldMkLst>
+        <pc:spChg chg="mod">
+          <ac:chgData name="Ray Jaconski" userId="7d6821f44f725f9c" providerId="LiveId" clId="{9E614CCE-9445-4A57-A03D-BF1CF45A408B}" dt="2022-08-24T19:30:14.294" v="40" actId="14100"/>
+          <ac:spMkLst>
+            <pc:docMk/>
+            <pc:sldMk cId="1958436066" sldId="257"/>
+            <ac:spMk id="2" creationId="{560C2118-EFAA-3932-C114-49E510A2F9E8}"/>
+          </ac:spMkLst>
+        </pc:spChg>
+        <pc:spChg chg="mod">
+          <ac:chgData name="Ray Jaconski" userId="7d6821f44f725f9c" providerId="LiveId" clId="{9E614CCE-9445-4A57-A03D-BF1CF45A408B}" dt="2022-08-24T19:24:54.970" v="35" actId="26606"/>
+          <ac:spMkLst>
+            <pc:docMk/>
+            <pc:sldMk cId="1958436066" sldId="257"/>
+            <ac:spMk id="3" creationId="{056C9519-F1EC-124F-4F4B-74D6B817CF82}"/>
+          </ac:spMkLst>
+        </pc:spChg>
+        <pc:spChg chg="add del">
+          <ac:chgData name="Ray Jaconski" userId="7d6821f44f725f9c" providerId="LiveId" clId="{9E614CCE-9445-4A57-A03D-BF1CF45A408B}" dt="2022-08-24T19:24:23.574" v="27"/>
+          <ac:spMkLst>
+            <pc:docMk/>
+            <pc:sldMk cId="1958436066" sldId="257"/>
+            <ac:spMk id="5" creationId="{052BEFF1-896C-45B1-B02C-96A6A1BC389A}"/>
+          </ac:spMkLst>
+        </pc:spChg>
+        <pc:spChg chg="add del">
+          <ac:chgData name="Ray Jaconski" userId="7d6821f44f725f9c" providerId="LiveId" clId="{9E614CCE-9445-4A57-A03D-BF1CF45A408B}" dt="2022-08-24T19:24:23.574" v="27"/>
+          <ac:spMkLst>
+            <pc:docMk/>
+            <pc:sldMk cId="1958436066" sldId="257"/>
+            <ac:spMk id="6" creationId="{BB237A14-61B1-4C00-A670-5D8D68A8668E}"/>
+          </ac:spMkLst>
+        </pc:spChg>
+        <pc:spChg chg="add del">
+          <ac:chgData name="Ray Jaconski" userId="7d6821f44f725f9c" providerId="LiveId" clId="{9E614CCE-9445-4A57-A03D-BF1CF45A408B}" dt="2022-08-24T19:24:23.574" v="27"/>
+          <ac:spMkLst>
+            <pc:docMk/>
+            <pc:sldMk cId="1958436066" sldId="257"/>
+            <ac:spMk id="7" creationId="{8598F259-6F54-47A3-8D13-1603D786A328}"/>
+          </ac:spMkLst>
+        </pc:spChg>
+        <pc:spChg chg="add del">
+          <ac:chgData name="Ray Jaconski" userId="7d6821f44f725f9c" providerId="LiveId" clId="{9E614CCE-9445-4A57-A03D-BF1CF45A408B}" dt="2022-08-24T19:22:19.869" v="4"/>
+          <ac:spMkLst>
+            <pc:docMk/>
+            <pc:sldMk cId="1958436066" sldId="257"/>
+            <ac:spMk id="8" creationId="{907EF6B7-1338-4443-8C46-6A318D952DFD}"/>
+          </ac:spMkLst>
+        </pc:spChg>
+        <pc:spChg chg="add del">
+          <ac:chgData name="Ray Jaconski" userId="7d6821f44f725f9c" providerId="LiveId" clId="{9E614CCE-9445-4A57-A03D-BF1CF45A408B}" dt="2022-08-24T19:29:42.148" v="37"/>
+          <ac:spMkLst>
+            <pc:docMk/>
+            <pc:sldMk cId="1958436066" sldId="257"/>
+            <ac:spMk id="9" creationId="{1A6D86F0-98E0-4468-9315-41BF7B0F2E68}"/>
+          </ac:spMkLst>
+        </pc:spChg>
+        <pc:spChg chg="add del">
+          <ac:chgData name="Ray Jaconski" userId="7d6821f44f725f9c" providerId="LiveId" clId="{9E614CCE-9445-4A57-A03D-BF1CF45A408B}" dt="2022-08-24T19:22:19.869" v="4"/>
+          <ac:spMkLst>
+            <pc:docMk/>
+            <pc:sldMk cId="1958436066" sldId="257"/>
+            <ac:spMk id="10" creationId="{DAAE4CDD-124C-4DCF-9584-B6033B545DD5}"/>
+          </ac:spMkLst>
+        </pc:spChg>
+        <pc:spChg chg="add del">
+          <ac:chgData name="Ray Jaconski" userId="7d6821f44f725f9c" providerId="LiveId" clId="{9E614CCE-9445-4A57-A03D-BF1CF45A408B}" dt="2022-08-24T19:29:42.148" v="37"/>
+          <ac:spMkLst>
+            <pc:docMk/>
+            <pc:sldMk cId="1958436066" sldId="257"/>
+            <ac:spMk id="11" creationId="{CE957058-57AD-46A9-BAE9-7145CB3504F9}"/>
+          </ac:spMkLst>
+        </pc:spChg>
+        <pc:spChg chg="add del">
+          <ac:chgData name="Ray Jaconski" userId="7d6821f44f725f9c" providerId="LiveId" clId="{9E614CCE-9445-4A57-A03D-BF1CF45A408B}" dt="2022-08-24T19:22:19.869" v="4"/>
+          <ac:spMkLst>
+            <pc:docMk/>
+            <pc:sldMk cId="1958436066" sldId="257"/>
+            <ac:spMk id="12" creationId="{081E4A58-353D-44AE-B2FC-2A74E2E400F7}"/>
+          </ac:spMkLst>
+        </pc:spChg>
+        <pc:spChg chg="add del">
+          <ac:chgData name="Ray Jaconski" userId="7d6821f44f725f9c" providerId="LiveId" clId="{9E614CCE-9445-4A57-A03D-BF1CF45A408B}" dt="2022-08-24T19:24:23.574" v="27"/>
+          <ac:spMkLst>
+            <pc:docMk/>
+            <pc:sldMk cId="1958436066" sldId="257"/>
+            <ac:spMk id="14" creationId="{0BA768A8-4FED-4ED8-9E46-6BE72188ECD2}"/>
+          </ac:spMkLst>
+        </pc:spChg>
+      </pc:sldChg>
+      <pc:sldChg chg="modSp">
+        <pc:chgData name="Ray Jaconski" userId="7d6821f44f725f9c" providerId="LiveId" clId="{9E614CCE-9445-4A57-A03D-BF1CF45A408B}" dt="2022-08-24T19:29:55.461" v="39"/>
+        <pc:sldMkLst>
+          <pc:docMk/>
+          <pc:sldMk cId="282747676" sldId="258"/>
+        </pc:sldMkLst>
+        <pc:spChg chg="mod">
+          <ac:chgData name="Ray Jaconski" userId="7d6821f44f725f9c" providerId="LiveId" clId="{9E614CCE-9445-4A57-A03D-BF1CF45A408B}" dt="2022-08-24T19:29:55.461" v="39"/>
+          <ac:spMkLst>
+            <pc:docMk/>
+            <pc:sldMk cId="282747676" sldId="258"/>
+            <ac:spMk id="2" creationId="{F029024D-67BD-A3F0-2B0C-5482E50E4860}"/>
+          </ac:spMkLst>
+        </pc:spChg>
+        <pc:spChg chg="mod">
+          <ac:chgData name="Ray Jaconski" userId="7d6821f44f725f9c" providerId="LiveId" clId="{9E614CCE-9445-4A57-A03D-BF1CF45A408B}" dt="2022-08-24T19:29:55.461" v="39"/>
+          <ac:spMkLst>
+            <pc:docMk/>
+            <pc:sldMk cId="282747676" sldId="258"/>
+            <ac:spMk id="3" creationId="{065AB000-DA3D-610B-26A6-BE25460136D1}"/>
+          </ac:spMkLst>
+        </pc:spChg>
+      </pc:sldChg>
+      <pc:sldChg chg="modSp mod">
+        <pc:chgData name="Ray Jaconski" userId="7d6821f44f725f9c" providerId="LiveId" clId="{9E614CCE-9445-4A57-A03D-BF1CF45A408B}" dt="2022-08-24T19:29:55.461" v="39"/>
+        <pc:sldMkLst>
+          <pc:docMk/>
+          <pc:sldMk cId="566120222" sldId="259"/>
+        </pc:sldMkLst>
+        <pc:spChg chg="mod">
+          <ac:chgData name="Ray Jaconski" userId="7d6821f44f725f9c" providerId="LiveId" clId="{9E614CCE-9445-4A57-A03D-BF1CF45A408B}" dt="2022-08-24T19:29:55.461" v="39"/>
+          <ac:spMkLst>
+            <pc:docMk/>
+            <pc:sldMk cId="566120222" sldId="259"/>
+            <ac:spMk id="2" creationId="{2FA91D87-EC48-9F84-4292-02C8D96D69F8}"/>
+          </ac:spMkLst>
+        </pc:spChg>
+        <pc:spChg chg="mod">
+          <ac:chgData name="Ray Jaconski" userId="7d6821f44f725f9c" providerId="LiveId" clId="{9E614CCE-9445-4A57-A03D-BF1CF45A408B}" dt="2022-08-24T19:29:55.461" v="39"/>
+          <ac:spMkLst>
+            <pc:docMk/>
+            <pc:sldMk cId="566120222" sldId="259"/>
+            <ac:spMk id="3" creationId="{5797FFA9-17E5-8D59-F22B-FF138D646FC0}"/>
+          </ac:spMkLst>
+        </pc:spChg>
+      </pc:sldChg>
+      <pc:sldChg chg="modSp">
+        <pc:chgData name="Ray Jaconski" userId="7d6821f44f725f9c" providerId="LiveId" clId="{9E614CCE-9445-4A57-A03D-BF1CF45A408B}" dt="2022-08-24T19:29:55.461" v="39"/>
+        <pc:sldMkLst>
+          <pc:docMk/>
+          <pc:sldMk cId="816787472" sldId="260"/>
+        </pc:sldMkLst>
+        <pc:spChg chg="mod">
+          <ac:chgData name="Ray Jaconski" userId="7d6821f44f725f9c" providerId="LiveId" clId="{9E614CCE-9445-4A57-A03D-BF1CF45A408B}" dt="2022-08-24T19:29:55.461" v="39"/>
+          <ac:spMkLst>
+            <pc:docMk/>
+            <pc:sldMk cId="816787472" sldId="260"/>
+            <ac:spMk id="2" creationId="{9EBA67EE-EBE2-1849-B6CB-F3043836ABCA}"/>
+          </ac:spMkLst>
+        </pc:spChg>
+      </pc:sldChg>
+      <pc:sldChg chg="modSp">
+        <pc:chgData name="Ray Jaconski" userId="7d6821f44f725f9c" providerId="LiveId" clId="{9E614CCE-9445-4A57-A03D-BF1CF45A408B}" dt="2022-08-24T19:29:55.461" v="39"/>
+        <pc:sldMkLst>
+          <pc:docMk/>
+          <pc:sldMk cId="320226785" sldId="261"/>
+        </pc:sldMkLst>
+        <pc:spChg chg="mod">
+          <ac:chgData name="Ray Jaconski" userId="7d6821f44f725f9c" providerId="LiveId" clId="{9E614CCE-9445-4A57-A03D-BF1CF45A408B}" dt="2022-08-24T19:29:55.461" v="39"/>
+          <ac:spMkLst>
+            <pc:docMk/>
+            <pc:sldMk cId="320226785" sldId="261"/>
+            <ac:spMk id="2" creationId="{17F610D9-0EE1-482F-A4C4-4671ACA12FCE}"/>
+          </ac:spMkLst>
+        </pc:spChg>
+        <pc:spChg chg="mod">
+          <ac:chgData name="Ray Jaconski" userId="7d6821f44f725f9c" providerId="LiveId" clId="{9E614CCE-9445-4A57-A03D-BF1CF45A408B}" dt="2022-08-24T19:29:55.461" v="39"/>
+          <ac:spMkLst>
+            <pc:docMk/>
+            <pc:sldMk cId="320226785" sldId="261"/>
+            <ac:spMk id="3" creationId="{8546E333-F220-61A8-6857-ECD05F67EFD6}"/>
+          </ac:spMkLst>
+        </pc:spChg>
+      </pc:sldChg>
+      <pc:sldChg chg="modSp">
+        <pc:chgData name="Ray Jaconski" userId="7d6821f44f725f9c" providerId="LiveId" clId="{9E614CCE-9445-4A57-A03D-BF1CF45A408B}" dt="2022-08-24T19:29:55.461" v="39"/>
+        <pc:sldMkLst>
+          <pc:docMk/>
+          <pc:sldMk cId="2093261703" sldId="262"/>
+        </pc:sldMkLst>
+        <pc:spChg chg="mod">
+          <ac:chgData name="Ray Jaconski" userId="7d6821f44f725f9c" providerId="LiveId" clId="{9E614CCE-9445-4A57-A03D-BF1CF45A408B}" dt="2022-08-24T19:29:55.461" v="39"/>
+          <ac:spMkLst>
+            <pc:docMk/>
+            <pc:sldMk cId="2093261703" sldId="262"/>
+            <ac:spMk id="2" creationId="{3AEFB700-F28B-4883-AB02-8E3E1C5D0311}"/>
+          </ac:spMkLst>
+        </pc:spChg>
+        <pc:spChg chg="mod">
+          <ac:chgData name="Ray Jaconski" userId="7d6821f44f725f9c" providerId="LiveId" clId="{9E614CCE-9445-4A57-A03D-BF1CF45A408B}" dt="2022-08-24T19:29:55.461" v="39"/>
+          <ac:spMkLst>
+            <pc:docMk/>
+            <pc:sldMk cId="2093261703" sldId="262"/>
+            <ac:spMk id="3" creationId="{C7DCE5F7-255C-CBA6-9537-51EC1BD6CD27}"/>
+          </ac:spMkLst>
+        </pc:spChg>
+      </pc:sldChg>
+      <pc:sldChg chg="addSp modSp mod">
+        <pc:chgData name="Ray Jaconski" userId="7d6821f44f725f9c" providerId="LiveId" clId="{9E614CCE-9445-4A57-A03D-BF1CF45A408B}" dt="2022-08-24T19:36:00.779" v="56" actId="14100"/>
+        <pc:sldMkLst>
+          <pc:docMk/>
+          <pc:sldMk cId="3348108809" sldId="263"/>
+        </pc:sldMkLst>
+        <pc:spChg chg="mod">
+          <ac:chgData name="Ray Jaconski" userId="7d6821f44f725f9c" providerId="LiveId" clId="{9E614CCE-9445-4A57-A03D-BF1CF45A408B}" dt="2022-08-24T19:29:55.461" v="39"/>
+          <ac:spMkLst>
+            <pc:docMk/>
+            <pc:sldMk cId="3348108809" sldId="263"/>
+            <ac:spMk id="2" creationId="{9C7E4668-870D-4427-B97B-706B3132BE8C}"/>
+          </ac:spMkLst>
+        </pc:spChg>
+        <pc:spChg chg="add mod ord">
+          <ac:chgData name="Ray Jaconski" userId="7d6821f44f725f9c" providerId="LiveId" clId="{9E614CCE-9445-4A57-A03D-BF1CF45A408B}" dt="2022-08-24T19:34:40.980" v="52" actId="207"/>
+          <ac:spMkLst>
+            <pc:docMk/>
+            <pc:sldMk cId="3348108809" sldId="263"/>
+            <ac:spMk id="3" creationId="{0C9A7B60-0CB4-5DEB-ED0A-5F6F9B68C056}"/>
+          </ac:spMkLst>
+        </pc:spChg>
+        <pc:graphicFrameChg chg="mod">
+          <ac:chgData name="Ray Jaconski" userId="7d6821f44f725f9c" providerId="LiveId" clId="{9E614CCE-9445-4A57-A03D-BF1CF45A408B}" dt="2022-08-24T19:36:00.779" v="56" actId="14100"/>
+          <ac:graphicFrameMkLst>
+            <pc:docMk/>
+            <pc:sldMk cId="3348108809" sldId="263"/>
+            <ac:graphicFrameMk id="10" creationId="{949C4305-9A19-7686-3B46-D6BCAEBDF4C2}"/>
+          </ac:graphicFrameMkLst>
+        </pc:graphicFrameChg>
+      </pc:sldChg>
+    </pc:docChg>
+  </pc:docChgLst>
   <pc:docChgLst>
     <pc:chgData name="Ray Jaconski" userId="7d6821f44f725f9c" providerId="LiveId" clId="{8460C7E7-B3CB-47B6-B229-A41A96D1986C}"/>
     <pc:docChg chg="modSld">
@@ -829,7 +1379,17 @@
   <c:chart>
     <c:autoTitleDeleted val="0"/>
     <c:plotArea>
-      <c:layout/>
+      <c:layout>
+        <c:manualLayout>
+          <c:layoutTarget val="inner"/>
+          <c:xMode val="edge"/>
+          <c:yMode val="edge"/>
+          <c:x val="7.9865957480592845E-2"/>
+          <c:y val="1.8462281667339667E-2"/>
+          <c:w val="0.87018288120963438"/>
+          <c:h val="0.92605042016806727"/>
+        </c:manualLayout>
+      </c:layout>
       <c:barChart>
         <c:barDir val="col"/>
         <c:grouping val="clustered"/>
@@ -4022,13 +4582,7 @@
       </p:grpSpPr>
       <p:sp>
         <p:nvSpPr>
-          <p:cNvPr id="2" name="Title 1">
-            <a:extLst>
-              <a:ext uri="{FF2B5EF4-FFF2-40B4-BE49-F238E27FC236}">
-                <a16:creationId xmlns:a16="http://schemas.microsoft.com/office/drawing/2014/main" id="{CD2C5F3C-DB26-05E5-4D44-6CCFE01DEFC1}"/>
-              </a:ext>
-            </a:extLst>
-          </p:cNvPr>
+          <p:cNvPr id="2" name="Title 1"/>
           <p:cNvSpPr>
             <a:spLocks noGrp="1"/>
           </p:cNvSpPr>
@@ -4038,15 +4592,17 @@
         </p:nvSpPr>
         <p:spPr>
           <a:xfrm>
-            <a:off x="1524000" y="1122363"/>
-            <a:ext cx="9144000" cy="2387600"/>
+            <a:off x="2589213" y="2514600"/>
+            <a:ext cx="8915399" cy="2262781"/>
           </a:xfrm>
         </p:spPr>
         <p:txBody>
-          <a:bodyPr anchor="b"/>
+          <a:bodyPr anchor="b">
+            <a:normAutofit/>
+          </a:bodyPr>
           <a:lstStyle>
-            <a:lvl1pPr algn="ctr">
-              <a:defRPr sz="6000"/>
+            <a:lvl1pPr>
+              <a:defRPr sz="5400"/>
             </a:lvl1pPr>
           </a:lstStyle>
           <a:p>
@@ -4054,18 +4610,13 @@
               <a:rPr lang="en-US"/>
               <a:t>Click to edit Master title style</a:t>
             </a:r>
+            <a:endParaRPr lang="en-US" dirty="0"/>
           </a:p>
         </p:txBody>
       </p:sp>
       <p:sp>
         <p:nvSpPr>
-          <p:cNvPr id="3" name="Subtitle 2">
-            <a:extLst>
-              <a:ext uri="{FF2B5EF4-FFF2-40B4-BE49-F238E27FC236}">
-                <a16:creationId xmlns:a16="http://schemas.microsoft.com/office/drawing/2014/main" id="{8F26EA3F-F6B5-8BFE-B9FF-38C7F9B113DF}"/>
-              </a:ext>
-            </a:extLst>
-          </p:cNvPr>
+          <p:cNvPr id="3" name="Subtitle 2"/>
           <p:cNvSpPr>
             <a:spLocks noGrp="1"/>
           </p:cNvSpPr>
@@ -4075,48 +4626,103 @@
         </p:nvSpPr>
         <p:spPr>
           <a:xfrm>
-            <a:off x="1524000" y="3602038"/>
-            <a:ext cx="9144000" cy="1655762"/>
+            <a:off x="2589213" y="4777379"/>
+            <a:ext cx="8915399" cy="1126283"/>
           </a:xfrm>
         </p:spPr>
         <p:txBody>
-          <a:bodyPr/>
+          <a:bodyPr anchor="t"/>
           <a:lstStyle>
-            <a:lvl1pPr marL="0" indent="0" algn="ctr">
+            <a:lvl1pPr marL="0" indent="0" algn="l">
               <a:buNone/>
-              <a:defRPr sz="2400"/>
+              <a:defRPr>
+                <a:solidFill>
+                  <a:schemeClr val="tx1">
+                    <a:lumMod val="65000"/>
+                    <a:lumOff val="35000"/>
+                  </a:schemeClr>
+                </a:solidFill>
+              </a:defRPr>
             </a:lvl1pPr>
             <a:lvl2pPr marL="457200" indent="0" algn="ctr">
               <a:buNone/>
-              <a:defRPr sz="2000"/>
+              <a:defRPr>
+                <a:solidFill>
+                  <a:schemeClr val="tx1">
+                    <a:tint val="75000"/>
+                  </a:schemeClr>
+                </a:solidFill>
+              </a:defRPr>
             </a:lvl2pPr>
             <a:lvl3pPr marL="914400" indent="0" algn="ctr">
               <a:buNone/>
-              <a:defRPr sz="1800"/>
+              <a:defRPr>
+                <a:solidFill>
+                  <a:schemeClr val="tx1">
+                    <a:tint val="75000"/>
+                  </a:schemeClr>
+                </a:solidFill>
+              </a:defRPr>
             </a:lvl3pPr>
             <a:lvl4pPr marL="1371600" indent="0" algn="ctr">
               <a:buNone/>
-              <a:defRPr sz="1600"/>
+              <a:defRPr>
+                <a:solidFill>
+                  <a:schemeClr val="tx1">
+                    <a:tint val="75000"/>
+                  </a:schemeClr>
+                </a:solidFill>
+              </a:defRPr>
             </a:lvl4pPr>
             <a:lvl5pPr marL="1828800" indent="0" algn="ctr">
               <a:buNone/>
-              <a:defRPr sz="1600"/>
+              <a:defRPr>
+                <a:solidFill>
+                  <a:schemeClr val="tx1">
+                    <a:tint val="75000"/>
+                  </a:schemeClr>
+                </a:solidFill>
+              </a:defRPr>
             </a:lvl5pPr>
             <a:lvl6pPr marL="2286000" indent="0" algn="ctr">
               <a:buNone/>
-              <a:defRPr sz="1600"/>
+              <a:defRPr>
+                <a:solidFill>
+                  <a:schemeClr val="tx1">
+                    <a:tint val="75000"/>
+                  </a:schemeClr>
+                </a:solidFill>
+              </a:defRPr>
             </a:lvl6pPr>
             <a:lvl7pPr marL="2743200" indent="0" algn="ctr">
               <a:buNone/>
-              <a:defRPr sz="1600"/>
+              <a:defRPr>
+                <a:solidFill>
+                  <a:schemeClr val="tx1">
+                    <a:tint val="75000"/>
+                  </a:schemeClr>
+                </a:solidFill>
+              </a:defRPr>
             </a:lvl7pPr>
             <a:lvl8pPr marL="3200400" indent="0" algn="ctr">
               <a:buNone/>
-              <a:defRPr sz="1600"/>
+              <a:defRPr>
+                <a:solidFill>
+                  <a:schemeClr val="tx1">
+                    <a:tint val="75000"/>
+                  </a:schemeClr>
+                </a:solidFill>
+              </a:defRPr>
             </a:lvl8pPr>
             <a:lvl9pPr marL="3657600" indent="0" algn="ctr">
               <a:buNone/>
-              <a:defRPr sz="1600"/>
+              <a:defRPr>
+                <a:solidFill>
+                  <a:schemeClr val="tx1">
+                    <a:tint val="75000"/>
+                  </a:schemeClr>
+                </a:solidFill>
+              </a:defRPr>
             </a:lvl9pPr>
           </a:lstStyle>
           <a:p>
@@ -4124,18 +4730,13 @@
               <a:rPr lang="en-US"/>
               <a:t>Click to edit Master subtitle style</a:t>
             </a:r>
+            <a:endParaRPr lang="en-US" dirty="0"/>
           </a:p>
         </p:txBody>
       </p:sp>
       <p:sp>
         <p:nvSpPr>
-          <p:cNvPr id="4" name="Date Placeholder 3">
-            <a:extLst>
-              <a:ext uri="{FF2B5EF4-FFF2-40B4-BE49-F238E27FC236}">
-                <a16:creationId xmlns:a16="http://schemas.microsoft.com/office/drawing/2014/main" id="{B7343DC9-87DF-42FD-F149-CD109CBE5818}"/>
-              </a:ext>
-            </a:extLst>
-          </p:cNvPr>
+          <p:cNvPr id="4" name="Date Placeholder 3"/>
           <p:cNvSpPr>
             <a:spLocks noGrp="1"/>
           </p:cNvSpPr>
@@ -4158,13 +4759,7 @@
       </p:sp>
       <p:sp>
         <p:nvSpPr>
-          <p:cNvPr id="5" name="Footer Placeholder 4">
-            <a:extLst>
-              <a:ext uri="{FF2B5EF4-FFF2-40B4-BE49-F238E27FC236}">
-                <a16:creationId xmlns:a16="http://schemas.microsoft.com/office/drawing/2014/main" id="{84EEE10F-FA1B-55BF-491D-5662EC852AE7}"/>
-              </a:ext>
-            </a:extLst>
-          </p:cNvPr>
+          <p:cNvPr id="5" name="Footer Placeholder 4"/>
           <p:cNvSpPr>
             <a:spLocks noGrp="1"/>
           </p:cNvSpPr>
@@ -4183,13 +4778,89 @@
       </p:sp>
       <p:sp>
         <p:nvSpPr>
-          <p:cNvPr id="6" name="Slide Number Placeholder 5">
-            <a:extLst>
-              <a:ext uri="{FF2B5EF4-FFF2-40B4-BE49-F238E27FC236}">
-                <a16:creationId xmlns:a16="http://schemas.microsoft.com/office/drawing/2014/main" id="{BF21D41C-3708-A9FB-4CC5-2F44176788E7}"/>
-              </a:ext>
-            </a:extLst>
-          </p:cNvPr>
+          <p:cNvPr id="7" name="Freeform 6"/>
+          <p:cNvSpPr/>
+          <p:nvPr/>
+        </p:nvSpPr>
+        <p:spPr bwMode="auto">
+          <a:xfrm>
+            <a:off x="0" y="4323810"/>
+            <a:ext cx="1744652" cy="778589"/>
+          </a:xfrm>
+          <a:custGeom>
+            <a:avLst/>
+            <a:gdLst/>
+            <a:ahLst/>
+            <a:cxnLst/>
+            <a:rect l="0" t="0" r="r" b="b"/>
+            <a:pathLst>
+              <a:path w="372" h="166">
+                <a:moveTo>
+                  <a:pt x="287" y="166"/>
+                </a:moveTo>
+                <a:cubicBezTo>
+                  <a:pt x="290" y="166"/>
+                  <a:pt x="292" y="165"/>
+                  <a:pt x="293" y="164"/>
+                </a:cubicBezTo>
+                <a:cubicBezTo>
+                  <a:pt x="293" y="163"/>
+                  <a:pt x="294" y="163"/>
+                  <a:pt x="294" y="163"/>
+                </a:cubicBezTo>
+                <a:cubicBezTo>
+                  <a:pt x="370" y="87"/>
+                  <a:pt x="370" y="87"/>
+                  <a:pt x="370" y="87"/>
+                </a:cubicBezTo>
+                <a:cubicBezTo>
+                  <a:pt x="372" y="85"/>
+                  <a:pt x="372" y="81"/>
+                  <a:pt x="370" y="78"/>
+                </a:cubicBezTo>
+                <a:cubicBezTo>
+                  <a:pt x="294" y="3"/>
+                  <a:pt x="294" y="3"/>
+                  <a:pt x="294" y="3"/>
+                </a:cubicBezTo>
+                <a:cubicBezTo>
+                  <a:pt x="294" y="2"/>
+                  <a:pt x="293" y="2"/>
+                  <a:pt x="293" y="2"/>
+                </a:cubicBezTo>
+                <a:cubicBezTo>
+                  <a:pt x="292" y="1"/>
+                  <a:pt x="290" y="0"/>
+                  <a:pt x="287" y="0"/>
+                </a:cubicBezTo>
+                <a:cubicBezTo>
+                  <a:pt x="0" y="0"/>
+                  <a:pt x="0" y="0"/>
+                  <a:pt x="0" y="0"/>
+                </a:cubicBezTo>
+                <a:cubicBezTo>
+                  <a:pt x="0" y="166"/>
+                  <a:pt x="0" y="166"/>
+                  <a:pt x="0" y="166"/>
+                </a:cubicBezTo>
+                <a:lnTo>
+                  <a:pt x="287" y="166"/>
+                </a:lnTo>
+                <a:close/>
+              </a:path>
+            </a:pathLst>
+          </a:custGeom>
+          <a:solidFill>
+            <a:schemeClr val="accent1"/>
+          </a:solidFill>
+          <a:ln>
+            <a:noFill/>
+          </a:ln>
+        </p:spPr>
+      </p:sp>
+      <p:sp>
+        <p:nvSpPr>
+          <p:cNvPr id="6" name="Slide Number Placeholder 5"/>
           <p:cNvSpPr>
             <a:spLocks noGrp="1"/>
           </p:cNvSpPr>
@@ -4197,7 +4868,12 @@
             <p:ph type="sldNum" sz="quarter" idx="12"/>
           </p:nvPr>
         </p:nvSpPr>
-        <p:spPr/>
+        <p:spPr>
+          <a:xfrm>
+            <a:off x="531812" y="4529540"/>
+            <a:ext cx="779767" cy="365125"/>
+          </a:xfrm>
+        </p:spPr>
         <p:txBody>
           <a:bodyPr/>
           <a:lstStyle/>
@@ -4213,7 +4889,7 @@
     </p:spTree>
     <p:extLst>
       <p:ext uri="{BB962C8B-B14F-4D97-AF65-F5344CB8AC3E}">
-        <p14:creationId xmlns:p14="http://schemas.microsoft.com/office/powerpoint/2010/main" val="3269771646"/>
+        <p14:creationId xmlns:p14="http://schemas.microsoft.com/office/powerpoint/2010/main" val="1082609412"/>
       </p:ext>
     </p:extLst>
   </p:cSld>
@@ -4224,6 +4900,1797 @@
 </file>
 
 <file path=ppt/slideLayouts/slideLayout10.xml><?xml version="1.0" encoding="utf-8"?>
+<p:sldLayout xmlns:a="http://schemas.openxmlformats.org/drawingml/2006/main" xmlns:r="http://schemas.openxmlformats.org/officeDocument/2006/relationships" xmlns:p="http://schemas.openxmlformats.org/presentationml/2006/main" preserve="1">
+  <p:cSld name="Title and Caption">
+    <p:spTree>
+      <p:nvGrpSpPr>
+        <p:cNvPr id="1" name=""/>
+        <p:cNvGrpSpPr/>
+        <p:nvPr/>
+      </p:nvGrpSpPr>
+      <p:grpSpPr>
+        <a:xfrm>
+          <a:off x="0" y="0"/>
+          <a:ext cx="0" cy="0"/>
+          <a:chOff x="0" y="0"/>
+          <a:chExt cx="0" cy="0"/>
+        </a:xfrm>
+      </p:grpSpPr>
+      <p:sp>
+        <p:nvSpPr>
+          <p:cNvPr id="2" name="Title 1"/>
+          <p:cNvSpPr>
+            <a:spLocks noGrp="1"/>
+          </p:cNvSpPr>
+          <p:nvPr>
+            <p:ph type="title"/>
+          </p:nvPr>
+        </p:nvSpPr>
+        <p:spPr>
+          <a:xfrm>
+            <a:off x="2589212" y="609600"/>
+            <a:ext cx="8915399" cy="3117040"/>
+          </a:xfrm>
+        </p:spPr>
+        <p:txBody>
+          <a:bodyPr anchor="ctr">
+            <a:normAutofit/>
+          </a:bodyPr>
+          <a:lstStyle>
+            <a:lvl1pPr algn="l">
+              <a:defRPr sz="4800" b="0" cap="none"/>
+            </a:lvl1pPr>
+          </a:lstStyle>
+          <a:p>
+            <a:r>
+              <a:rPr lang="en-US"/>
+              <a:t>Click to edit Master title style</a:t>
+            </a:r>
+            <a:endParaRPr lang="en-US" dirty="0"/>
+          </a:p>
+        </p:txBody>
+      </p:sp>
+      <p:sp>
+        <p:nvSpPr>
+          <p:cNvPr id="3" name="Text Placeholder 2"/>
+          <p:cNvSpPr>
+            <a:spLocks noGrp="1"/>
+          </p:cNvSpPr>
+          <p:nvPr>
+            <p:ph type="body" idx="1"/>
+          </p:nvPr>
+        </p:nvSpPr>
+        <p:spPr>
+          <a:xfrm>
+            <a:off x="2589212" y="4354046"/>
+            <a:ext cx="8915399" cy="1555864"/>
+          </a:xfrm>
+        </p:spPr>
+        <p:txBody>
+          <a:bodyPr anchor="ctr">
+            <a:normAutofit/>
+          </a:bodyPr>
+          <a:lstStyle>
+            <a:lvl1pPr marL="0" indent="0" algn="l">
+              <a:buNone/>
+              <a:defRPr sz="1800">
+                <a:solidFill>
+                  <a:schemeClr val="tx1">
+                    <a:lumMod val="65000"/>
+                    <a:lumOff val="35000"/>
+                  </a:schemeClr>
+                </a:solidFill>
+              </a:defRPr>
+            </a:lvl1pPr>
+            <a:lvl2pPr marL="457200" indent="0">
+              <a:buNone/>
+              <a:defRPr sz="1800">
+                <a:solidFill>
+                  <a:schemeClr val="tx1">
+                    <a:tint val="75000"/>
+                  </a:schemeClr>
+                </a:solidFill>
+              </a:defRPr>
+            </a:lvl2pPr>
+            <a:lvl3pPr marL="914400" indent="0">
+              <a:buNone/>
+              <a:defRPr sz="1600">
+                <a:solidFill>
+                  <a:schemeClr val="tx1">
+                    <a:tint val="75000"/>
+                  </a:schemeClr>
+                </a:solidFill>
+              </a:defRPr>
+            </a:lvl3pPr>
+            <a:lvl4pPr marL="1371600" indent="0">
+              <a:buNone/>
+              <a:defRPr sz="1400">
+                <a:solidFill>
+                  <a:schemeClr val="tx1">
+                    <a:tint val="75000"/>
+                  </a:schemeClr>
+                </a:solidFill>
+              </a:defRPr>
+            </a:lvl4pPr>
+            <a:lvl5pPr marL="1828800" indent="0">
+              <a:buNone/>
+              <a:defRPr sz="1400">
+                <a:solidFill>
+                  <a:schemeClr val="tx1">
+                    <a:tint val="75000"/>
+                  </a:schemeClr>
+                </a:solidFill>
+              </a:defRPr>
+            </a:lvl5pPr>
+            <a:lvl6pPr marL="2286000" indent="0">
+              <a:buNone/>
+              <a:defRPr sz="1400">
+                <a:solidFill>
+                  <a:schemeClr val="tx1">
+                    <a:tint val="75000"/>
+                  </a:schemeClr>
+                </a:solidFill>
+              </a:defRPr>
+            </a:lvl6pPr>
+            <a:lvl7pPr marL="2743200" indent="0">
+              <a:buNone/>
+              <a:defRPr sz="1400">
+                <a:solidFill>
+                  <a:schemeClr val="tx1">
+                    <a:tint val="75000"/>
+                  </a:schemeClr>
+                </a:solidFill>
+              </a:defRPr>
+            </a:lvl7pPr>
+            <a:lvl8pPr marL="3200400" indent="0">
+              <a:buNone/>
+              <a:defRPr sz="1400">
+                <a:solidFill>
+                  <a:schemeClr val="tx1">
+                    <a:tint val="75000"/>
+                  </a:schemeClr>
+                </a:solidFill>
+              </a:defRPr>
+            </a:lvl8pPr>
+            <a:lvl9pPr marL="3657600" indent="0">
+              <a:buNone/>
+              <a:defRPr sz="1400">
+                <a:solidFill>
+                  <a:schemeClr val="tx1">
+                    <a:tint val="75000"/>
+                  </a:schemeClr>
+                </a:solidFill>
+              </a:defRPr>
+            </a:lvl9pPr>
+          </a:lstStyle>
+          <a:p>
+            <a:pPr lvl="0"/>
+            <a:r>
+              <a:rPr lang="en-US"/>
+              <a:t>Click to edit Master text styles</a:t>
+            </a:r>
+          </a:p>
+        </p:txBody>
+      </p:sp>
+      <p:sp>
+        <p:nvSpPr>
+          <p:cNvPr id="4" name="Date Placeholder 3"/>
+          <p:cNvSpPr>
+            <a:spLocks noGrp="1"/>
+          </p:cNvSpPr>
+          <p:nvPr>
+            <p:ph type="dt" sz="half" idx="10"/>
+          </p:nvPr>
+        </p:nvSpPr>
+        <p:spPr/>
+        <p:txBody>
+          <a:bodyPr/>
+          <a:lstStyle/>
+          <a:p>
+            <a:fld id="{A4525604-80C6-425A-B832-546FCA8D96C9}" type="datetimeFigureOut">
+              <a:rPr lang="en-US" smtClean="0"/>
+              <a:t>8/24/2022</a:t>
+            </a:fld>
+            <a:endParaRPr lang="en-US"/>
+          </a:p>
+        </p:txBody>
+      </p:sp>
+      <p:sp>
+        <p:nvSpPr>
+          <p:cNvPr id="5" name="Footer Placeholder 4"/>
+          <p:cNvSpPr>
+            <a:spLocks noGrp="1"/>
+          </p:cNvSpPr>
+          <p:nvPr>
+            <p:ph type="ftr" sz="quarter" idx="11"/>
+          </p:nvPr>
+        </p:nvSpPr>
+        <p:spPr/>
+        <p:txBody>
+          <a:bodyPr/>
+          <a:lstStyle/>
+          <a:p>
+            <a:endParaRPr lang="en-US"/>
+          </a:p>
+        </p:txBody>
+      </p:sp>
+      <p:sp>
+        <p:nvSpPr>
+          <p:cNvPr id="9" name="Freeform 11"/>
+          <p:cNvSpPr/>
+          <p:nvPr/>
+        </p:nvSpPr>
+        <p:spPr bwMode="auto">
+          <a:xfrm flipV="1">
+            <a:off x="-4189" y="3178175"/>
+            <a:ext cx="1588527" cy="507297"/>
+          </a:xfrm>
+          <a:custGeom>
+            <a:avLst/>
+            <a:gdLst/>
+            <a:ahLst/>
+            <a:cxnLst/>
+            <a:rect l="l" t="t" r="r" b="b"/>
+            <a:pathLst>
+              <a:path w="9248" h="10000">
+                <a:moveTo>
+                  <a:pt x="9248" y="4701"/>
+                </a:moveTo>
+                <a:lnTo>
+                  <a:pt x="7915" y="188"/>
+                </a:lnTo>
+                <a:cubicBezTo>
+                  <a:pt x="7906" y="156"/>
+                  <a:pt x="7895" y="126"/>
+                  <a:pt x="7886" y="94"/>
+                </a:cubicBezTo>
+                <a:cubicBezTo>
+                  <a:pt x="7859" y="0"/>
+                  <a:pt x="7831" y="0"/>
+                  <a:pt x="7803" y="0"/>
+                </a:cubicBezTo>
+                <a:lnTo>
+                  <a:pt x="7275" y="0"/>
+                </a:lnTo>
+                <a:lnTo>
+                  <a:pt x="0" y="70"/>
+                </a:lnTo>
+                <a:cubicBezTo>
+                  <a:pt x="8" y="3380"/>
+                  <a:pt x="17" y="6690"/>
+                  <a:pt x="25" y="10000"/>
+                </a:cubicBezTo>
+                <a:lnTo>
+                  <a:pt x="7275" y="9966"/>
+                </a:lnTo>
+                <a:lnTo>
+                  <a:pt x="7803" y="9966"/>
+                </a:lnTo>
+                <a:cubicBezTo>
+                  <a:pt x="7831" y="9966"/>
+                  <a:pt x="7859" y="9872"/>
+                  <a:pt x="7886" y="9872"/>
+                </a:cubicBezTo>
+                <a:cubicBezTo>
+                  <a:pt x="7886" y="9778"/>
+                  <a:pt x="7915" y="9778"/>
+                  <a:pt x="7915" y="9778"/>
+                </a:cubicBezTo>
+                <a:lnTo>
+                  <a:pt x="9248" y="5265"/>
+                </a:lnTo>
+                <a:cubicBezTo>
+                  <a:pt x="9303" y="5077"/>
+                  <a:pt x="9303" y="4889"/>
+                  <a:pt x="9248" y="4701"/>
+                </a:cubicBezTo>
+                <a:close/>
+              </a:path>
+            </a:pathLst>
+          </a:custGeom>
+          <a:solidFill>
+            <a:schemeClr val="accent1"/>
+          </a:solidFill>
+          <a:ln>
+            <a:noFill/>
+          </a:ln>
+        </p:spPr>
+      </p:sp>
+      <p:sp>
+        <p:nvSpPr>
+          <p:cNvPr id="6" name="Slide Number Placeholder 5"/>
+          <p:cNvSpPr>
+            <a:spLocks noGrp="1"/>
+          </p:cNvSpPr>
+          <p:nvPr>
+            <p:ph type="sldNum" sz="quarter" idx="12"/>
+          </p:nvPr>
+        </p:nvSpPr>
+        <p:spPr>
+          <a:xfrm>
+            <a:off x="531812" y="3244139"/>
+            <a:ext cx="779767" cy="365125"/>
+          </a:xfrm>
+        </p:spPr>
+        <p:txBody>
+          <a:bodyPr/>
+          <a:lstStyle/>
+          <a:p>
+            <a:fld id="{847404D7-B396-4D1C-80FC-A0B9EC29CFE3}" type="slidenum">
+              <a:rPr lang="en-US" smtClean="0"/>
+              <a:t>‹#›</a:t>
+            </a:fld>
+            <a:endParaRPr lang="en-US"/>
+          </a:p>
+        </p:txBody>
+      </p:sp>
+    </p:spTree>
+    <p:extLst>
+      <p:ext uri="{BB962C8B-B14F-4D97-AF65-F5344CB8AC3E}">
+        <p14:creationId xmlns:p14="http://schemas.microsoft.com/office/powerpoint/2010/main" val="4070606605"/>
+      </p:ext>
+    </p:extLst>
+  </p:cSld>
+  <p:clrMapOvr>
+    <a:masterClrMapping/>
+  </p:clrMapOvr>
+</p:sldLayout>
+</file>
+
+<file path=ppt/slideLayouts/slideLayout11.xml><?xml version="1.0" encoding="utf-8"?>
+<p:sldLayout xmlns:a="http://schemas.openxmlformats.org/drawingml/2006/main" xmlns:r="http://schemas.openxmlformats.org/officeDocument/2006/relationships" xmlns:p="http://schemas.openxmlformats.org/presentationml/2006/main" preserve="1">
+  <p:cSld name="Quote with Caption">
+    <p:spTree>
+      <p:nvGrpSpPr>
+        <p:cNvPr id="1" name=""/>
+        <p:cNvGrpSpPr/>
+        <p:nvPr/>
+      </p:nvGrpSpPr>
+      <p:grpSpPr>
+        <a:xfrm>
+          <a:off x="0" y="0"/>
+          <a:ext cx="0" cy="0"/>
+          <a:chOff x="0" y="0"/>
+          <a:chExt cx="0" cy="0"/>
+        </a:xfrm>
+      </p:grpSpPr>
+      <p:sp>
+        <p:nvSpPr>
+          <p:cNvPr id="2" name="Title 1"/>
+          <p:cNvSpPr>
+            <a:spLocks noGrp="1"/>
+          </p:cNvSpPr>
+          <p:nvPr>
+            <p:ph type="title"/>
+          </p:nvPr>
+        </p:nvSpPr>
+        <p:spPr>
+          <a:xfrm>
+            <a:off x="2849949" y="609600"/>
+            <a:ext cx="8393926" cy="2895600"/>
+          </a:xfrm>
+        </p:spPr>
+        <p:txBody>
+          <a:bodyPr anchor="ctr">
+            <a:normAutofit/>
+          </a:bodyPr>
+          <a:lstStyle>
+            <a:lvl1pPr algn="l">
+              <a:defRPr sz="4800" b="0" cap="none"/>
+            </a:lvl1pPr>
+          </a:lstStyle>
+          <a:p>
+            <a:r>
+              <a:rPr lang="en-US"/>
+              <a:t>Click to edit Master title style</a:t>
+            </a:r>
+            <a:endParaRPr lang="en-US" dirty="0"/>
+          </a:p>
+        </p:txBody>
+      </p:sp>
+      <p:sp>
+        <p:nvSpPr>
+          <p:cNvPr id="13" name="Text Placeholder 9"/>
+          <p:cNvSpPr>
+            <a:spLocks noGrp="1"/>
+          </p:cNvSpPr>
+          <p:nvPr>
+            <p:ph type="body" sz="quarter" idx="13"/>
+          </p:nvPr>
+        </p:nvSpPr>
+        <p:spPr>
+          <a:xfrm>
+            <a:off x="3275012" y="3505200"/>
+            <a:ext cx="7536554" cy="381000"/>
+          </a:xfrm>
+        </p:spPr>
+        <p:txBody>
+          <a:bodyPr anchor="ctr">
+            <a:noAutofit/>
+          </a:bodyPr>
+          <a:lstStyle>
+            <a:lvl1pPr marL="0" indent="0">
+              <a:buFontTx/>
+              <a:buNone/>
+              <a:defRPr sz="1600">
+                <a:solidFill>
+                  <a:schemeClr val="tx1">
+                    <a:lumMod val="50000"/>
+                    <a:lumOff val="50000"/>
+                  </a:schemeClr>
+                </a:solidFill>
+              </a:defRPr>
+            </a:lvl1pPr>
+            <a:lvl2pPr marL="457200" indent="0">
+              <a:buFontTx/>
+              <a:buNone/>
+              <a:defRPr/>
+            </a:lvl2pPr>
+            <a:lvl3pPr marL="914400" indent="0">
+              <a:buFontTx/>
+              <a:buNone/>
+              <a:defRPr/>
+            </a:lvl3pPr>
+            <a:lvl4pPr marL="1371600" indent="0">
+              <a:buFontTx/>
+              <a:buNone/>
+              <a:defRPr/>
+            </a:lvl4pPr>
+            <a:lvl5pPr marL="1828800" indent="0">
+              <a:buFontTx/>
+              <a:buNone/>
+              <a:defRPr/>
+            </a:lvl5pPr>
+          </a:lstStyle>
+          <a:p>
+            <a:pPr lvl="0"/>
+            <a:r>
+              <a:rPr lang="en-US"/>
+              <a:t>Click to edit Master text styles</a:t>
+            </a:r>
+          </a:p>
+        </p:txBody>
+      </p:sp>
+      <p:sp>
+        <p:nvSpPr>
+          <p:cNvPr id="3" name="Text Placeholder 2"/>
+          <p:cNvSpPr>
+            <a:spLocks noGrp="1"/>
+          </p:cNvSpPr>
+          <p:nvPr>
+            <p:ph type="body" idx="1"/>
+          </p:nvPr>
+        </p:nvSpPr>
+        <p:spPr>
+          <a:xfrm>
+            <a:off x="2589212" y="4354046"/>
+            <a:ext cx="8915399" cy="1555864"/>
+          </a:xfrm>
+        </p:spPr>
+        <p:txBody>
+          <a:bodyPr anchor="ctr">
+            <a:normAutofit/>
+          </a:bodyPr>
+          <a:lstStyle>
+            <a:lvl1pPr marL="0" indent="0" algn="l">
+              <a:buNone/>
+              <a:defRPr sz="1800">
+                <a:solidFill>
+                  <a:schemeClr val="tx1">
+                    <a:lumMod val="65000"/>
+                    <a:lumOff val="35000"/>
+                  </a:schemeClr>
+                </a:solidFill>
+              </a:defRPr>
+            </a:lvl1pPr>
+            <a:lvl2pPr marL="457200" indent="0">
+              <a:buNone/>
+              <a:defRPr sz="1800">
+                <a:solidFill>
+                  <a:schemeClr val="tx1">
+                    <a:tint val="75000"/>
+                  </a:schemeClr>
+                </a:solidFill>
+              </a:defRPr>
+            </a:lvl2pPr>
+            <a:lvl3pPr marL="914400" indent="0">
+              <a:buNone/>
+              <a:defRPr sz="1600">
+                <a:solidFill>
+                  <a:schemeClr val="tx1">
+                    <a:tint val="75000"/>
+                  </a:schemeClr>
+                </a:solidFill>
+              </a:defRPr>
+            </a:lvl3pPr>
+            <a:lvl4pPr marL="1371600" indent="0">
+              <a:buNone/>
+              <a:defRPr sz="1400">
+                <a:solidFill>
+                  <a:schemeClr val="tx1">
+                    <a:tint val="75000"/>
+                  </a:schemeClr>
+                </a:solidFill>
+              </a:defRPr>
+            </a:lvl4pPr>
+            <a:lvl5pPr marL="1828800" indent="0">
+              <a:buNone/>
+              <a:defRPr sz="1400">
+                <a:solidFill>
+                  <a:schemeClr val="tx1">
+                    <a:tint val="75000"/>
+                  </a:schemeClr>
+                </a:solidFill>
+              </a:defRPr>
+            </a:lvl5pPr>
+            <a:lvl6pPr marL="2286000" indent="0">
+              <a:buNone/>
+              <a:defRPr sz="1400">
+                <a:solidFill>
+                  <a:schemeClr val="tx1">
+                    <a:tint val="75000"/>
+                  </a:schemeClr>
+                </a:solidFill>
+              </a:defRPr>
+            </a:lvl6pPr>
+            <a:lvl7pPr marL="2743200" indent="0">
+              <a:buNone/>
+              <a:defRPr sz="1400">
+                <a:solidFill>
+                  <a:schemeClr val="tx1">
+                    <a:tint val="75000"/>
+                  </a:schemeClr>
+                </a:solidFill>
+              </a:defRPr>
+            </a:lvl7pPr>
+            <a:lvl8pPr marL="3200400" indent="0">
+              <a:buNone/>
+              <a:defRPr sz="1400">
+                <a:solidFill>
+                  <a:schemeClr val="tx1">
+                    <a:tint val="75000"/>
+                  </a:schemeClr>
+                </a:solidFill>
+              </a:defRPr>
+            </a:lvl8pPr>
+            <a:lvl9pPr marL="3657600" indent="0">
+              <a:buNone/>
+              <a:defRPr sz="1400">
+                <a:solidFill>
+                  <a:schemeClr val="tx1">
+                    <a:tint val="75000"/>
+                  </a:schemeClr>
+                </a:solidFill>
+              </a:defRPr>
+            </a:lvl9pPr>
+          </a:lstStyle>
+          <a:p>
+            <a:pPr lvl="0"/>
+            <a:r>
+              <a:rPr lang="en-US"/>
+              <a:t>Click to edit Master text styles</a:t>
+            </a:r>
+          </a:p>
+        </p:txBody>
+      </p:sp>
+      <p:sp>
+        <p:nvSpPr>
+          <p:cNvPr id="4" name="Date Placeholder 3"/>
+          <p:cNvSpPr>
+            <a:spLocks noGrp="1"/>
+          </p:cNvSpPr>
+          <p:nvPr>
+            <p:ph type="dt" sz="half" idx="10"/>
+          </p:nvPr>
+        </p:nvSpPr>
+        <p:spPr/>
+        <p:txBody>
+          <a:bodyPr/>
+          <a:lstStyle/>
+          <a:p>
+            <a:fld id="{A4525604-80C6-425A-B832-546FCA8D96C9}" type="datetimeFigureOut">
+              <a:rPr lang="en-US" smtClean="0"/>
+              <a:t>8/24/2022</a:t>
+            </a:fld>
+            <a:endParaRPr lang="en-US"/>
+          </a:p>
+        </p:txBody>
+      </p:sp>
+      <p:sp>
+        <p:nvSpPr>
+          <p:cNvPr id="5" name="Footer Placeholder 4"/>
+          <p:cNvSpPr>
+            <a:spLocks noGrp="1"/>
+          </p:cNvSpPr>
+          <p:nvPr>
+            <p:ph type="ftr" sz="quarter" idx="11"/>
+          </p:nvPr>
+        </p:nvSpPr>
+        <p:spPr/>
+        <p:txBody>
+          <a:bodyPr/>
+          <a:lstStyle/>
+          <a:p>
+            <a:endParaRPr lang="en-US"/>
+          </a:p>
+        </p:txBody>
+      </p:sp>
+      <p:sp>
+        <p:nvSpPr>
+          <p:cNvPr id="11" name="Freeform 11"/>
+          <p:cNvSpPr/>
+          <p:nvPr/>
+        </p:nvSpPr>
+        <p:spPr bwMode="auto">
+          <a:xfrm flipV="1">
+            <a:off x="-4189" y="3178175"/>
+            <a:ext cx="1588527" cy="507297"/>
+          </a:xfrm>
+          <a:custGeom>
+            <a:avLst/>
+            <a:gdLst/>
+            <a:ahLst/>
+            <a:cxnLst/>
+            <a:rect l="l" t="t" r="r" b="b"/>
+            <a:pathLst>
+              <a:path w="9248" h="10000">
+                <a:moveTo>
+                  <a:pt x="9248" y="4701"/>
+                </a:moveTo>
+                <a:lnTo>
+                  <a:pt x="7915" y="188"/>
+                </a:lnTo>
+                <a:cubicBezTo>
+                  <a:pt x="7906" y="156"/>
+                  <a:pt x="7895" y="126"/>
+                  <a:pt x="7886" y="94"/>
+                </a:cubicBezTo>
+                <a:cubicBezTo>
+                  <a:pt x="7859" y="0"/>
+                  <a:pt x="7831" y="0"/>
+                  <a:pt x="7803" y="0"/>
+                </a:cubicBezTo>
+                <a:lnTo>
+                  <a:pt x="7275" y="0"/>
+                </a:lnTo>
+                <a:lnTo>
+                  <a:pt x="0" y="70"/>
+                </a:lnTo>
+                <a:cubicBezTo>
+                  <a:pt x="8" y="3380"/>
+                  <a:pt x="17" y="6690"/>
+                  <a:pt x="25" y="10000"/>
+                </a:cubicBezTo>
+                <a:lnTo>
+                  <a:pt x="7275" y="9966"/>
+                </a:lnTo>
+                <a:lnTo>
+                  <a:pt x="7803" y="9966"/>
+                </a:lnTo>
+                <a:cubicBezTo>
+                  <a:pt x="7831" y="9966"/>
+                  <a:pt x="7859" y="9872"/>
+                  <a:pt x="7886" y="9872"/>
+                </a:cubicBezTo>
+                <a:cubicBezTo>
+                  <a:pt x="7886" y="9778"/>
+                  <a:pt x="7915" y="9778"/>
+                  <a:pt x="7915" y="9778"/>
+                </a:cubicBezTo>
+                <a:lnTo>
+                  <a:pt x="9248" y="5265"/>
+                </a:lnTo>
+                <a:cubicBezTo>
+                  <a:pt x="9303" y="5077"/>
+                  <a:pt x="9303" y="4889"/>
+                  <a:pt x="9248" y="4701"/>
+                </a:cubicBezTo>
+                <a:close/>
+              </a:path>
+            </a:pathLst>
+          </a:custGeom>
+          <a:solidFill>
+            <a:schemeClr val="accent1"/>
+          </a:solidFill>
+          <a:ln>
+            <a:noFill/>
+          </a:ln>
+        </p:spPr>
+      </p:sp>
+      <p:sp>
+        <p:nvSpPr>
+          <p:cNvPr id="6" name="Slide Number Placeholder 5"/>
+          <p:cNvSpPr>
+            <a:spLocks noGrp="1"/>
+          </p:cNvSpPr>
+          <p:nvPr>
+            <p:ph type="sldNum" sz="quarter" idx="12"/>
+          </p:nvPr>
+        </p:nvSpPr>
+        <p:spPr>
+          <a:xfrm>
+            <a:off x="531812" y="3244139"/>
+            <a:ext cx="779767" cy="365125"/>
+          </a:xfrm>
+        </p:spPr>
+        <p:txBody>
+          <a:bodyPr/>
+          <a:lstStyle/>
+          <a:p>
+            <a:fld id="{847404D7-B396-4D1C-80FC-A0B9EC29CFE3}" type="slidenum">
+              <a:rPr lang="en-US" smtClean="0"/>
+              <a:t>‹#›</a:t>
+            </a:fld>
+            <a:endParaRPr lang="en-US"/>
+          </a:p>
+        </p:txBody>
+      </p:sp>
+      <p:sp>
+        <p:nvSpPr>
+          <p:cNvPr id="14" name="TextBox 13"/>
+          <p:cNvSpPr txBox="1"/>
+          <p:nvPr/>
+        </p:nvSpPr>
+        <p:spPr>
+          <a:xfrm>
+            <a:off x="2467652" y="648005"/>
+            <a:ext cx="609600" cy="584776"/>
+          </a:xfrm>
+          <a:prstGeom prst="rect">
+            <a:avLst/>
+          </a:prstGeom>
+        </p:spPr>
+        <p:txBody>
+          <a:bodyPr vert="horz" lIns="91440" tIns="45720" rIns="91440" bIns="45720" rtlCol="0" anchor="ctr">
+            <a:noAutofit/>
+          </a:bodyPr>
+          <a:lstStyle/>
+          <a:p>
+            <a:pPr lvl="0"/>
+            <a:r>
+              <a:rPr lang="en-US" sz="8000" baseline="0" dirty="0">
+                <a:ln w="3175" cmpd="sng">
+                  <a:noFill/>
+                </a:ln>
+                <a:solidFill>
+                  <a:schemeClr val="accent1"/>
+                </a:solidFill>
+                <a:effectLst/>
+                <a:latin typeface="Arial"/>
+              </a:rPr>
+              <a:t>“</a:t>
+            </a:r>
+          </a:p>
+        </p:txBody>
+      </p:sp>
+      <p:sp>
+        <p:nvSpPr>
+          <p:cNvPr id="15" name="TextBox 14"/>
+          <p:cNvSpPr txBox="1"/>
+          <p:nvPr/>
+        </p:nvSpPr>
+        <p:spPr>
+          <a:xfrm>
+            <a:off x="11114852" y="2905306"/>
+            <a:ext cx="609600" cy="584776"/>
+          </a:xfrm>
+          <a:prstGeom prst="rect">
+            <a:avLst/>
+          </a:prstGeom>
+        </p:spPr>
+        <p:txBody>
+          <a:bodyPr vert="horz" lIns="91440" tIns="45720" rIns="91440" bIns="45720" rtlCol="0" anchor="ctr">
+            <a:noAutofit/>
+          </a:bodyPr>
+          <a:lstStyle/>
+          <a:p>
+            <a:pPr lvl="0"/>
+            <a:r>
+              <a:rPr lang="en-US" sz="8000" baseline="0" dirty="0">
+                <a:ln w="3175" cmpd="sng">
+                  <a:noFill/>
+                </a:ln>
+                <a:solidFill>
+                  <a:schemeClr val="accent1"/>
+                </a:solidFill>
+                <a:effectLst/>
+                <a:latin typeface="Arial"/>
+              </a:rPr>
+              <a:t>”</a:t>
+            </a:r>
+          </a:p>
+        </p:txBody>
+      </p:sp>
+    </p:spTree>
+    <p:extLst>
+      <p:ext uri="{BB962C8B-B14F-4D97-AF65-F5344CB8AC3E}">
+        <p14:creationId xmlns:p14="http://schemas.microsoft.com/office/powerpoint/2010/main" val="3461069197"/>
+      </p:ext>
+    </p:extLst>
+  </p:cSld>
+  <p:clrMapOvr>
+    <a:masterClrMapping/>
+  </p:clrMapOvr>
+</p:sldLayout>
+</file>
+
+<file path=ppt/slideLayouts/slideLayout12.xml><?xml version="1.0" encoding="utf-8"?>
+<p:sldLayout xmlns:a="http://schemas.openxmlformats.org/drawingml/2006/main" xmlns:r="http://schemas.openxmlformats.org/officeDocument/2006/relationships" xmlns:p="http://schemas.openxmlformats.org/presentationml/2006/main" preserve="1">
+  <p:cSld name="Name Card">
+    <p:spTree>
+      <p:nvGrpSpPr>
+        <p:cNvPr id="1" name=""/>
+        <p:cNvGrpSpPr/>
+        <p:nvPr/>
+      </p:nvGrpSpPr>
+      <p:grpSpPr>
+        <a:xfrm>
+          <a:off x="0" y="0"/>
+          <a:ext cx="0" cy="0"/>
+          <a:chOff x="0" y="0"/>
+          <a:chExt cx="0" cy="0"/>
+        </a:xfrm>
+      </p:grpSpPr>
+      <p:sp>
+        <p:nvSpPr>
+          <p:cNvPr id="2" name="Title 1"/>
+          <p:cNvSpPr>
+            <a:spLocks noGrp="1"/>
+          </p:cNvSpPr>
+          <p:nvPr>
+            <p:ph type="title"/>
+          </p:nvPr>
+        </p:nvSpPr>
+        <p:spPr>
+          <a:xfrm>
+            <a:off x="2589213" y="2438400"/>
+            <a:ext cx="8915400" cy="2724845"/>
+          </a:xfrm>
+        </p:spPr>
+        <p:txBody>
+          <a:bodyPr anchor="b">
+            <a:normAutofit/>
+          </a:bodyPr>
+          <a:lstStyle>
+            <a:lvl1pPr algn="l">
+              <a:defRPr sz="4800" b="0"/>
+            </a:lvl1pPr>
+          </a:lstStyle>
+          <a:p>
+            <a:r>
+              <a:rPr lang="en-US"/>
+              <a:t>Click to edit Master title style</a:t>
+            </a:r>
+            <a:endParaRPr lang="en-US" dirty="0"/>
+          </a:p>
+        </p:txBody>
+      </p:sp>
+      <p:sp>
+        <p:nvSpPr>
+          <p:cNvPr id="4" name="Text Placeholder 3"/>
+          <p:cNvSpPr>
+            <a:spLocks noGrp="1"/>
+          </p:cNvSpPr>
+          <p:nvPr>
+            <p:ph type="body" sz="half" idx="2"/>
+          </p:nvPr>
+        </p:nvSpPr>
+        <p:spPr>
+          <a:xfrm>
+            <a:off x="2589213" y="5181600"/>
+            <a:ext cx="8915400" cy="729622"/>
+          </a:xfrm>
+        </p:spPr>
+        <p:txBody>
+          <a:bodyPr vert="horz" lIns="91440" tIns="45720" rIns="91440" bIns="45720" rtlCol="0" anchor="t">
+            <a:normAutofit/>
+          </a:bodyPr>
+          <a:lstStyle>
+            <a:lvl1pPr>
+              <a:buNone/>
+              <a:defRPr lang="en-US">
+                <a:solidFill>
+                  <a:schemeClr val="tx1">
+                    <a:lumMod val="65000"/>
+                    <a:lumOff val="35000"/>
+                  </a:schemeClr>
+                </a:solidFill>
+              </a:defRPr>
+            </a:lvl1pPr>
+          </a:lstStyle>
+          <a:p>
+            <a:pPr marL="0" lvl="0" indent="0">
+              <a:buNone/>
+            </a:pPr>
+            <a:r>
+              <a:rPr lang="en-US"/>
+              <a:t>Click to edit Master text styles</a:t>
+            </a:r>
+          </a:p>
+        </p:txBody>
+      </p:sp>
+      <p:sp>
+        <p:nvSpPr>
+          <p:cNvPr id="5" name="Date Placeholder 4"/>
+          <p:cNvSpPr>
+            <a:spLocks noGrp="1"/>
+          </p:cNvSpPr>
+          <p:nvPr>
+            <p:ph type="dt" sz="half" idx="10"/>
+          </p:nvPr>
+        </p:nvSpPr>
+        <p:spPr/>
+        <p:txBody>
+          <a:bodyPr/>
+          <a:lstStyle/>
+          <a:p>
+            <a:fld id="{A4525604-80C6-425A-B832-546FCA8D96C9}" type="datetimeFigureOut">
+              <a:rPr lang="en-US" smtClean="0"/>
+              <a:t>8/24/2022</a:t>
+            </a:fld>
+            <a:endParaRPr lang="en-US"/>
+          </a:p>
+        </p:txBody>
+      </p:sp>
+      <p:sp>
+        <p:nvSpPr>
+          <p:cNvPr id="6" name="Footer Placeholder 5"/>
+          <p:cNvSpPr>
+            <a:spLocks noGrp="1"/>
+          </p:cNvSpPr>
+          <p:nvPr>
+            <p:ph type="ftr" sz="quarter" idx="11"/>
+          </p:nvPr>
+        </p:nvSpPr>
+        <p:spPr/>
+        <p:txBody>
+          <a:bodyPr/>
+          <a:lstStyle/>
+          <a:p>
+            <a:endParaRPr lang="en-US"/>
+          </a:p>
+        </p:txBody>
+      </p:sp>
+      <p:sp>
+        <p:nvSpPr>
+          <p:cNvPr id="9" name="Freeform 11"/>
+          <p:cNvSpPr/>
+          <p:nvPr/>
+        </p:nvSpPr>
+        <p:spPr bwMode="auto">
+          <a:xfrm flipV="1">
+            <a:off x="-4189" y="4911725"/>
+            <a:ext cx="1588527" cy="507297"/>
+          </a:xfrm>
+          <a:custGeom>
+            <a:avLst/>
+            <a:gdLst/>
+            <a:ahLst/>
+            <a:cxnLst/>
+            <a:rect l="l" t="t" r="r" b="b"/>
+            <a:pathLst>
+              <a:path w="9248" h="10000">
+                <a:moveTo>
+                  <a:pt x="9248" y="4701"/>
+                </a:moveTo>
+                <a:lnTo>
+                  <a:pt x="7915" y="188"/>
+                </a:lnTo>
+                <a:cubicBezTo>
+                  <a:pt x="7906" y="156"/>
+                  <a:pt x="7895" y="126"/>
+                  <a:pt x="7886" y="94"/>
+                </a:cubicBezTo>
+                <a:cubicBezTo>
+                  <a:pt x="7859" y="0"/>
+                  <a:pt x="7831" y="0"/>
+                  <a:pt x="7803" y="0"/>
+                </a:cubicBezTo>
+                <a:lnTo>
+                  <a:pt x="7275" y="0"/>
+                </a:lnTo>
+                <a:lnTo>
+                  <a:pt x="0" y="70"/>
+                </a:lnTo>
+                <a:cubicBezTo>
+                  <a:pt x="8" y="3380"/>
+                  <a:pt x="17" y="6690"/>
+                  <a:pt x="25" y="10000"/>
+                </a:cubicBezTo>
+                <a:lnTo>
+                  <a:pt x="7275" y="9966"/>
+                </a:lnTo>
+                <a:lnTo>
+                  <a:pt x="7803" y="9966"/>
+                </a:lnTo>
+                <a:cubicBezTo>
+                  <a:pt x="7831" y="9966"/>
+                  <a:pt x="7859" y="9872"/>
+                  <a:pt x="7886" y="9872"/>
+                </a:cubicBezTo>
+                <a:cubicBezTo>
+                  <a:pt x="7886" y="9778"/>
+                  <a:pt x="7915" y="9778"/>
+                  <a:pt x="7915" y="9778"/>
+                </a:cubicBezTo>
+                <a:lnTo>
+                  <a:pt x="9248" y="5265"/>
+                </a:lnTo>
+                <a:cubicBezTo>
+                  <a:pt x="9303" y="5077"/>
+                  <a:pt x="9303" y="4889"/>
+                  <a:pt x="9248" y="4701"/>
+                </a:cubicBezTo>
+                <a:close/>
+              </a:path>
+            </a:pathLst>
+          </a:custGeom>
+          <a:solidFill>
+            <a:schemeClr val="accent1"/>
+          </a:solidFill>
+          <a:ln>
+            <a:noFill/>
+          </a:ln>
+        </p:spPr>
+      </p:sp>
+      <p:sp>
+        <p:nvSpPr>
+          <p:cNvPr id="7" name="Slide Number Placeholder 6"/>
+          <p:cNvSpPr>
+            <a:spLocks noGrp="1"/>
+          </p:cNvSpPr>
+          <p:nvPr>
+            <p:ph type="sldNum" sz="quarter" idx="12"/>
+          </p:nvPr>
+        </p:nvSpPr>
+        <p:spPr>
+          <a:xfrm>
+            <a:off x="531812" y="4983087"/>
+            <a:ext cx="779767" cy="365125"/>
+          </a:xfrm>
+        </p:spPr>
+        <p:txBody>
+          <a:bodyPr/>
+          <a:lstStyle/>
+          <a:p>
+            <a:fld id="{847404D7-B396-4D1C-80FC-A0B9EC29CFE3}" type="slidenum">
+              <a:rPr lang="en-US" smtClean="0"/>
+              <a:t>‹#›</a:t>
+            </a:fld>
+            <a:endParaRPr lang="en-US"/>
+          </a:p>
+        </p:txBody>
+      </p:sp>
+    </p:spTree>
+    <p:extLst>
+      <p:ext uri="{BB962C8B-B14F-4D97-AF65-F5344CB8AC3E}">
+        <p14:creationId xmlns:p14="http://schemas.microsoft.com/office/powerpoint/2010/main" val="593513175"/>
+      </p:ext>
+    </p:extLst>
+  </p:cSld>
+  <p:clrMapOvr>
+    <a:masterClrMapping/>
+  </p:clrMapOvr>
+</p:sldLayout>
+</file>
+
+<file path=ppt/slideLayouts/slideLayout13.xml><?xml version="1.0" encoding="utf-8"?>
+<p:sldLayout xmlns:a="http://schemas.openxmlformats.org/drawingml/2006/main" xmlns:r="http://schemas.openxmlformats.org/officeDocument/2006/relationships" xmlns:p="http://schemas.openxmlformats.org/presentationml/2006/main" preserve="1">
+  <p:cSld name="Quote Name Card">
+    <p:spTree>
+      <p:nvGrpSpPr>
+        <p:cNvPr id="1" name=""/>
+        <p:cNvGrpSpPr/>
+        <p:nvPr/>
+      </p:nvGrpSpPr>
+      <p:grpSpPr>
+        <a:xfrm>
+          <a:off x="0" y="0"/>
+          <a:ext cx="0" cy="0"/>
+          <a:chOff x="0" y="0"/>
+          <a:chExt cx="0" cy="0"/>
+        </a:xfrm>
+      </p:grpSpPr>
+      <p:sp>
+        <p:nvSpPr>
+          <p:cNvPr id="12" name="Title 1"/>
+          <p:cNvSpPr>
+            <a:spLocks noGrp="1"/>
+          </p:cNvSpPr>
+          <p:nvPr>
+            <p:ph type="title"/>
+          </p:nvPr>
+        </p:nvSpPr>
+        <p:spPr>
+          <a:xfrm>
+            <a:off x="2849949" y="609600"/>
+            <a:ext cx="8393926" cy="2895600"/>
+          </a:xfrm>
+        </p:spPr>
+        <p:txBody>
+          <a:bodyPr anchor="ctr">
+            <a:normAutofit/>
+          </a:bodyPr>
+          <a:lstStyle>
+            <a:lvl1pPr algn="l">
+              <a:defRPr sz="4800" b="0" cap="none"/>
+            </a:lvl1pPr>
+          </a:lstStyle>
+          <a:p>
+            <a:r>
+              <a:rPr lang="en-US"/>
+              <a:t>Click to edit Master title style</a:t>
+            </a:r>
+            <a:endParaRPr lang="en-US" dirty="0"/>
+          </a:p>
+        </p:txBody>
+      </p:sp>
+      <p:sp>
+        <p:nvSpPr>
+          <p:cNvPr id="21" name="Text Placeholder 9"/>
+          <p:cNvSpPr>
+            <a:spLocks noGrp="1"/>
+          </p:cNvSpPr>
+          <p:nvPr>
+            <p:ph type="body" sz="quarter" idx="13"/>
+          </p:nvPr>
+        </p:nvSpPr>
+        <p:spPr>
+          <a:xfrm>
+            <a:off x="2589212" y="4343400"/>
+            <a:ext cx="8915400" cy="838200"/>
+          </a:xfrm>
+        </p:spPr>
+        <p:txBody>
+          <a:bodyPr anchor="b">
+            <a:noAutofit/>
+          </a:bodyPr>
+          <a:lstStyle>
+            <a:lvl1pPr marL="0" indent="0">
+              <a:buFontTx/>
+              <a:buNone/>
+              <a:defRPr sz="2400">
+                <a:solidFill>
+                  <a:schemeClr val="accent1"/>
+                </a:solidFill>
+              </a:defRPr>
+            </a:lvl1pPr>
+            <a:lvl2pPr marL="457200" indent="0">
+              <a:buFontTx/>
+              <a:buNone/>
+              <a:defRPr/>
+            </a:lvl2pPr>
+            <a:lvl3pPr marL="914400" indent="0">
+              <a:buFontTx/>
+              <a:buNone/>
+              <a:defRPr/>
+            </a:lvl3pPr>
+            <a:lvl4pPr marL="1371600" indent="0">
+              <a:buFontTx/>
+              <a:buNone/>
+              <a:defRPr/>
+            </a:lvl4pPr>
+            <a:lvl5pPr marL="1828800" indent="0">
+              <a:buFontTx/>
+              <a:buNone/>
+              <a:defRPr/>
+            </a:lvl5pPr>
+          </a:lstStyle>
+          <a:p>
+            <a:pPr lvl="0"/>
+            <a:r>
+              <a:rPr lang="en-US"/>
+              <a:t>Click to edit Master text styles</a:t>
+            </a:r>
+          </a:p>
+        </p:txBody>
+      </p:sp>
+      <p:sp>
+        <p:nvSpPr>
+          <p:cNvPr id="4" name="Text Placeholder 3"/>
+          <p:cNvSpPr>
+            <a:spLocks noGrp="1"/>
+          </p:cNvSpPr>
+          <p:nvPr>
+            <p:ph type="body" sz="half" idx="2"/>
+          </p:nvPr>
+        </p:nvSpPr>
+        <p:spPr>
+          <a:xfrm>
+            <a:off x="2589213" y="5181600"/>
+            <a:ext cx="8915400" cy="729622"/>
+          </a:xfrm>
+        </p:spPr>
+        <p:txBody>
+          <a:bodyPr vert="horz" lIns="91440" tIns="45720" rIns="91440" bIns="45720" rtlCol="0" anchor="t">
+            <a:normAutofit/>
+          </a:bodyPr>
+          <a:lstStyle>
+            <a:lvl1pPr>
+              <a:buNone/>
+              <a:defRPr lang="en-US">
+                <a:solidFill>
+                  <a:schemeClr val="tx1">
+                    <a:lumMod val="65000"/>
+                    <a:lumOff val="35000"/>
+                  </a:schemeClr>
+                </a:solidFill>
+              </a:defRPr>
+            </a:lvl1pPr>
+          </a:lstStyle>
+          <a:p>
+            <a:pPr marL="0" lvl="0" indent="0">
+              <a:buNone/>
+            </a:pPr>
+            <a:r>
+              <a:rPr lang="en-US"/>
+              <a:t>Click to edit Master text styles</a:t>
+            </a:r>
+          </a:p>
+        </p:txBody>
+      </p:sp>
+      <p:sp>
+        <p:nvSpPr>
+          <p:cNvPr id="5" name="Date Placeholder 4"/>
+          <p:cNvSpPr>
+            <a:spLocks noGrp="1"/>
+          </p:cNvSpPr>
+          <p:nvPr>
+            <p:ph type="dt" sz="half" idx="10"/>
+          </p:nvPr>
+        </p:nvSpPr>
+        <p:spPr/>
+        <p:txBody>
+          <a:bodyPr/>
+          <a:lstStyle/>
+          <a:p>
+            <a:fld id="{A4525604-80C6-425A-B832-546FCA8D96C9}" type="datetimeFigureOut">
+              <a:rPr lang="en-US" smtClean="0"/>
+              <a:t>8/24/2022</a:t>
+            </a:fld>
+            <a:endParaRPr lang="en-US"/>
+          </a:p>
+        </p:txBody>
+      </p:sp>
+      <p:sp>
+        <p:nvSpPr>
+          <p:cNvPr id="6" name="Footer Placeholder 5"/>
+          <p:cNvSpPr>
+            <a:spLocks noGrp="1"/>
+          </p:cNvSpPr>
+          <p:nvPr>
+            <p:ph type="ftr" sz="quarter" idx="11"/>
+          </p:nvPr>
+        </p:nvSpPr>
+        <p:spPr/>
+        <p:txBody>
+          <a:bodyPr/>
+          <a:lstStyle/>
+          <a:p>
+            <a:endParaRPr lang="en-US"/>
+          </a:p>
+        </p:txBody>
+      </p:sp>
+      <p:sp>
+        <p:nvSpPr>
+          <p:cNvPr id="11" name="Freeform 11"/>
+          <p:cNvSpPr/>
+          <p:nvPr/>
+        </p:nvSpPr>
+        <p:spPr bwMode="auto">
+          <a:xfrm flipV="1">
+            <a:off x="-4189" y="4911725"/>
+            <a:ext cx="1588527" cy="507297"/>
+          </a:xfrm>
+          <a:custGeom>
+            <a:avLst/>
+            <a:gdLst/>
+            <a:ahLst/>
+            <a:cxnLst/>
+            <a:rect l="l" t="t" r="r" b="b"/>
+            <a:pathLst>
+              <a:path w="9248" h="10000">
+                <a:moveTo>
+                  <a:pt x="9248" y="4701"/>
+                </a:moveTo>
+                <a:lnTo>
+                  <a:pt x="7915" y="188"/>
+                </a:lnTo>
+                <a:cubicBezTo>
+                  <a:pt x="7906" y="156"/>
+                  <a:pt x="7895" y="126"/>
+                  <a:pt x="7886" y="94"/>
+                </a:cubicBezTo>
+                <a:cubicBezTo>
+                  <a:pt x="7859" y="0"/>
+                  <a:pt x="7831" y="0"/>
+                  <a:pt x="7803" y="0"/>
+                </a:cubicBezTo>
+                <a:lnTo>
+                  <a:pt x="7275" y="0"/>
+                </a:lnTo>
+                <a:lnTo>
+                  <a:pt x="0" y="70"/>
+                </a:lnTo>
+                <a:cubicBezTo>
+                  <a:pt x="8" y="3380"/>
+                  <a:pt x="17" y="6690"/>
+                  <a:pt x="25" y="10000"/>
+                </a:cubicBezTo>
+                <a:lnTo>
+                  <a:pt x="7275" y="9966"/>
+                </a:lnTo>
+                <a:lnTo>
+                  <a:pt x="7803" y="9966"/>
+                </a:lnTo>
+                <a:cubicBezTo>
+                  <a:pt x="7831" y="9966"/>
+                  <a:pt x="7859" y="9872"/>
+                  <a:pt x="7886" y="9872"/>
+                </a:cubicBezTo>
+                <a:cubicBezTo>
+                  <a:pt x="7886" y="9778"/>
+                  <a:pt x="7915" y="9778"/>
+                  <a:pt x="7915" y="9778"/>
+                </a:cubicBezTo>
+                <a:lnTo>
+                  <a:pt x="9248" y="5265"/>
+                </a:lnTo>
+                <a:cubicBezTo>
+                  <a:pt x="9303" y="5077"/>
+                  <a:pt x="9303" y="4889"/>
+                  <a:pt x="9248" y="4701"/>
+                </a:cubicBezTo>
+                <a:close/>
+              </a:path>
+            </a:pathLst>
+          </a:custGeom>
+          <a:solidFill>
+            <a:schemeClr val="accent1"/>
+          </a:solidFill>
+          <a:ln>
+            <a:noFill/>
+          </a:ln>
+        </p:spPr>
+      </p:sp>
+      <p:sp>
+        <p:nvSpPr>
+          <p:cNvPr id="7" name="Slide Number Placeholder 6"/>
+          <p:cNvSpPr>
+            <a:spLocks noGrp="1"/>
+          </p:cNvSpPr>
+          <p:nvPr>
+            <p:ph type="sldNum" sz="quarter" idx="12"/>
+          </p:nvPr>
+        </p:nvSpPr>
+        <p:spPr>
+          <a:xfrm>
+            <a:off x="531812" y="4983087"/>
+            <a:ext cx="779767" cy="365125"/>
+          </a:xfrm>
+        </p:spPr>
+        <p:txBody>
+          <a:bodyPr/>
+          <a:lstStyle/>
+          <a:p>
+            <a:fld id="{847404D7-B396-4D1C-80FC-A0B9EC29CFE3}" type="slidenum">
+              <a:rPr lang="en-US" smtClean="0"/>
+              <a:t>‹#›</a:t>
+            </a:fld>
+            <a:endParaRPr lang="en-US"/>
+          </a:p>
+        </p:txBody>
+      </p:sp>
+      <p:sp>
+        <p:nvSpPr>
+          <p:cNvPr id="17" name="TextBox 16"/>
+          <p:cNvSpPr txBox="1"/>
+          <p:nvPr/>
+        </p:nvSpPr>
+        <p:spPr>
+          <a:xfrm>
+            <a:off x="2467652" y="648005"/>
+            <a:ext cx="609600" cy="584776"/>
+          </a:xfrm>
+          <a:prstGeom prst="rect">
+            <a:avLst/>
+          </a:prstGeom>
+        </p:spPr>
+        <p:txBody>
+          <a:bodyPr vert="horz" lIns="91440" tIns="45720" rIns="91440" bIns="45720" rtlCol="0" anchor="ctr">
+            <a:noAutofit/>
+          </a:bodyPr>
+          <a:lstStyle/>
+          <a:p>
+            <a:pPr lvl="0"/>
+            <a:r>
+              <a:rPr lang="en-US" sz="8000" baseline="0" dirty="0">
+                <a:ln w="3175" cmpd="sng">
+                  <a:noFill/>
+                </a:ln>
+                <a:solidFill>
+                  <a:schemeClr val="accent1"/>
+                </a:solidFill>
+                <a:effectLst/>
+                <a:latin typeface="Arial"/>
+              </a:rPr>
+              <a:t>“</a:t>
+            </a:r>
+          </a:p>
+        </p:txBody>
+      </p:sp>
+      <p:sp>
+        <p:nvSpPr>
+          <p:cNvPr id="18" name="TextBox 17"/>
+          <p:cNvSpPr txBox="1"/>
+          <p:nvPr/>
+        </p:nvSpPr>
+        <p:spPr>
+          <a:xfrm>
+            <a:off x="11114852" y="2905306"/>
+            <a:ext cx="609600" cy="584776"/>
+          </a:xfrm>
+          <a:prstGeom prst="rect">
+            <a:avLst/>
+          </a:prstGeom>
+        </p:spPr>
+        <p:txBody>
+          <a:bodyPr vert="horz" lIns="91440" tIns="45720" rIns="91440" bIns="45720" rtlCol="0" anchor="ctr">
+            <a:noAutofit/>
+          </a:bodyPr>
+          <a:lstStyle/>
+          <a:p>
+            <a:pPr lvl="0"/>
+            <a:r>
+              <a:rPr lang="en-US" sz="8000" baseline="0" dirty="0">
+                <a:ln w="3175" cmpd="sng">
+                  <a:noFill/>
+                </a:ln>
+                <a:solidFill>
+                  <a:schemeClr val="accent1"/>
+                </a:solidFill>
+                <a:effectLst/>
+                <a:latin typeface="Arial"/>
+              </a:rPr>
+              <a:t>”</a:t>
+            </a:r>
+          </a:p>
+        </p:txBody>
+      </p:sp>
+    </p:spTree>
+    <p:extLst>
+      <p:ext uri="{BB962C8B-B14F-4D97-AF65-F5344CB8AC3E}">
+        <p14:creationId xmlns:p14="http://schemas.microsoft.com/office/powerpoint/2010/main" val="1215195092"/>
+      </p:ext>
+    </p:extLst>
+  </p:cSld>
+  <p:clrMapOvr>
+    <a:masterClrMapping/>
+  </p:clrMapOvr>
+</p:sldLayout>
+</file>
+
+<file path=ppt/slideLayouts/slideLayout14.xml><?xml version="1.0" encoding="utf-8"?>
+<p:sldLayout xmlns:a="http://schemas.openxmlformats.org/drawingml/2006/main" xmlns:r="http://schemas.openxmlformats.org/officeDocument/2006/relationships" xmlns:p="http://schemas.openxmlformats.org/presentationml/2006/main" preserve="1">
+  <p:cSld name="True or False">
+    <p:spTree>
+      <p:nvGrpSpPr>
+        <p:cNvPr id="1" name=""/>
+        <p:cNvGrpSpPr/>
+        <p:nvPr/>
+      </p:nvGrpSpPr>
+      <p:grpSpPr>
+        <a:xfrm>
+          <a:off x="0" y="0"/>
+          <a:ext cx="0" cy="0"/>
+          <a:chOff x="0" y="0"/>
+          <a:chExt cx="0" cy="0"/>
+        </a:xfrm>
+      </p:grpSpPr>
+      <p:sp>
+        <p:nvSpPr>
+          <p:cNvPr id="2" name="Title 1"/>
+          <p:cNvSpPr>
+            <a:spLocks noGrp="1"/>
+          </p:cNvSpPr>
+          <p:nvPr>
+            <p:ph type="title"/>
+          </p:nvPr>
+        </p:nvSpPr>
+        <p:spPr>
+          <a:xfrm>
+            <a:off x="2589212" y="627407"/>
+            <a:ext cx="8915399" cy="2880020"/>
+          </a:xfrm>
+        </p:spPr>
+        <p:txBody>
+          <a:bodyPr anchor="ctr">
+            <a:normAutofit/>
+          </a:bodyPr>
+          <a:lstStyle>
+            <a:lvl1pPr algn="l">
+              <a:defRPr sz="4800" b="0"/>
+            </a:lvl1pPr>
+          </a:lstStyle>
+          <a:p>
+            <a:r>
+              <a:rPr lang="en-US"/>
+              <a:t>Click to edit Master title style</a:t>
+            </a:r>
+            <a:endParaRPr lang="en-US" dirty="0"/>
+          </a:p>
+        </p:txBody>
+      </p:sp>
+      <p:sp>
+        <p:nvSpPr>
+          <p:cNvPr id="21" name="Text Placeholder 9"/>
+          <p:cNvSpPr>
+            <a:spLocks noGrp="1"/>
+          </p:cNvSpPr>
+          <p:nvPr>
+            <p:ph type="body" sz="quarter" idx="13"/>
+          </p:nvPr>
+        </p:nvSpPr>
+        <p:spPr>
+          <a:xfrm>
+            <a:off x="2589212" y="4343400"/>
+            <a:ext cx="8915400" cy="838200"/>
+          </a:xfrm>
+        </p:spPr>
+        <p:txBody>
+          <a:bodyPr anchor="b">
+            <a:noAutofit/>
+          </a:bodyPr>
+          <a:lstStyle>
+            <a:lvl1pPr marL="0" indent="0">
+              <a:buFontTx/>
+              <a:buNone/>
+              <a:defRPr sz="2400">
+                <a:solidFill>
+                  <a:schemeClr val="accent1"/>
+                </a:solidFill>
+              </a:defRPr>
+            </a:lvl1pPr>
+            <a:lvl2pPr marL="457200" indent="0">
+              <a:buFontTx/>
+              <a:buNone/>
+              <a:defRPr/>
+            </a:lvl2pPr>
+            <a:lvl3pPr marL="914400" indent="0">
+              <a:buFontTx/>
+              <a:buNone/>
+              <a:defRPr/>
+            </a:lvl3pPr>
+            <a:lvl4pPr marL="1371600" indent="0">
+              <a:buFontTx/>
+              <a:buNone/>
+              <a:defRPr/>
+            </a:lvl4pPr>
+            <a:lvl5pPr marL="1828800" indent="0">
+              <a:buFontTx/>
+              <a:buNone/>
+              <a:defRPr/>
+            </a:lvl5pPr>
+          </a:lstStyle>
+          <a:p>
+            <a:pPr lvl="0"/>
+            <a:r>
+              <a:rPr lang="en-US"/>
+              <a:t>Click to edit Master text styles</a:t>
+            </a:r>
+          </a:p>
+        </p:txBody>
+      </p:sp>
+      <p:sp>
+        <p:nvSpPr>
+          <p:cNvPr id="4" name="Text Placeholder 3"/>
+          <p:cNvSpPr>
+            <a:spLocks noGrp="1"/>
+          </p:cNvSpPr>
+          <p:nvPr>
+            <p:ph type="body" sz="half" idx="2"/>
+          </p:nvPr>
+        </p:nvSpPr>
+        <p:spPr>
+          <a:xfrm>
+            <a:off x="2589213" y="5181600"/>
+            <a:ext cx="8915400" cy="729622"/>
+          </a:xfrm>
+        </p:spPr>
+        <p:txBody>
+          <a:bodyPr vert="horz" lIns="91440" tIns="45720" rIns="91440" bIns="45720" rtlCol="0" anchor="t">
+            <a:normAutofit/>
+          </a:bodyPr>
+          <a:lstStyle>
+            <a:lvl1pPr>
+              <a:buNone/>
+              <a:defRPr lang="en-US">
+                <a:solidFill>
+                  <a:schemeClr val="tx1">
+                    <a:lumMod val="65000"/>
+                    <a:lumOff val="35000"/>
+                  </a:schemeClr>
+                </a:solidFill>
+              </a:defRPr>
+            </a:lvl1pPr>
+          </a:lstStyle>
+          <a:p>
+            <a:pPr marL="0" lvl="0" indent="0">
+              <a:buNone/>
+            </a:pPr>
+            <a:r>
+              <a:rPr lang="en-US"/>
+              <a:t>Click to edit Master text styles</a:t>
+            </a:r>
+          </a:p>
+        </p:txBody>
+      </p:sp>
+      <p:sp>
+        <p:nvSpPr>
+          <p:cNvPr id="5" name="Date Placeholder 4"/>
+          <p:cNvSpPr>
+            <a:spLocks noGrp="1"/>
+          </p:cNvSpPr>
+          <p:nvPr>
+            <p:ph type="dt" sz="half" idx="10"/>
+          </p:nvPr>
+        </p:nvSpPr>
+        <p:spPr/>
+        <p:txBody>
+          <a:bodyPr/>
+          <a:lstStyle/>
+          <a:p>
+            <a:fld id="{A4525604-80C6-425A-B832-546FCA8D96C9}" type="datetimeFigureOut">
+              <a:rPr lang="en-US" smtClean="0"/>
+              <a:t>8/24/2022</a:t>
+            </a:fld>
+            <a:endParaRPr lang="en-US"/>
+          </a:p>
+        </p:txBody>
+      </p:sp>
+      <p:sp>
+        <p:nvSpPr>
+          <p:cNvPr id="6" name="Footer Placeholder 5"/>
+          <p:cNvSpPr>
+            <a:spLocks noGrp="1"/>
+          </p:cNvSpPr>
+          <p:nvPr>
+            <p:ph type="ftr" sz="quarter" idx="11"/>
+          </p:nvPr>
+        </p:nvSpPr>
+        <p:spPr/>
+        <p:txBody>
+          <a:bodyPr/>
+          <a:lstStyle/>
+          <a:p>
+            <a:endParaRPr lang="en-US"/>
+          </a:p>
+        </p:txBody>
+      </p:sp>
+      <p:sp>
+        <p:nvSpPr>
+          <p:cNvPr id="9" name="Freeform 11"/>
+          <p:cNvSpPr/>
+          <p:nvPr/>
+        </p:nvSpPr>
+        <p:spPr bwMode="auto">
+          <a:xfrm flipV="1">
+            <a:off x="-4189" y="4911725"/>
+            <a:ext cx="1588527" cy="507297"/>
+          </a:xfrm>
+          <a:custGeom>
+            <a:avLst/>
+            <a:gdLst/>
+            <a:ahLst/>
+            <a:cxnLst/>
+            <a:rect l="l" t="t" r="r" b="b"/>
+            <a:pathLst>
+              <a:path w="9248" h="10000">
+                <a:moveTo>
+                  <a:pt x="9248" y="4701"/>
+                </a:moveTo>
+                <a:lnTo>
+                  <a:pt x="7915" y="188"/>
+                </a:lnTo>
+                <a:cubicBezTo>
+                  <a:pt x="7906" y="156"/>
+                  <a:pt x="7895" y="126"/>
+                  <a:pt x="7886" y="94"/>
+                </a:cubicBezTo>
+                <a:cubicBezTo>
+                  <a:pt x="7859" y="0"/>
+                  <a:pt x="7831" y="0"/>
+                  <a:pt x="7803" y="0"/>
+                </a:cubicBezTo>
+                <a:lnTo>
+                  <a:pt x="7275" y="0"/>
+                </a:lnTo>
+                <a:lnTo>
+                  <a:pt x="0" y="70"/>
+                </a:lnTo>
+                <a:cubicBezTo>
+                  <a:pt x="8" y="3380"/>
+                  <a:pt x="17" y="6690"/>
+                  <a:pt x="25" y="10000"/>
+                </a:cubicBezTo>
+                <a:lnTo>
+                  <a:pt x="7275" y="9966"/>
+                </a:lnTo>
+                <a:lnTo>
+                  <a:pt x="7803" y="9966"/>
+                </a:lnTo>
+                <a:cubicBezTo>
+                  <a:pt x="7831" y="9966"/>
+                  <a:pt x="7859" y="9872"/>
+                  <a:pt x="7886" y="9872"/>
+                </a:cubicBezTo>
+                <a:cubicBezTo>
+                  <a:pt x="7886" y="9778"/>
+                  <a:pt x="7915" y="9778"/>
+                  <a:pt x="7915" y="9778"/>
+                </a:cubicBezTo>
+                <a:lnTo>
+                  <a:pt x="9248" y="5265"/>
+                </a:lnTo>
+                <a:cubicBezTo>
+                  <a:pt x="9303" y="5077"/>
+                  <a:pt x="9303" y="4889"/>
+                  <a:pt x="9248" y="4701"/>
+                </a:cubicBezTo>
+                <a:close/>
+              </a:path>
+            </a:pathLst>
+          </a:custGeom>
+          <a:solidFill>
+            <a:schemeClr val="accent1"/>
+          </a:solidFill>
+          <a:ln>
+            <a:noFill/>
+          </a:ln>
+        </p:spPr>
+      </p:sp>
+      <p:sp>
+        <p:nvSpPr>
+          <p:cNvPr id="7" name="Slide Number Placeholder 6"/>
+          <p:cNvSpPr>
+            <a:spLocks noGrp="1"/>
+          </p:cNvSpPr>
+          <p:nvPr>
+            <p:ph type="sldNum" sz="quarter" idx="12"/>
+          </p:nvPr>
+        </p:nvSpPr>
+        <p:spPr>
+          <a:xfrm>
+            <a:off x="531812" y="4983087"/>
+            <a:ext cx="779767" cy="365125"/>
+          </a:xfrm>
+        </p:spPr>
+        <p:txBody>
+          <a:bodyPr/>
+          <a:lstStyle/>
+          <a:p>
+            <a:fld id="{847404D7-B396-4D1C-80FC-A0B9EC29CFE3}" type="slidenum">
+              <a:rPr lang="en-US" smtClean="0"/>
+              <a:t>‹#›</a:t>
+            </a:fld>
+            <a:endParaRPr lang="en-US"/>
+          </a:p>
+        </p:txBody>
+      </p:sp>
+    </p:spTree>
+    <p:extLst>
+      <p:ext uri="{BB962C8B-B14F-4D97-AF65-F5344CB8AC3E}">
+        <p14:creationId xmlns:p14="http://schemas.microsoft.com/office/powerpoint/2010/main" val="1511449660"/>
+      </p:ext>
+    </p:extLst>
+  </p:cSld>
+  <p:clrMapOvr>
+    <a:masterClrMapping/>
+  </p:clrMapOvr>
+</p:sldLayout>
+</file>
+
+<file path=ppt/slideLayouts/slideLayout15.xml><?xml version="1.0" encoding="utf-8"?>
 <p:sldLayout xmlns:a="http://schemas.openxmlformats.org/drawingml/2006/main" xmlns:r="http://schemas.openxmlformats.org/officeDocument/2006/relationships" xmlns:p="http://schemas.openxmlformats.org/presentationml/2006/main" type="vertTx" preserve="1">
   <p:cSld name="Title and Vertical Text">
     <p:spTree>
@@ -4242,13 +6709,7 @@
       </p:grpSpPr>
       <p:sp>
         <p:nvSpPr>
-          <p:cNvPr id="2" name="Title 1">
-            <a:extLst>
-              <a:ext uri="{FF2B5EF4-FFF2-40B4-BE49-F238E27FC236}">
-                <a16:creationId xmlns:a16="http://schemas.microsoft.com/office/drawing/2014/main" id="{3E436B55-C3A0-701B-1BA3-08F15666F41F}"/>
-              </a:ext>
-            </a:extLst>
-          </p:cNvPr>
+          <p:cNvPr id="2" name="Title 1"/>
           <p:cNvSpPr>
             <a:spLocks noGrp="1"/>
           </p:cNvSpPr>
@@ -4265,18 +6726,13 @@
               <a:rPr lang="en-US"/>
               <a:t>Click to edit Master title style</a:t>
             </a:r>
+            <a:endParaRPr lang="en-US" dirty="0"/>
           </a:p>
         </p:txBody>
       </p:sp>
       <p:sp>
         <p:nvSpPr>
-          <p:cNvPr id="3" name="Vertical Text Placeholder 2">
-            <a:extLst>
-              <a:ext uri="{FF2B5EF4-FFF2-40B4-BE49-F238E27FC236}">
-                <a16:creationId xmlns:a16="http://schemas.microsoft.com/office/drawing/2014/main" id="{D60E5E2A-1B66-52DC-8B16-BDD1E0205456}"/>
-              </a:ext>
-            </a:extLst>
-          </p:cNvPr>
+          <p:cNvPr id="3" name="Vertical Text Placeholder 2"/>
           <p:cNvSpPr>
             <a:spLocks noGrp="1"/>
           </p:cNvSpPr>
@@ -4286,7 +6742,7 @@
         </p:nvSpPr>
         <p:spPr/>
         <p:txBody>
-          <a:bodyPr vert="eaVert"/>
+          <a:bodyPr vert="eaVert" anchor="t"/>
           <a:lstStyle/>
           <a:p>
             <a:pPr lvl="0"/>
@@ -4322,18 +6778,13 @@
               <a:rPr lang="en-US"/>
               <a:t>Fifth level</a:t>
             </a:r>
+            <a:endParaRPr lang="en-US" dirty="0"/>
           </a:p>
         </p:txBody>
       </p:sp>
       <p:sp>
         <p:nvSpPr>
-          <p:cNvPr id="4" name="Date Placeholder 3">
-            <a:extLst>
-              <a:ext uri="{FF2B5EF4-FFF2-40B4-BE49-F238E27FC236}">
-                <a16:creationId xmlns:a16="http://schemas.microsoft.com/office/drawing/2014/main" id="{7DA4354A-909C-339C-D9A9-B803D3963DF8}"/>
-              </a:ext>
-            </a:extLst>
-          </p:cNvPr>
+          <p:cNvPr id="4" name="Date Placeholder 3"/>
           <p:cNvSpPr>
             <a:spLocks noGrp="1"/>
           </p:cNvSpPr>
@@ -4356,13 +6807,7 @@
       </p:sp>
       <p:sp>
         <p:nvSpPr>
-          <p:cNvPr id="5" name="Footer Placeholder 4">
-            <a:extLst>
-              <a:ext uri="{FF2B5EF4-FFF2-40B4-BE49-F238E27FC236}">
-                <a16:creationId xmlns:a16="http://schemas.microsoft.com/office/drawing/2014/main" id="{9A8724B3-AA1D-4D2E-ADF7-8111F85E0D74}"/>
-              </a:ext>
-            </a:extLst>
-          </p:cNvPr>
+          <p:cNvPr id="5" name="Footer Placeholder 4"/>
           <p:cNvSpPr>
             <a:spLocks noGrp="1"/>
           </p:cNvSpPr>
@@ -4381,13 +6826,89 @@
       </p:sp>
       <p:sp>
         <p:nvSpPr>
-          <p:cNvPr id="6" name="Slide Number Placeholder 5">
-            <a:extLst>
-              <a:ext uri="{FF2B5EF4-FFF2-40B4-BE49-F238E27FC236}">
-                <a16:creationId xmlns:a16="http://schemas.microsoft.com/office/drawing/2014/main" id="{6218263B-5CE3-68F1-5B39-D4CA042D1703}"/>
-              </a:ext>
-            </a:extLst>
-          </p:cNvPr>
+          <p:cNvPr id="8" name="Freeform 11"/>
+          <p:cNvSpPr/>
+          <p:nvPr/>
+        </p:nvSpPr>
+        <p:spPr bwMode="auto">
+          <a:xfrm flipV="1">
+            <a:off x="-4189" y="714375"/>
+            <a:ext cx="1588527" cy="507297"/>
+          </a:xfrm>
+          <a:custGeom>
+            <a:avLst/>
+            <a:gdLst/>
+            <a:ahLst/>
+            <a:cxnLst/>
+            <a:rect l="l" t="t" r="r" b="b"/>
+            <a:pathLst>
+              <a:path w="9248" h="10000">
+                <a:moveTo>
+                  <a:pt x="9248" y="4701"/>
+                </a:moveTo>
+                <a:lnTo>
+                  <a:pt x="7915" y="188"/>
+                </a:lnTo>
+                <a:cubicBezTo>
+                  <a:pt x="7906" y="156"/>
+                  <a:pt x="7895" y="126"/>
+                  <a:pt x="7886" y="94"/>
+                </a:cubicBezTo>
+                <a:cubicBezTo>
+                  <a:pt x="7859" y="0"/>
+                  <a:pt x="7831" y="0"/>
+                  <a:pt x="7803" y="0"/>
+                </a:cubicBezTo>
+                <a:lnTo>
+                  <a:pt x="7275" y="0"/>
+                </a:lnTo>
+                <a:lnTo>
+                  <a:pt x="0" y="70"/>
+                </a:lnTo>
+                <a:cubicBezTo>
+                  <a:pt x="8" y="3380"/>
+                  <a:pt x="17" y="6690"/>
+                  <a:pt x="25" y="10000"/>
+                </a:cubicBezTo>
+                <a:lnTo>
+                  <a:pt x="7275" y="9966"/>
+                </a:lnTo>
+                <a:lnTo>
+                  <a:pt x="7803" y="9966"/>
+                </a:lnTo>
+                <a:cubicBezTo>
+                  <a:pt x="7831" y="9966"/>
+                  <a:pt x="7859" y="9872"/>
+                  <a:pt x="7886" y="9872"/>
+                </a:cubicBezTo>
+                <a:cubicBezTo>
+                  <a:pt x="7886" y="9778"/>
+                  <a:pt x="7915" y="9778"/>
+                  <a:pt x="7915" y="9778"/>
+                </a:cubicBezTo>
+                <a:lnTo>
+                  <a:pt x="9248" y="5265"/>
+                </a:lnTo>
+                <a:cubicBezTo>
+                  <a:pt x="9303" y="5077"/>
+                  <a:pt x="9303" y="4889"/>
+                  <a:pt x="9248" y="4701"/>
+                </a:cubicBezTo>
+                <a:close/>
+              </a:path>
+            </a:pathLst>
+          </a:custGeom>
+          <a:solidFill>
+            <a:schemeClr val="accent1"/>
+          </a:solidFill>
+          <a:ln>
+            <a:noFill/>
+          </a:ln>
+        </p:spPr>
+      </p:sp>
+      <p:sp>
+        <p:nvSpPr>
+          <p:cNvPr id="6" name="Slide Number Placeholder 5"/>
           <p:cNvSpPr>
             <a:spLocks noGrp="1"/>
           </p:cNvSpPr>
@@ -4411,7 +6932,7 @@
     </p:spTree>
     <p:extLst>
       <p:ext uri="{BB962C8B-B14F-4D97-AF65-F5344CB8AC3E}">
-        <p14:creationId xmlns:p14="http://schemas.microsoft.com/office/powerpoint/2010/main" val="4260379269"/>
+        <p14:creationId xmlns:p14="http://schemas.microsoft.com/office/powerpoint/2010/main" val="1544613139"/>
       </p:ext>
     </p:extLst>
   </p:cSld>
@@ -4421,7 +6942,7 @@
 </p:sldLayout>
 </file>
 
-<file path=ppt/slideLayouts/slideLayout11.xml><?xml version="1.0" encoding="utf-8"?>
+<file path=ppt/slideLayouts/slideLayout16.xml><?xml version="1.0" encoding="utf-8"?>
 <p:sldLayout xmlns:a="http://schemas.openxmlformats.org/drawingml/2006/main" xmlns:r="http://schemas.openxmlformats.org/officeDocument/2006/relationships" xmlns:p="http://schemas.openxmlformats.org/presentationml/2006/main" type="vertTitleAndTx" preserve="1">
   <p:cSld name="Vertical Title and Text">
     <p:spTree>
@@ -4440,13 +6961,7 @@
       </p:grpSpPr>
       <p:sp>
         <p:nvSpPr>
-          <p:cNvPr id="2" name="Vertical Title 1">
-            <a:extLst>
-              <a:ext uri="{FF2B5EF4-FFF2-40B4-BE49-F238E27FC236}">
-                <a16:creationId xmlns:a16="http://schemas.microsoft.com/office/drawing/2014/main" id="{3514B4AB-9B45-660F-9B15-121AEF779A70}"/>
-              </a:ext>
-            </a:extLst>
-          </p:cNvPr>
+          <p:cNvPr id="2" name="Vertical Title 1"/>
           <p:cNvSpPr>
             <a:spLocks noGrp="1"/>
           </p:cNvSpPr>
@@ -4456,30 +6971,25 @@
         </p:nvSpPr>
         <p:spPr>
           <a:xfrm>
-            <a:off x="8724900" y="365125"/>
-            <a:ext cx="2628900" cy="5811838"/>
+            <a:off x="9294812" y="627405"/>
+            <a:ext cx="2207601" cy="5283817"/>
           </a:xfrm>
         </p:spPr>
         <p:txBody>
-          <a:bodyPr vert="eaVert"/>
+          <a:bodyPr vert="eaVert" anchor="ctr"/>
           <a:lstStyle/>
           <a:p>
             <a:r>
               <a:rPr lang="en-US"/>
               <a:t>Click to edit Master title style</a:t>
             </a:r>
+            <a:endParaRPr lang="en-US" dirty="0"/>
           </a:p>
         </p:txBody>
       </p:sp>
       <p:sp>
         <p:nvSpPr>
-          <p:cNvPr id="3" name="Vertical Text Placeholder 2">
-            <a:extLst>
-              <a:ext uri="{FF2B5EF4-FFF2-40B4-BE49-F238E27FC236}">
-                <a16:creationId xmlns:a16="http://schemas.microsoft.com/office/drawing/2014/main" id="{79BFF3A0-0E1F-87CF-8979-B04675AFE3A8}"/>
-              </a:ext>
-            </a:extLst>
-          </p:cNvPr>
+          <p:cNvPr id="3" name="Vertical Text Placeholder 2"/>
           <p:cNvSpPr>
             <a:spLocks noGrp="1"/>
           </p:cNvSpPr>
@@ -4489,8 +6999,8 @@
         </p:nvSpPr>
         <p:spPr>
           <a:xfrm>
-            <a:off x="838200" y="365125"/>
-            <a:ext cx="7734300" cy="5811838"/>
+            <a:off x="2589212" y="627405"/>
+            <a:ext cx="6477000" cy="5283817"/>
           </a:xfrm>
         </p:spPr>
         <p:txBody>
@@ -4530,18 +7040,13 @@
               <a:rPr lang="en-US"/>
               <a:t>Fifth level</a:t>
             </a:r>
+            <a:endParaRPr lang="en-US" dirty="0"/>
           </a:p>
         </p:txBody>
       </p:sp>
       <p:sp>
         <p:nvSpPr>
-          <p:cNvPr id="4" name="Date Placeholder 3">
-            <a:extLst>
-              <a:ext uri="{FF2B5EF4-FFF2-40B4-BE49-F238E27FC236}">
-                <a16:creationId xmlns:a16="http://schemas.microsoft.com/office/drawing/2014/main" id="{34F87831-75AF-27A3-3BD2-829D47EA4C1C}"/>
-              </a:ext>
-            </a:extLst>
-          </p:cNvPr>
+          <p:cNvPr id="4" name="Date Placeholder 3"/>
           <p:cNvSpPr>
             <a:spLocks noGrp="1"/>
           </p:cNvSpPr>
@@ -4564,13 +7069,7 @@
       </p:sp>
       <p:sp>
         <p:nvSpPr>
-          <p:cNvPr id="5" name="Footer Placeholder 4">
-            <a:extLst>
-              <a:ext uri="{FF2B5EF4-FFF2-40B4-BE49-F238E27FC236}">
-                <a16:creationId xmlns:a16="http://schemas.microsoft.com/office/drawing/2014/main" id="{DFAC5269-0AC3-04BE-4AAE-566D2E7CBD42}"/>
-              </a:ext>
-            </a:extLst>
-          </p:cNvPr>
+          <p:cNvPr id="5" name="Footer Placeholder 4"/>
           <p:cNvSpPr>
             <a:spLocks noGrp="1"/>
           </p:cNvSpPr>
@@ -4589,13 +7088,89 @@
       </p:sp>
       <p:sp>
         <p:nvSpPr>
-          <p:cNvPr id="6" name="Slide Number Placeholder 5">
-            <a:extLst>
-              <a:ext uri="{FF2B5EF4-FFF2-40B4-BE49-F238E27FC236}">
-                <a16:creationId xmlns:a16="http://schemas.microsoft.com/office/drawing/2014/main" id="{B5C7A2F3-0E96-8838-8AD1-94FC87510AE8}"/>
-              </a:ext>
-            </a:extLst>
-          </p:cNvPr>
+          <p:cNvPr id="8" name="Freeform 11"/>
+          <p:cNvSpPr/>
+          <p:nvPr/>
+        </p:nvSpPr>
+        <p:spPr bwMode="auto">
+          <a:xfrm flipV="1">
+            <a:off x="-4189" y="714375"/>
+            <a:ext cx="1588527" cy="507297"/>
+          </a:xfrm>
+          <a:custGeom>
+            <a:avLst/>
+            <a:gdLst/>
+            <a:ahLst/>
+            <a:cxnLst/>
+            <a:rect l="l" t="t" r="r" b="b"/>
+            <a:pathLst>
+              <a:path w="9248" h="10000">
+                <a:moveTo>
+                  <a:pt x="9248" y="4701"/>
+                </a:moveTo>
+                <a:lnTo>
+                  <a:pt x="7915" y="188"/>
+                </a:lnTo>
+                <a:cubicBezTo>
+                  <a:pt x="7906" y="156"/>
+                  <a:pt x="7895" y="126"/>
+                  <a:pt x="7886" y="94"/>
+                </a:cubicBezTo>
+                <a:cubicBezTo>
+                  <a:pt x="7859" y="0"/>
+                  <a:pt x="7831" y="0"/>
+                  <a:pt x="7803" y="0"/>
+                </a:cubicBezTo>
+                <a:lnTo>
+                  <a:pt x="7275" y="0"/>
+                </a:lnTo>
+                <a:lnTo>
+                  <a:pt x="0" y="70"/>
+                </a:lnTo>
+                <a:cubicBezTo>
+                  <a:pt x="8" y="3380"/>
+                  <a:pt x="17" y="6690"/>
+                  <a:pt x="25" y="10000"/>
+                </a:cubicBezTo>
+                <a:lnTo>
+                  <a:pt x="7275" y="9966"/>
+                </a:lnTo>
+                <a:lnTo>
+                  <a:pt x="7803" y="9966"/>
+                </a:lnTo>
+                <a:cubicBezTo>
+                  <a:pt x="7831" y="9966"/>
+                  <a:pt x="7859" y="9872"/>
+                  <a:pt x="7886" y="9872"/>
+                </a:cubicBezTo>
+                <a:cubicBezTo>
+                  <a:pt x="7886" y="9778"/>
+                  <a:pt x="7915" y="9778"/>
+                  <a:pt x="7915" y="9778"/>
+                </a:cubicBezTo>
+                <a:lnTo>
+                  <a:pt x="9248" y="5265"/>
+                </a:lnTo>
+                <a:cubicBezTo>
+                  <a:pt x="9303" y="5077"/>
+                  <a:pt x="9303" y="4889"/>
+                  <a:pt x="9248" y="4701"/>
+                </a:cubicBezTo>
+                <a:close/>
+              </a:path>
+            </a:pathLst>
+          </a:custGeom>
+          <a:solidFill>
+            <a:schemeClr val="accent1"/>
+          </a:solidFill>
+          <a:ln>
+            <a:noFill/>
+          </a:ln>
+        </p:spPr>
+      </p:sp>
+      <p:sp>
+        <p:nvSpPr>
+          <p:cNvPr id="6" name="Slide Number Placeholder 5"/>
           <p:cNvSpPr>
             <a:spLocks noGrp="1"/>
           </p:cNvSpPr>
@@ -4619,7 +7194,7 @@
     </p:spTree>
     <p:extLst>
       <p:ext uri="{BB962C8B-B14F-4D97-AF65-F5344CB8AC3E}">
-        <p14:creationId xmlns:p14="http://schemas.microsoft.com/office/powerpoint/2010/main" val="1325650774"/>
+        <p14:creationId xmlns:p14="http://schemas.microsoft.com/office/powerpoint/2010/main" val="3906043368"/>
       </p:ext>
     </p:extLst>
   </p:cSld>
@@ -4648,13 +7223,7 @@
       </p:grpSpPr>
       <p:sp>
         <p:nvSpPr>
-          <p:cNvPr id="2" name="Title 1">
-            <a:extLst>
-              <a:ext uri="{FF2B5EF4-FFF2-40B4-BE49-F238E27FC236}">
-                <a16:creationId xmlns:a16="http://schemas.microsoft.com/office/drawing/2014/main" id="{6FBAF94D-532B-91AC-A6DE-479A2D0D3627}"/>
-              </a:ext>
-            </a:extLst>
-          </p:cNvPr>
+          <p:cNvPr id="2" name="Title 1"/>
           <p:cNvSpPr>
             <a:spLocks noGrp="1"/>
           </p:cNvSpPr>
@@ -4662,7 +7231,12 @@
             <p:ph type="title"/>
           </p:nvPr>
         </p:nvSpPr>
-        <p:spPr/>
+        <p:spPr>
+          <a:xfrm>
+            <a:off x="2592925" y="624110"/>
+            <a:ext cx="8911687" cy="1280890"/>
+          </a:xfrm>
+        </p:spPr>
         <p:txBody>
           <a:bodyPr/>
           <a:lstStyle/>
@@ -4671,18 +7245,13 @@
               <a:rPr lang="en-US"/>
               <a:t>Click to edit Master title style</a:t>
             </a:r>
+            <a:endParaRPr lang="en-US" dirty="0"/>
           </a:p>
         </p:txBody>
       </p:sp>
       <p:sp>
         <p:nvSpPr>
-          <p:cNvPr id="3" name="Content Placeholder 2">
-            <a:extLst>
-              <a:ext uri="{FF2B5EF4-FFF2-40B4-BE49-F238E27FC236}">
-                <a16:creationId xmlns:a16="http://schemas.microsoft.com/office/drawing/2014/main" id="{D683C70D-9FA2-2D77-75CC-3DFED35B7186}"/>
-              </a:ext>
-            </a:extLst>
-          </p:cNvPr>
+          <p:cNvPr id="3" name="Content Placeholder 2"/>
           <p:cNvSpPr>
             <a:spLocks noGrp="1"/>
           </p:cNvSpPr>
@@ -4690,7 +7259,12 @@
             <p:ph idx="1"/>
           </p:nvPr>
         </p:nvSpPr>
-        <p:spPr/>
+        <p:spPr>
+          <a:xfrm>
+            <a:off x="2589212" y="2133600"/>
+            <a:ext cx="8915400" cy="3777622"/>
+          </a:xfrm>
+        </p:spPr>
         <p:txBody>
           <a:bodyPr/>
           <a:lstStyle/>
@@ -4728,18 +7302,13 @@
               <a:rPr lang="en-US"/>
               <a:t>Fifth level</a:t>
             </a:r>
+            <a:endParaRPr lang="en-US" dirty="0"/>
           </a:p>
         </p:txBody>
       </p:sp>
       <p:sp>
         <p:nvSpPr>
-          <p:cNvPr id="4" name="Date Placeholder 3">
-            <a:extLst>
-              <a:ext uri="{FF2B5EF4-FFF2-40B4-BE49-F238E27FC236}">
-                <a16:creationId xmlns:a16="http://schemas.microsoft.com/office/drawing/2014/main" id="{54D90458-1E06-C467-2D47-DD993AA4EB8C}"/>
-              </a:ext>
-            </a:extLst>
-          </p:cNvPr>
+          <p:cNvPr id="4" name="Date Placeholder 3"/>
           <p:cNvSpPr>
             <a:spLocks noGrp="1"/>
           </p:cNvSpPr>
@@ -4762,13 +7331,7 @@
       </p:sp>
       <p:sp>
         <p:nvSpPr>
-          <p:cNvPr id="5" name="Footer Placeholder 4">
-            <a:extLst>
-              <a:ext uri="{FF2B5EF4-FFF2-40B4-BE49-F238E27FC236}">
-                <a16:creationId xmlns:a16="http://schemas.microsoft.com/office/drawing/2014/main" id="{3F4180B2-E1B3-5BFB-8892-3A8F9FDCB252}"/>
-              </a:ext>
-            </a:extLst>
-          </p:cNvPr>
+          <p:cNvPr id="5" name="Footer Placeholder 4"/>
           <p:cNvSpPr>
             <a:spLocks noGrp="1"/>
           </p:cNvSpPr>
@@ -4787,13 +7350,89 @@
       </p:sp>
       <p:sp>
         <p:nvSpPr>
-          <p:cNvPr id="6" name="Slide Number Placeholder 5">
-            <a:extLst>
-              <a:ext uri="{FF2B5EF4-FFF2-40B4-BE49-F238E27FC236}">
-                <a16:creationId xmlns:a16="http://schemas.microsoft.com/office/drawing/2014/main" id="{9938D5DE-5E36-4585-31DD-57E125221FA6}"/>
-              </a:ext>
-            </a:extLst>
-          </p:cNvPr>
+          <p:cNvPr id="8" name="Freeform 11"/>
+          <p:cNvSpPr/>
+          <p:nvPr/>
+        </p:nvSpPr>
+        <p:spPr bwMode="auto">
+          <a:xfrm flipV="1">
+            <a:off x="-4189" y="714375"/>
+            <a:ext cx="1588527" cy="507297"/>
+          </a:xfrm>
+          <a:custGeom>
+            <a:avLst/>
+            <a:gdLst/>
+            <a:ahLst/>
+            <a:cxnLst/>
+            <a:rect l="l" t="t" r="r" b="b"/>
+            <a:pathLst>
+              <a:path w="9248" h="10000">
+                <a:moveTo>
+                  <a:pt x="9248" y="4701"/>
+                </a:moveTo>
+                <a:lnTo>
+                  <a:pt x="7915" y="188"/>
+                </a:lnTo>
+                <a:cubicBezTo>
+                  <a:pt x="7906" y="156"/>
+                  <a:pt x="7895" y="126"/>
+                  <a:pt x="7886" y="94"/>
+                </a:cubicBezTo>
+                <a:cubicBezTo>
+                  <a:pt x="7859" y="0"/>
+                  <a:pt x="7831" y="0"/>
+                  <a:pt x="7803" y="0"/>
+                </a:cubicBezTo>
+                <a:lnTo>
+                  <a:pt x="7275" y="0"/>
+                </a:lnTo>
+                <a:lnTo>
+                  <a:pt x="0" y="70"/>
+                </a:lnTo>
+                <a:cubicBezTo>
+                  <a:pt x="8" y="3380"/>
+                  <a:pt x="17" y="6690"/>
+                  <a:pt x="25" y="10000"/>
+                </a:cubicBezTo>
+                <a:lnTo>
+                  <a:pt x="7275" y="9966"/>
+                </a:lnTo>
+                <a:lnTo>
+                  <a:pt x="7803" y="9966"/>
+                </a:lnTo>
+                <a:cubicBezTo>
+                  <a:pt x="7831" y="9966"/>
+                  <a:pt x="7859" y="9872"/>
+                  <a:pt x="7886" y="9872"/>
+                </a:cubicBezTo>
+                <a:cubicBezTo>
+                  <a:pt x="7886" y="9778"/>
+                  <a:pt x="7915" y="9778"/>
+                  <a:pt x="7915" y="9778"/>
+                </a:cubicBezTo>
+                <a:lnTo>
+                  <a:pt x="9248" y="5265"/>
+                </a:lnTo>
+                <a:cubicBezTo>
+                  <a:pt x="9303" y="5077"/>
+                  <a:pt x="9303" y="4889"/>
+                  <a:pt x="9248" y="4701"/>
+                </a:cubicBezTo>
+                <a:close/>
+              </a:path>
+            </a:pathLst>
+          </a:custGeom>
+          <a:solidFill>
+            <a:schemeClr val="accent1"/>
+          </a:solidFill>
+          <a:ln>
+            <a:noFill/>
+          </a:ln>
+        </p:spPr>
+      </p:sp>
+      <p:sp>
+        <p:nvSpPr>
+          <p:cNvPr id="6" name="Slide Number Placeholder 5"/>
           <p:cNvSpPr>
             <a:spLocks noGrp="1"/>
           </p:cNvSpPr>
@@ -4817,7 +7456,7 @@
     </p:spTree>
     <p:extLst>
       <p:ext uri="{BB962C8B-B14F-4D97-AF65-F5344CB8AC3E}">
-        <p14:creationId xmlns:p14="http://schemas.microsoft.com/office/powerpoint/2010/main" val="2965678212"/>
+        <p14:creationId xmlns:p14="http://schemas.microsoft.com/office/powerpoint/2010/main" val="3309548173"/>
       </p:ext>
     </p:extLst>
   </p:cSld>
@@ -4846,13 +7485,7 @@
       </p:grpSpPr>
       <p:sp>
         <p:nvSpPr>
-          <p:cNvPr id="2" name="Title 1">
-            <a:extLst>
-              <a:ext uri="{FF2B5EF4-FFF2-40B4-BE49-F238E27FC236}">
-                <a16:creationId xmlns:a16="http://schemas.microsoft.com/office/drawing/2014/main" id="{734CF817-4E09-30E1-86C2-078E01796670}"/>
-              </a:ext>
-            </a:extLst>
-          </p:cNvPr>
+          <p:cNvPr id="2" name="Title 1"/>
           <p:cNvSpPr>
             <a:spLocks noGrp="1"/>
           </p:cNvSpPr>
@@ -4862,15 +7495,15 @@
         </p:nvSpPr>
         <p:spPr>
           <a:xfrm>
-            <a:off x="831850" y="1709738"/>
-            <a:ext cx="10515600" cy="2852737"/>
+            <a:off x="2589212" y="2058750"/>
+            <a:ext cx="8915399" cy="1468800"/>
           </a:xfrm>
         </p:spPr>
         <p:txBody>
           <a:bodyPr anchor="b"/>
           <a:lstStyle>
-            <a:lvl1pPr>
-              <a:defRPr sz="6000"/>
+            <a:lvl1pPr algn="l">
+              <a:defRPr sz="4000" b="0" cap="none"/>
             </a:lvl1pPr>
           </a:lstStyle>
           <a:p>
@@ -4878,18 +7511,13 @@
               <a:rPr lang="en-US"/>
               <a:t>Click to edit Master title style</a:t>
             </a:r>
+            <a:endParaRPr lang="en-US" dirty="0"/>
           </a:p>
         </p:txBody>
       </p:sp>
       <p:sp>
         <p:nvSpPr>
-          <p:cNvPr id="3" name="Text Placeholder 2">
-            <a:extLst>
-              <a:ext uri="{FF2B5EF4-FFF2-40B4-BE49-F238E27FC236}">
-                <a16:creationId xmlns:a16="http://schemas.microsoft.com/office/drawing/2014/main" id="{D4CAA5F0-5669-7E2D-A7AF-9652231BCCE5}"/>
-              </a:ext>
-            </a:extLst>
-          </p:cNvPr>
+          <p:cNvPr id="3" name="Text Placeholder 2"/>
           <p:cNvSpPr>
             <a:spLocks noGrp="1"/>
           </p:cNvSpPr>
@@ -4899,26 +7527,27 @@
         </p:nvSpPr>
         <p:spPr>
           <a:xfrm>
-            <a:off x="831850" y="4589463"/>
-            <a:ext cx="10515600" cy="1500187"/>
+            <a:off x="2589212" y="3530129"/>
+            <a:ext cx="8915399" cy="860400"/>
           </a:xfrm>
         </p:spPr>
         <p:txBody>
-          <a:bodyPr/>
+          <a:bodyPr anchor="t"/>
           <a:lstStyle>
-            <a:lvl1pPr marL="0" indent="0">
+            <a:lvl1pPr marL="0" indent="0" algn="l">
               <a:buNone/>
-              <a:defRPr sz="2400">
+              <a:defRPr sz="2000">
                 <a:solidFill>
                   <a:schemeClr val="tx1">
-                    <a:tint val="75000"/>
+                    <a:lumMod val="65000"/>
+                    <a:lumOff val="35000"/>
                   </a:schemeClr>
                 </a:solidFill>
               </a:defRPr>
             </a:lvl1pPr>
             <a:lvl2pPr marL="457200" indent="0">
               <a:buNone/>
-              <a:defRPr sz="2000">
+              <a:defRPr sz="1800">
                 <a:solidFill>
                   <a:schemeClr val="tx1">
                     <a:tint val="75000"/>
@@ -4928,7 +7557,7 @@
             </a:lvl2pPr>
             <a:lvl3pPr marL="914400" indent="0">
               <a:buNone/>
-              <a:defRPr sz="1800">
+              <a:defRPr sz="1600">
                 <a:solidFill>
                   <a:schemeClr val="tx1">
                     <a:tint val="75000"/>
@@ -4938,7 +7567,7 @@
             </a:lvl3pPr>
             <a:lvl4pPr marL="1371600" indent="0">
               <a:buNone/>
-              <a:defRPr sz="1600">
+              <a:defRPr sz="1400">
                 <a:solidFill>
                   <a:schemeClr val="tx1">
                     <a:tint val="75000"/>
@@ -4948,7 +7577,7 @@
             </a:lvl4pPr>
             <a:lvl5pPr marL="1828800" indent="0">
               <a:buNone/>
-              <a:defRPr sz="1600">
+              <a:defRPr sz="1400">
                 <a:solidFill>
                   <a:schemeClr val="tx1">
                     <a:tint val="75000"/>
@@ -4958,7 +7587,7 @@
             </a:lvl5pPr>
             <a:lvl6pPr marL="2286000" indent="0">
               <a:buNone/>
-              <a:defRPr sz="1600">
+              <a:defRPr sz="1400">
                 <a:solidFill>
                   <a:schemeClr val="tx1">
                     <a:tint val="75000"/>
@@ -4968,7 +7597,7 @@
             </a:lvl6pPr>
             <a:lvl7pPr marL="2743200" indent="0">
               <a:buNone/>
-              <a:defRPr sz="1600">
+              <a:defRPr sz="1400">
                 <a:solidFill>
                   <a:schemeClr val="tx1">
                     <a:tint val="75000"/>
@@ -4978,7 +7607,7 @@
             </a:lvl7pPr>
             <a:lvl8pPr marL="3200400" indent="0">
               <a:buNone/>
-              <a:defRPr sz="1600">
+              <a:defRPr sz="1400">
                 <a:solidFill>
                   <a:schemeClr val="tx1">
                     <a:tint val="75000"/>
@@ -4988,7 +7617,7 @@
             </a:lvl8pPr>
             <a:lvl9pPr marL="3657600" indent="0">
               <a:buNone/>
-              <a:defRPr sz="1600">
+              <a:defRPr sz="1400">
                 <a:solidFill>
                   <a:schemeClr val="tx1">
                     <a:tint val="75000"/>
@@ -5008,13 +7637,7 @@
       </p:sp>
       <p:sp>
         <p:nvSpPr>
-          <p:cNvPr id="4" name="Date Placeholder 3">
-            <a:extLst>
-              <a:ext uri="{FF2B5EF4-FFF2-40B4-BE49-F238E27FC236}">
-                <a16:creationId xmlns:a16="http://schemas.microsoft.com/office/drawing/2014/main" id="{D3F68A20-4CC4-030B-D2EB-1BB5EB38EEA9}"/>
-              </a:ext>
-            </a:extLst>
-          </p:cNvPr>
+          <p:cNvPr id="4" name="Date Placeholder 3"/>
           <p:cNvSpPr>
             <a:spLocks noGrp="1"/>
           </p:cNvSpPr>
@@ -5037,13 +7660,7 @@
       </p:sp>
       <p:sp>
         <p:nvSpPr>
-          <p:cNvPr id="5" name="Footer Placeholder 4">
-            <a:extLst>
-              <a:ext uri="{FF2B5EF4-FFF2-40B4-BE49-F238E27FC236}">
-                <a16:creationId xmlns:a16="http://schemas.microsoft.com/office/drawing/2014/main" id="{2F6AA9B9-B802-9E4F-9385-DD9BB2DD03EE}"/>
-              </a:ext>
-            </a:extLst>
-          </p:cNvPr>
+          <p:cNvPr id="5" name="Footer Placeholder 4"/>
           <p:cNvSpPr>
             <a:spLocks noGrp="1"/>
           </p:cNvSpPr>
@@ -5062,13 +7679,89 @@
       </p:sp>
       <p:sp>
         <p:nvSpPr>
-          <p:cNvPr id="6" name="Slide Number Placeholder 5">
-            <a:extLst>
-              <a:ext uri="{FF2B5EF4-FFF2-40B4-BE49-F238E27FC236}">
-                <a16:creationId xmlns:a16="http://schemas.microsoft.com/office/drawing/2014/main" id="{D5AED572-C997-1DAA-8C7F-3BB46B9F6113}"/>
-              </a:ext>
-            </a:extLst>
-          </p:cNvPr>
+          <p:cNvPr id="9" name="Freeform 11"/>
+          <p:cNvSpPr/>
+          <p:nvPr/>
+        </p:nvSpPr>
+        <p:spPr bwMode="auto">
+          <a:xfrm flipV="1">
+            <a:off x="-4189" y="3178175"/>
+            <a:ext cx="1588527" cy="507297"/>
+          </a:xfrm>
+          <a:custGeom>
+            <a:avLst/>
+            <a:gdLst/>
+            <a:ahLst/>
+            <a:cxnLst/>
+            <a:rect l="l" t="t" r="r" b="b"/>
+            <a:pathLst>
+              <a:path w="9248" h="10000">
+                <a:moveTo>
+                  <a:pt x="9248" y="4701"/>
+                </a:moveTo>
+                <a:lnTo>
+                  <a:pt x="7915" y="188"/>
+                </a:lnTo>
+                <a:cubicBezTo>
+                  <a:pt x="7906" y="156"/>
+                  <a:pt x="7895" y="126"/>
+                  <a:pt x="7886" y="94"/>
+                </a:cubicBezTo>
+                <a:cubicBezTo>
+                  <a:pt x="7859" y="0"/>
+                  <a:pt x="7831" y="0"/>
+                  <a:pt x="7803" y="0"/>
+                </a:cubicBezTo>
+                <a:lnTo>
+                  <a:pt x="7275" y="0"/>
+                </a:lnTo>
+                <a:lnTo>
+                  <a:pt x="0" y="70"/>
+                </a:lnTo>
+                <a:cubicBezTo>
+                  <a:pt x="8" y="3380"/>
+                  <a:pt x="17" y="6690"/>
+                  <a:pt x="25" y="10000"/>
+                </a:cubicBezTo>
+                <a:lnTo>
+                  <a:pt x="7275" y="9966"/>
+                </a:lnTo>
+                <a:lnTo>
+                  <a:pt x="7803" y="9966"/>
+                </a:lnTo>
+                <a:cubicBezTo>
+                  <a:pt x="7831" y="9966"/>
+                  <a:pt x="7859" y="9872"/>
+                  <a:pt x="7886" y="9872"/>
+                </a:cubicBezTo>
+                <a:cubicBezTo>
+                  <a:pt x="7886" y="9778"/>
+                  <a:pt x="7915" y="9778"/>
+                  <a:pt x="7915" y="9778"/>
+                </a:cubicBezTo>
+                <a:lnTo>
+                  <a:pt x="9248" y="5265"/>
+                </a:lnTo>
+                <a:cubicBezTo>
+                  <a:pt x="9303" y="5077"/>
+                  <a:pt x="9303" y="4889"/>
+                  <a:pt x="9248" y="4701"/>
+                </a:cubicBezTo>
+                <a:close/>
+              </a:path>
+            </a:pathLst>
+          </a:custGeom>
+          <a:solidFill>
+            <a:schemeClr val="accent1"/>
+          </a:solidFill>
+          <a:ln>
+            <a:noFill/>
+          </a:ln>
+        </p:spPr>
+      </p:sp>
+      <p:sp>
+        <p:nvSpPr>
+          <p:cNvPr id="6" name="Slide Number Placeholder 5"/>
           <p:cNvSpPr>
             <a:spLocks noGrp="1"/>
           </p:cNvSpPr>
@@ -5076,7 +7769,12 @@
             <p:ph type="sldNum" sz="quarter" idx="12"/>
           </p:nvPr>
         </p:nvSpPr>
-        <p:spPr/>
+        <p:spPr>
+          <a:xfrm>
+            <a:off x="531812" y="3244139"/>
+            <a:ext cx="779767" cy="365125"/>
+          </a:xfrm>
+        </p:spPr>
         <p:txBody>
           <a:bodyPr/>
           <a:lstStyle/>
@@ -5092,7 +7790,7 @@
     </p:spTree>
     <p:extLst>
       <p:ext uri="{BB962C8B-B14F-4D97-AF65-F5344CB8AC3E}">
-        <p14:creationId xmlns:p14="http://schemas.microsoft.com/office/powerpoint/2010/main" val="3049692154"/>
+        <p14:creationId xmlns:p14="http://schemas.microsoft.com/office/powerpoint/2010/main" val="1985344226"/>
       </p:ext>
     </p:extLst>
   </p:cSld>
@@ -5121,13 +7819,7 @@
       </p:grpSpPr>
       <p:sp>
         <p:nvSpPr>
-          <p:cNvPr id="2" name="Title 1">
-            <a:extLst>
-              <a:ext uri="{FF2B5EF4-FFF2-40B4-BE49-F238E27FC236}">
-                <a16:creationId xmlns:a16="http://schemas.microsoft.com/office/drawing/2014/main" id="{DE5C6BDE-949C-E9A7-089E-62BAC6F4DDEB}"/>
-              </a:ext>
-            </a:extLst>
-          </p:cNvPr>
+          <p:cNvPr id="8" name="Title 7"/>
           <p:cNvSpPr>
             <a:spLocks noGrp="1"/>
           </p:cNvSpPr>
@@ -5144,18 +7836,13 @@
               <a:rPr lang="en-US"/>
               <a:t>Click to edit Master title style</a:t>
             </a:r>
+            <a:endParaRPr lang="en-US" dirty="0"/>
           </a:p>
         </p:txBody>
       </p:sp>
       <p:sp>
         <p:nvSpPr>
-          <p:cNvPr id="3" name="Content Placeholder 2">
-            <a:extLst>
-              <a:ext uri="{FF2B5EF4-FFF2-40B4-BE49-F238E27FC236}">
-                <a16:creationId xmlns:a16="http://schemas.microsoft.com/office/drawing/2014/main" id="{227E924F-A2A2-DC27-9C8D-96D9DB925A06}"/>
-              </a:ext>
-            </a:extLst>
-          </p:cNvPr>
+          <p:cNvPr id="3" name="Content Placeholder 2"/>
           <p:cNvSpPr>
             <a:spLocks noGrp="1"/>
           </p:cNvSpPr>
@@ -5165,12 +7852,14 @@
         </p:nvSpPr>
         <p:spPr>
           <a:xfrm>
-            <a:off x="838200" y="1825625"/>
-            <a:ext cx="5181600" cy="4351338"/>
+            <a:off x="2589212" y="2133600"/>
+            <a:ext cx="4313864" cy="3777622"/>
           </a:xfrm>
         </p:spPr>
         <p:txBody>
-          <a:bodyPr/>
+          <a:bodyPr>
+            <a:normAutofit/>
+          </a:bodyPr>
           <a:lstStyle/>
           <a:p>
             <a:pPr lvl="0"/>
@@ -5206,18 +7895,13 @@
               <a:rPr lang="en-US"/>
               <a:t>Fifth level</a:t>
             </a:r>
+            <a:endParaRPr lang="en-US" dirty="0"/>
           </a:p>
         </p:txBody>
       </p:sp>
       <p:sp>
         <p:nvSpPr>
-          <p:cNvPr id="4" name="Content Placeholder 3">
-            <a:extLst>
-              <a:ext uri="{FF2B5EF4-FFF2-40B4-BE49-F238E27FC236}">
-                <a16:creationId xmlns:a16="http://schemas.microsoft.com/office/drawing/2014/main" id="{AA724B5E-B1C7-D24A-32FA-D2523EF9E66C}"/>
-              </a:ext>
-            </a:extLst>
-          </p:cNvPr>
+          <p:cNvPr id="4" name="Content Placeholder 3"/>
           <p:cNvSpPr>
             <a:spLocks noGrp="1"/>
           </p:cNvSpPr>
@@ -5227,12 +7911,14 @@
         </p:nvSpPr>
         <p:spPr>
           <a:xfrm>
-            <a:off x="6172200" y="1825625"/>
-            <a:ext cx="5181600" cy="4351338"/>
+            <a:off x="7190747" y="2126222"/>
+            <a:ext cx="4313864" cy="3777622"/>
           </a:xfrm>
         </p:spPr>
         <p:txBody>
-          <a:bodyPr/>
+          <a:bodyPr>
+            <a:normAutofit/>
+          </a:bodyPr>
           <a:lstStyle/>
           <a:p>
             <a:pPr lvl="0"/>
@@ -5268,18 +7954,13 @@
               <a:rPr lang="en-US"/>
               <a:t>Fifth level</a:t>
             </a:r>
+            <a:endParaRPr lang="en-US" dirty="0"/>
           </a:p>
         </p:txBody>
       </p:sp>
       <p:sp>
         <p:nvSpPr>
-          <p:cNvPr id="5" name="Date Placeholder 4">
-            <a:extLst>
-              <a:ext uri="{FF2B5EF4-FFF2-40B4-BE49-F238E27FC236}">
-                <a16:creationId xmlns:a16="http://schemas.microsoft.com/office/drawing/2014/main" id="{08DB6077-E660-AA85-059E-9688917D31AA}"/>
-              </a:ext>
-            </a:extLst>
-          </p:cNvPr>
+          <p:cNvPr id="5" name="Date Placeholder 4"/>
           <p:cNvSpPr>
             <a:spLocks noGrp="1"/>
           </p:cNvSpPr>
@@ -5302,13 +7983,7 @@
       </p:sp>
       <p:sp>
         <p:nvSpPr>
-          <p:cNvPr id="6" name="Footer Placeholder 5">
-            <a:extLst>
-              <a:ext uri="{FF2B5EF4-FFF2-40B4-BE49-F238E27FC236}">
-                <a16:creationId xmlns:a16="http://schemas.microsoft.com/office/drawing/2014/main" id="{2D4623EE-F44C-70BF-41A0-FA255F2C286D}"/>
-              </a:ext>
-            </a:extLst>
-          </p:cNvPr>
+          <p:cNvPr id="6" name="Footer Placeholder 5"/>
           <p:cNvSpPr>
             <a:spLocks noGrp="1"/>
           </p:cNvSpPr>
@@ -5327,13 +8002,89 @@
       </p:sp>
       <p:sp>
         <p:nvSpPr>
-          <p:cNvPr id="7" name="Slide Number Placeholder 6">
-            <a:extLst>
-              <a:ext uri="{FF2B5EF4-FFF2-40B4-BE49-F238E27FC236}">
-                <a16:creationId xmlns:a16="http://schemas.microsoft.com/office/drawing/2014/main" id="{55F56BD4-12A4-A385-9F2C-AD68A9078516}"/>
-              </a:ext>
-            </a:extLst>
-          </p:cNvPr>
+          <p:cNvPr id="10" name="Freeform 11"/>
+          <p:cNvSpPr/>
+          <p:nvPr/>
+        </p:nvSpPr>
+        <p:spPr bwMode="auto">
+          <a:xfrm flipV="1">
+            <a:off x="-4189" y="714375"/>
+            <a:ext cx="1588527" cy="507297"/>
+          </a:xfrm>
+          <a:custGeom>
+            <a:avLst/>
+            <a:gdLst/>
+            <a:ahLst/>
+            <a:cxnLst/>
+            <a:rect l="l" t="t" r="r" b="b"/>
+            <a:pathLst>
+              <a:path w="9248" h="10000">
+                <a:moveTo>
+                  <a:pt x="9248" y="4701"/>
+                </a:moveTo>
+                <a:lnTo>
+                  <a:pt x="7915" y="188"/>
+                </a:lnTo>
+                <a:cubicBezTo>
+                  <a:pt x="7906" y="156"/>
+                  <a:pt x="7895" y="126"/>
+                  <a:pt x="7886" y="94"/>
+                </a:cubicBezTo>
+                <a:cubicBezTo>
+                  <a:pt x="7859" y="0"/>
+                  <a:pt x="7831" y="0"/>
+                  <a:pt x="7803" y="0"/>
+                </a:cubicBezTo>
+                <a:lnTo>
+                  <a:pt x="7275" y="0"/>
+                </a:lnTo>
+                <a:lnTo>
+                  <a:pt x="0" y="70"/>
+                </a:lnTo>
+                <a:cubicBezTo>
+                  <a:pt x="8" y="3380"/>
+                  <a:pt x="17" y="6690"/>
+                  <a:pt x="25" y="10000"/>
+                </a:cubicBezTo>
+                <a:lnTo>
+                  <a:pt x="7275" y="9966"/>
+                </a:lnTo>
+                <a:lnTo>
+                  <a:pt x="7803" y="9966"/>
+                </a:lnTo>
+                <a:cubicBezTo>
+                  <a:pt x="7831" y="9966"/>
+                  <a:pt x="7859" y="9872"/>
+                  <a:pt x="7886" y="9872"/>
+                </a:cubicBezTo>
+                <a:cubicBezTo>
+                  <a:pt x="7886" y="9778"/>
+                  <a:pt x="7915" y="9778"/>
+                  <a:pt x="7915" y="9778"/>
+                </a:cubicBezTo>
+                <a:lnTo>
+                  <a:pt x="9248" y="5265"/>
+                </a:lnTo>
+                <a:cubicBezTo>
+                  <a:pt x="9303" y="5077"/>
+                  <a:pt x="9303" y="4889"/>
+                  <a:pt x="9248" y="4701"/>
+                </a:cubicBezTo>
+                <a:close/>
+              </a:path>
+            </a:pathLst>
+          </a:custGeom>
+          <a:solidFill>
+            <a:schemeClr val="accent1"/>
+          </a:solidFill>
+          <a:ln>
+            <a:noFill/>
+          </a:ln>
+        </p:spPr>
+      </p:sp>
+      <p:sp>
+        <p:nvSpPr>
+          <p:cNvPr id="11" name="Slide Number Placeholder 5"/>
           <p:cNvSpPr>
             <a:spLocks noGrp="1"/>
           </p:cNvSpPr>
@@ -5341,7 +8092,12 @@
             <p:ph type="sldNum" sz="quarter" idx="12"/>
           </p:nvPr>
         </p:nvSpPr>
-        <p:spPr/>
+        <p:spPr>
+          <a:xfrm>
+            <a:off x="531812" y="787782"/>
+            <a:ext cx="779767" cy="365125"/>
+          </a:xfrm>
+        </p:spPr>
         <p:txBody>
           <a:bodyPr/>
           <a:lstStyle/>
@@ -5357,7 +8113,7 @@
     </p:spTree>
     <p:extLst>
       <p:ext uri="{BB962C8B-B14F-4D97-AF65-F5344CB8AC3E}">
-        <p14:creationId xmlns:p14="http://schemas.microsoft.com/office/powerpoint/2010/main" val="1908524512"/>
+        <p14:creationId xmlns:p14="http://schemas.microsoft.com/office/powerpoint/2010/main" val="3505646518"/>
       </p:ext>
     </p:extLst>
   </p:cSld>
@@ -5386,13 +8142,7 @@
       </p:grpSpPr>
       <p:sp>
         <p:nvSpPr>
-          <p:cNvPr id="2" name="Title 1">
-            <a:extLst>
-              <a:ext uri="{FF2B5EF4-FFF2-40B4-BE49-F238E27FC236}">
-                <a16:creationId xmlns:a16="http://schemas.microsoft.com/office/drawing/2014/main" id="{8DB58343-AACA-18FC-5284-37B8ADA815AE}"/>
-              </a:ext>
-            </a:extLst>
-          </p:cNvPr>
+          <p:cNvPr id="10" name="Title 9"/>
           <p:cNvSpPr>
             <a:spLocks noGrp="1"/>
           </p:cNvSpPr>
@@ -5400,12 +8150,7 @@
             <p:ph type="title"/>
           </p:nvPr>
         </p:nvSpPr>
-        <p:spPr>
-          <a:xfrm>
-            <a:off x="839788" y="365125"/>
-            <a:ext cx="10515600" cy="1325563"/>
-          </a:xfrm>
-        </p:spPr>
+        <p:spPr/>
         <p:txBody>
           <a:bodyPr/>
           <a:lstStyle/>
@@ -5414,18 +8159,13 @@
               <a:rPr lang="en-US"/>
               <a:t>Click to edit Master title style</a:t>
             </a:r>
+            <a:endParaRPr lang="en-US" dirty="0"/>
           </a:p>
         </p:txBody>
       </p:sp>
       <p:sp>
         <p:nvSpPr>
-          <p:cNvPr id="3" name="Text Placeholder 2">
-            <a:extLst>
-              <a:ext uri="{FF2B5EF4-FFF2-40B4-BE49-F238E27FC236}">
-                <a16:creationId xmlns:a16="http://schemas.microsoft.com/office/drawing/2014/main" id="{39B30995-55F9-9AD7-4E51-2E60B1065405}"/>
-              </a:ext>
-            </a:extLst>
-          </p:cNvPr>
+          <p:cNvPr id="3" name="Text Placeholder 2"/>
           <p:cNvSpPr>
             <a:spLocks noGrp="1"/>
           </p:cNvSpPr>
@@ -5435,16 +8175,18 @@
         </p:nvSpPr>
         <p:spPr>
           <a:xfrm>
-            <a:off x="839788" y="1681163"/>
-            <a:ext cx="5157787" cy="823912"/>
+            <a:off x="2939373" y="1972703"/>
+            <a:ext cx="3992732" cy="576262"/>
           </a:xfrm>
         </p:spPr>
         <p:txBody>
-          <a:bodyPr anchor="b"/>
+          <a:bodyPr anchor="b">
+            <a:noAutofit/>
+          </a:bodyPr>
           <a:lstStyle>
             <a:lvl1pPr marL="0" indent="0">
               <a:buNone/>
-              <a:defRPr sz="2400" b="1"/>
+              <a:defRPr sz="2400" b="0"/>
             </a:lvl1pPr>
             <a:lvl2pPr marL="457200" indent="0">
               <a:buNone/>
@@ -5490,13 +8232,7 @@
       </p:sp>
       <p:sp>
         <p:nvSpPr>
-          <p:cNvPr id="4" name="Content Placeholder 3">
-            <a:extLst>
-              <a:ext uri="{FF2B5EF4-FFF2-40B4-BE49-F238E27FC236}">
-                <a16:creationId xmlns:a16="http://schemas.microsoft.com/office/drawing/2014/main" id="{F4F77AAD-3C73-B593-4D90-B9B74B0D3E66}"/>
-              </a:ext>
-            </a:extLst>
-          </p:cNvPr>
+          <p:cNvPr id="4" name="Content Placeholder 3"/>
           <p:cNvSpPr>
             <a:spLocks noGrp="1"/>
           </p:cNvSpPr>
@@ -5506,12 +8242,14 @@
         </p:nvSpPr>
         <p:spPr>
           <a:xfrm>
-            <a:off x="839788" y="2505075"/>
-            <a:ext cx="5157787" cy="3684588"/>
+            <a:off x="2589212" y="2548966"/>
+            <a:ext cx="4342893" cy="3354060"/>
           </a:xfrm>
         </p:spPr>
         <p:txBody>
-          <a:bodyPr/>
+          <a:bodyPr>
+            <a:normAutofit/>
+          </a:bodyPr>
           <a:lstStyle/>
           <a:p>
             <a:pPr lvl="0"/>
@@ -5547,18 +8285,13 @@
               <a:rPr lang="en-US"/>
               <a:t>Fifth level</a:t>
             </a:r>
+            <a:endParaRPr lang="en-US" dirty="0"/>
           </a:p>
         </p:txBody>
       </p:sp>
       <p:sp>
         <p:nvSpPr>
-          <p:cNvPr id="5" name="Text Placeholder 4">
-            <a:extLst>
-              <a:ext uri="{FF2B5EF4-FFF2-40B4-BE49-F238E27FC236}">
-                <a16:creationId xmlns:a16="http://schemas.microsoft.com/office/drawing/2014/main" id="{E935FE1E-4324-A55C-2AB5-511E590947F7}"/>
-              </a:ext>
-            </a:extLst>
-          </p:cNvPr>
+          <p:cNvPr id="5" name="Text Placeholder 4"/>
           <p:cNvSpPr>
             <a:spLocks noGrp="1"/>
           </p:cNvSpPr>
@@ -5568,16 +8301,18 @@
         </p:nvSpPr>
         <p:spPr>
           <a:xfrm>
-            <a:off x="6172200" y="1681163"/>
-            <a:ext cx="5183188" cy="823912"/>
+            <a:off x="7506629" y="1969475"/>
+            <a:ext cx="3999001" cy="576262"/>
           </a:xfrm>
         </p:spPr>
         <p:txBody>
-          <a:bodyPr anchor="b"/>
+          <a:bodyPr anchor="b">
+            <a:noAutofit/>
+          </a:bodyPr>
           <a:lstStyle>
             <a:lvl1pPr marL="0" indent="0">
               <a:buNone/>
-              <a:defRPr sz="2400" b="1"/>
+              <a:defRPr sz="2400" b="0"/>
             </a:lvl1pPr>
             <a:lvl2pPr marL="457200" indent="0">
               <a:buNone/>
@@ -5623,13 +8358,7 @@
       </p:sp>
       <p:sp>
         <p:nvSpPr>
-          <p:cNvPr id="6" name="Content Placeholder 5">
-            <a:extLst>
-              <a:ext uri="{FF2B5EF4-FFF2-40B4-BE49-F238E27FC236}">
-                <a16:creationId xmlns:a16="http://schemas.microsoft.com/office/drawing/2014/main" id="{6C885BB0-035B-6C7B-7D62-EF495F0329DF}"/>
-              </a:ext>
-            </a:extLst>
-          </p:cNvPr>
+          <p:cNvPr id="6" name="Content Placeholder 5"/>
           <p:cNvSpPr>
             <a:spLocks noGrp="1"/>
           </p:cNvSpPr>
@@ -5639,12 +8368,14 @@
         </p:nvSpPr>
         <p:spPr>
           <a:xfrm>
-            <a:off x="6172200" y="2505075"/>
-            <a:ext cx="5183188" cy="3684588"/>
+            <a:off x="7166957" y="2545738"/>
+            <a:ext cx="4338674" cy="3354060"/>
           </a:xfrm>
         </p:spPr>
         <p:txBody>
-          <a:bodyPr/>
+          <a:bodyPr>
+            <a:normAutofit/>
+          </a:bodyPr>
           <a:lstStyle/>
           <a:p>
             <a:pPr lvl="0"/>
@@ -5680,18 +8411,13 @@
               <a:rPr lang="en-US"/>
               <a:t>Fifth level</a:t>
             </a:r>
+            <a:endParaRPr lang="en-US" dirty="0"/>
           </a:p>
         </p:txBody>
       </p:sp>
       <p:sp>
         <p:nvSpPr>
-          <p:cNvPr id="7" name="Date Placeholder 6">
-            <a:extLst>
-              <a:ext uri="{FF2B5EF4-FFF2-40B4-BE49-F238E27FC236}">
-                <a16:creationId xmlns:a16="http://schemas.microsoft.com/office/drawing/2014/main" id="{06025FEE-25AA-5E95-FACE-A5252FA836CB}"/>
-              </a:ext>
-            </a:extLst>
-          </p:cNvPr>
+          <p:cNvPr id="7" name="Date Placeholder 6"/>
           <p:cNvSpPr>
             <a:spLocks noGrp="1"/>
           </p:cNvSpPr>
@@ -5714,13 +8440,7 @@
       </p:sp>
       <p:sp>
         <p:nvSpPr>
-          <p:cNvPr id="8" name="Footer Placeholder 7">
-            <a:extLst>
-              <a:ext uri="{FF2B5EF4-FFF2-40B4-BE49-F238E27FC236}">
-                <a16:creationId xmlns:a16="http://schemas.microsoft.com/office/drawing/2014/main" id="{4C48A611-F8A4-9012-514A-19E47556C460}"/>
-              </a:ext>
-            </a:extLst>
-          </p:cNvPr>
+          <p:cNvPr id="8" name="Footer Placeholder 7"/>
           <p:cNvSpPr>
             <a:spLocks noGrp="1"/>
           </p:cNvSpPr>
@@ -5739,13 +8459,89 @@
       </p:sp>
       <p:sp>
         <p:nvSpPr>
-          <p:cNvPr id="9" name="Slide Number Placeholder 8">
-            <a:extLst>
-              <a:ext uri="{FF2B5EF4-FFF2-40B4-BE49-F238E27FC236}">
-                <a16:creationId xmlns:a16="http://schemas.microsoft.com/office/drawing/2014/main" id="{6BAF076C-3094-6561-F738-ACFABD91BA1A}"/>
-              </a:ext>
-            </a:extLst>
-          </p:cNvPr>
+          <p:cNvPr id="12" name="Freeform 11"/>
+          <p:cNvSpPr/>
+          <p:nvPr/>
+        </p:nvSpPr>
+        <p:spPr bwMode="auto">
+          <a:xfrm flipV="1">
+            <a:off x="-4189" y="714375"/>
+            <a:ext cx="1588527" cy="507297"/>
+          </a:xfrm>
+          <a:custGeom>
+            <a:avLst/>
+            <a:gdLst/>
+            <a:ahLst/>
+            <a:cxnLst/>
+            <a:rect l="l" t="t" r="r" b="b"/>
+            <a:pathLst>
+              <a:path w="9248" h="10000">
+                <a:moveTo>
+                  <a:pt x="9248" y="4701"/>
+                </a:moveTo>
+                <a:lnTo>
+                  <a:pt x="7915" y="188"/>
+                </a:lnTo>
+                <a:cubicBezTo>
+                  <a:pt x="7906" y="156"/>
+                  <a:pt x="7895" y="126"/>
+                  <a:pt x="7886" y="94"/>
+                </a:cubicBezTo>
+                <a:cubicBezTo>
+                  <a:pt x="7859" y="0"/>
+                  <a:pt x="7831" y="0"/>
+                  <a:pt x="7803" y="0"/>
+                </a:cubicBezTo>
+                <a:lnTo>
+                  <a:pt x="7275" y="0"/>
+                </a:lnTo>
+                <a:lnTo>
+                  <a:pt x="0" y="70"/>
+                </a:lnTo>
+                <a:cubicBezTo>
+                  <a:pt x="8" y="3380"/>
+                  <a:pt x="17" y="6690"/>
+                  <a:pt x="25" y="10000"/>
+                </a:cubicBezTo>
+                <a:lnTo>
+                  <a:pt x="7275" y="9966"/>
+                </a:lnTo>
+                <a:lnTo>
+                  <a:pt x="7803" y="9966"/>
+                </a:lnTo>
+                <a:cubicBezTo>
+                  <a:pt x="7831" y="9966"/>
+                  <a:pt x="7859" y="9872"/>
+                  <a:pt x="7886" y="9872"/>
+                </a:cubicBezTo>
+                <a:cubicBezTo>
+                  <a:pt x="7886" y="9778"/>
+                  <a:pt x="7915" y="9778"/>
+                  <a:pt x="7915" y="9778"/>
+                </a:cubicBezTo>
+                <a:lnTo>
+                  <a:pt x="9248" y="5265"/>
+                </a:lnTo>
+                <a:cubicBezTo>
+                  <a:pt x="9303" y="5077"/>
+                  <a:pt x="9303" y="4889"/>
+                  <a:pt x="9248" y="4701"/>
+                </a:cubicBezTo>
+                <a:close/>
+              </a:path>
+            </a:pathLst>
+          </a:custGeom>
+          <a:solidFill>
+            <a:schemeClr val="accent1"/>
+          </a:solidFill>
+          <a:ln>
+            <a:noFill/>
+          </a:ln>
+        </p:spPr>
+      </p:sp>
+      <p:sp>
+        <p:nvSpPr>
+          <p:cNvPr id="13" name="Slide Number Placeholder 5"/>
           <p:cNvSpPr>
             <a:spLocks noGrp="1"/>
           </p:cNvSpPr>
@@ -5753,7 +8549,12 @@
             <p:ph type="sldNum" sz="quarter" idx="12"/>
           </p:nvPr>
         </p:nvSpPr>
-        <p:spPr/>
+        <p:spPr>
+          <a:xfrm>
+            <a:off x="531812" y="787782"/>
+            <a:ext cx="779767" cy="365125"/>
+          </a:xfrm>
+        </p:spPr>
         <p:txBody>
           <a:bodyPr/>
           <a:lstStyle/>
@@ -5769,7 +8570,7 @@
     </p:spTree>
     <p:extLst>
       <p:ext uri="{BB962C8B-B14F-4D97-AF65-F5344CB8AC3E}">
-        <p14:creationId xmlns:p14="http://schemas.microsoft.com/office/powerpoint/2010/main" val="1933013919"/>
+        <p14:creationId xmlns:p14="http://schemas.microsoft.com/office/powerpoint/2010/main" val="2418378431"/>
       </p:ext>
     </p:extLst>
   </p:cSld>
@@ -5798,13 +8599,7 @@
       </p:grpSpPr>
       <p:sp>
         <p:nvSpPr>
-          <p:cNvPr id="2" name="Title 1">
-            <a:extLst>
-              <a:ext uri="{FF2B5EF4-FFF2-40B4-BE49-F238E27FC236}">
-                <a16:creationId xmlns:a16="http://schemas.microsoft.com/office/drawing/2014/main" id="{CBFDFB51-A626-E8E7-791A-2E95224F75DB}"/>
-              </a:ext>
-            </a:extLst>
-          </p:cNvPr>
+          <p:cNvPr id="2" name="Title 1"/>
           <p:cNvSpPr>
             <a:spLocks noGrp="1"/>
           </p:cNvSpPr>
@@ -5821,18 +8616,13 @@
               <a:rPr lang="en-US"/>
               <a:t>Click to edit Master title style</a:t>
             </a:r>
+            <a:endParaRPr lang="en-US" dirty="0"/>
           </a:p>
         </p:txBody>
       </p:sp>
       <p:sp>
         <p:nvSpPr>
-          <p:cNvPr id="3" name="Date Placeholder 2">
-            <a:extLst>
-              <a:ext uri="{FF2B5EF4-FFF2-40B4-BE49-F238E27FC236}">
-                <a16:creationId xmlns:a16="http://schemas.microsoft.com/office/drawing/2014/main" id="{4A00093E-B842-BFC4-25EB-1EFCCC33F229}"/>
-              </a:ext>
-            </a:extLst>
-          </p:cNvPr>
+          <p:cNvPr id="3" name="Date Placeholder 2"/>
           <p:cNvSpPr>
             <a:spLocks noGrp="1"/>
           </p:cNvSpPr>
@@ -5855,13 +8645,7 @@
       </p:sp>
       <p:sp>
         <p:nvSpPr>
-          <p:cNvPr id="4" name="Footer Placeholder 3">
-            <a:extLst>
-              <a:ext uri="{FF2B5EF4-FFF2-40B4-BE49-F238E27FC236}">
-                <a16:creationId xmlns:a16="http://schemas.microsoft.com/office/drawing/2014/main" id="{D095C4B5-BB10-52EA-2CA1-0226F0CA6481}"/>
-              </a:ext>
-            </a:extLst>
-          </p:cNvPr>
+          <p:cNvPr id="4" name="Footer Placeholder 3"/>
           <p:cNvSpPr>
             <a:spLocks noGrp="1"/>
           </p:cNvSpPr>
@@ -5880,13 +8664,89 @@
       </p:sp>
       <p:sp>
         <p:nvSpPr>
-          <p:cNvPr id="5" name="Slide Number Placeholder 4">
-            <a:extLst>
-              <a:ext uri="{FF2B5EF4-FFF2-40B4-BE49-F238E27FC236}">
-                <a16:creationId xmlns:a16="http://schemas.microsoft.com/office/drawing/2014/main" id="{AB0778AD-3E85-E725-882E-65CF9129A611}"/>
-              </a:ext>
-            </a:extLst>
-          </p:cNvPr>
+          <p:cNvPr id="7" name="Freeform 11"/>
+          <p:cNvSpPr/>
+          <p:nvPr/>
+        </p:nvSpPr>
+        <p:spPr bwMode="auto">
+          <a:xfrm flipV="1">
+            <a:off x="-4189" y="714375"/>
+            <a:ext cx="1588527" cy="507297"/>
+          </a:xfrm>
+          <a:custGeom>
+            <a:avLst/>
+            <a:gdLst/>
+            <a:ahLst/>
+            <a:cxnLst/>
+            <a:rect l="l" t="t" r="r" b="b"/>
+            <a:pathLst>
+              <a:path w="9248" h="10000">
+                <a:moveTo>
+                  <a:pt x="9248" y="4701"/>
+                </a:moveTo>
+                <a:lnTo>
+                  <a:pt x="7915" y="188"/>
+                </a:lnTo>
+                <a:cubicBezTo>
+                  <a:pt x="7906" y="156"/>
+                  <a:pt x="7895" y="126"/>
+                  <a:pt x="7886" y="94"/>
+                </a:cubicBezTo>
+                <a:cubicBezTo>
+                  <a:pt x="7859" y="0"/>
+                  <a:pt x="7831" y="0"/>
+                  <a:pt x="7803" y="0"/>
+                </a:cubicBezTo>
+                <a:lnTo>
+                  <a:pt x="7275" y="0"/>
+                </a:lnTo>
+                <a:lnTo>
+                  <a:pt x="0" y="70"/>
+                </a:lnTo>
+                <a:cubicBezTo>
+                  <a:pt x="8" y="3380"/>
+                  <a:pt x="17" y="6690"/>
+                  <a:pt x="25" y="10000"/>
+                </a:cubicBezTo>
+                <a:lnTo>
+                  <a:pt x="7275" y="9966"/>
+                </a:lnTo>
+                <a:lnTo>
+                  <a:pt x="7803" y="9966"/>
+                </a:lnTo>
+                <a:cubicBezTo>
+                  <a:pt x="7831" y="9966"/>
+                  <a:pt x="7859" y="9872"/>
+                  <a:pt x="7886" y="9872"/>
+                </a:cubicBezTo>
+                <a:cubicBezTo>
+                  <a:pt x="7886" y="9778"/>
+                  <a:pt x="7915" y="9778"/>
+                  <a:pt x="7915" y="9778"/>
+                </a:cubicBezTo>
+                <a:lnTo>
+                  <a:pt x="9248" y="5265"/>
+                </a:lnTo>
+                <a:cubicBezTo>
+                  <a:pt x="9303" y="5077"/>
+                  <a:pt x="9303" y="4889"/>
+                  <a:pt x="9248" y="4701"/>
+                </a:cubicBezTo>
+                <a:close/>
+              </a:path>
+            </a:pathLst>
+          </a:custGeom>
+          <a:solidFill>
+            <a:schemeClr val="accent1"/>
+          </a:solidFill>
+          <a:ln>
+            <a:noFill/>
+          </a:ln>
+        </p:spPr>
+      </p:sp>
+      <p:sp>
+        <p:nvSpPr>
+          <p:cNvPr id="5" name="Slide Number Placeholder 4"/>
           <p:cNvSpPr>
             <a:spLocks noGrp="1"/>
           </p:cNvSpPr>
@@ -5910,7 +8770,7 @@
     </p:spTree>
     <p:extLst>
       <p:ext uri="{BB962C8B-B14F-4D97-AF65-F5344CB8AC3E}">
-        <p14:creationId xmlns:p14="http://schemas.microsoft.com/office/powerpoint/2010/main" val="1719930862"/>
+        <p14:creationId xmlns:p14="http://schemas.microsoft.com/office/powerpoint/2010/main" val="4203399026"/>
       </p:ext>
     </p:extLst>
   </p:cSld>
@@ -5939,13 +8799,7 @@
       </p:grpSpPr>
       <p:sp>
         <p:nvSpPr>
-          <p:cNvPr id="2" name="Date Placeholder 1">
-            <a:extLst>
-              <a:ext uri="{FF2B5EF4-FFF2-40B4-BE49-F238E27FC236}">
-                <a16:creationId xmlns:a16="http://schemas.microsoft.com/office/drawing/2014/main" id="{DC74C158-2420-E007-9A9C-F8D97AB5CBF2}"/>
-              </a:ext>
-            </a:extLst>
-          </p:cNvPr>
+          <p:cNvPr id="2" name="Date Placeholder 1"/>
           <p:cNvSpPr>
             <a:spLocks noGrp="1"/>
           </p:cNvSpPr>
@@ -5968,13 +8822,7 @@
       </p:sp>
       <p:sp>
         <p:nvSpPr>
-          <p:cNvPr id="3" name="Footer Placeholder 2">
-            <a:extLst>
-              <a:ext uri="{FF2B5EF4-FFF2-40B4-BE49-F238E27FC236}">
-                <a16:creationId xmlns:a16="http://schemas.microsoft.com/office/drawing/2014/main" id="{B8A22510-FDE5-C7E4-E3CC-DFFB5E2C38D6}"/>
-              </a:ext>
-            </a:extLst>
-          </p:cNvPr>
+          <p:cNvPr id="3" name="Footer Placeholder 2"/>
           <p:cNvSpPr>
             <a:spLocks noGrp="1"/>
           </p:cNvSpPr>
@@ -5993,13 +8841,89 @@
       </p:sp>
       <p:sp>
         <p:nvSpPr>
-          <p:cNvPr id="4" name="Slide Number Placeholder 3">
-            <a:extLst>
-              <a:ext uri="{FF2B5EF4-FFF2-40B4-BE49-F238E27FC236}">
-                <a16:creationId xmlns:a16="http://schemas.microsoft.com/office/drawing/2014/main" id="{2AC951FE-D8C0-0CBB-6BDC-57A28471A24D}"/>
-              </a:ext>
-            </a:extLst>
-          </p:cNvPr>
+          <p:cNvPr id="6" name="Freeform 11"/>
+          <p:cNvSpPr/>
+          <p:nvPr/>
+        </p:nvSpPr>
+        <p:spPr bwMode="auto">
+          <a:xfrm flipV="1">
+            <a:off x="-4189" y="714375"/>
+            <a:ext cx="1588527" cy="507297"/>
+          </a:xfrm>
+          <a:custGeom>
+            <a:avLst/>
+            <a:gdLst/>
+            <a:ahLst/>
+            <a:cxnLst/>
+            <a:rect l="l" t="t" r="r" b="b"/>
+            <a:pathLst>
+              <a:path w="9248" h="10000">
+                <a:moveTo>
+                  <a:pt x="9248" y="4701"/>
+                </a:moveTo>
+                <a:lnTo>
+                  <a:pt x="7915" y="188"/>
+                </a:lnTo>
+                <a:cubicBezTo>
+                  <a:pt x="7906" y="156"/>
+                  <a:pt x="7895" y="126"/>
+                  <a:pt x="7886" y="94"/>
+                </a:cubicBezTo>
+                <a:cubicBezTo>
+                  <a:pt x="7859" y="0"/>
+                  <a:pt x="7831" y="0"/>
+                  <a:pt x="7803" y="0"/>
+                </a:cubicBezTo>
+                <a:lnTo>
+                  <a:pt x="7275" y="0"/>
+                </a:lnTo>
+                <a:lnTo>
+                  <a:pt x="0" y="70"/>
+                </a:lnTo>
+                <a:cubicBezTo>
+                  <a:pt x="8" y="3380"/>
+                  <a:pt x="17" y="6690"/>
+                  <a:pt x="25" y="10000"/>
+                </a:cubicBezTo>
+                <a:lnTo>
+                  <a:pt x="7275" y="9966"/>
+                </a:lnTo>
+                <a:lnTo>
+                  <a:pt x="7803" y="9966"/>
+                </a:lnTo>
+                <a:cubicBezTo>
+                  <a:pt x="7831" y="9966"/>
+                  <a:pt x="7859" y="9872"/>
+                  <a:pt x="7886" y="9872"/>
+                </a:cubicBezTo>
+                <a:cubicBezTo>
+                  <a:pt x="7886" y="9778"/>
+                  <a:pt x="7915" y="9778"/>
+                  <a:pt x="7915" y="9778"/>
+                </a:cubicBezTo>
+                <a:lnTo>
+                  <a:pt x="9248" y="5265"/>
+                </a:lnTo>
+                <a:cubicBezTo>
+                  <a:pt x="9303" y="5077"/>
+                  <a:pt x="9303" y="4889"/>
+                  <a:pt x="9248" y="4701"/>
+                </a:cubicBezTo>
+                <a:close/>
+              </a:path>
+            </a:pathLst>
+          </a:custGeom>
+          <a:solidFill>
+            <a:schemeClr val="accent1"/>
+          </a:solidFill>
+          <a:ln>
+            <a:noFill/>
+          </a:ln>
+        </p:spPr>
+      </p:sp>
+      <p:sp>
+        <p:nvSpPr>
+          <p:cNvPr id="4" name="Slide Number Placeholder 3"/>
           <p:cNvSpPr>
             <a:spLocks noGrp="1"/>
           </p:cNvSpPr>
@@ -6023,7 +8947,7 @@
     </p:spTree>
     <p:extLst>
       <p:ext uri="{BB962C8B-B14F-4D97-AF65-F5344CB8AC3E}">
-        <p14:creationId xmlns:p14="http://schemas.microsoft.com/office/powerpoint/2010/main" val="3793027907"/>
+        <p14:creationId xmlns:p14="http://schemas.microsoft.com/office/powerpoint/2010/main" val="3152514678"/>
       </p:ext>
     </p:extLst>
   </p:cSld>
@@ -6052,13 +8976,7 @@
       </p:grpSpPr>
       <p:sp>
         <p:nvSpPr>
-          <p:cNvPr id="2" name="Title 1">
-            <a:extLst>
-              <a:ext uri="{FF2B5EF4-FFF2-40B4-BE49-F238E27FC236}">
-                <a16:creationId xmlns:a16="http://schemas.microsoft.com/office/drawing/2014/main" id="{040CA15E-9FA1-5897-A071-0818CB70513F}"/>
-              </a:ext>
-            </a:extLst>
-          </p:cNvPr>
+          <p:cNvPr id="2" name="Title 1"/>
           <p:cNvSpPr>
             <a:spLocks noGrp="1"/>
           </p:cNvSpPr>
@@ -6068,15 +8986,15 @@
         </p:nvSpPr>
         <p:spPr>
           <a:xfrm>
-            <a:off x="839788" y="457200"/>
-            <a:ext cx="3932237" cy="1600200"/>
+            <a:off x="2589212" y="446088"/>
+            <a:ext cx="3505199" cy="976312"/>
           </a:xfrm>
         </p:spPr>
         <p:txBody>
           <a:bodyPr anchor="b"/>
           <a:lstStyle>
-            <a:lvl1pPr>
-              <a:defRPr sz="3200"/>
+            <a:lvl1pPr algn="l">
+              <a:defRPr sz="2000" b="0"/>
             </a:lvl1pPr>
           </a:lstStyle>
           <a:p>
@@ -6084,18 +9002,13 @@
               <a:rPr lang="en-US"/>
               <a:t>Click to edit Master title style</a:t>
             </a:r>
+            <a:endParaRPr lang="en-US" dirty="0"/>
           </a:p>
         </p:txBody>
       </p:sp>
       <p:sp>
         <p:nvSpPr>
-          <p:cNvPr id="3" name="Content Placeholder 2">
-            <a:extLst>
-              <a:ext uri="{FF2B5EF4-FFF2-40B4-BE49-F238E27FC236}">
-                <a16:creationId xmlns:a16="http://schemas.microsoft.com/office/drawing/2014/main" id="{043DC017-94E1-141B-57D3-793DA12F1DE6}"/>
-              </a:ext>
-            </a:extLst>
-          </p:cNvPr>
+          <p:cNvPr id="3" name="Content Placeholder 2"/>
           <p:cNvSpPr>
             <a:spLocks noGrp="1"/>
           </p:cNvSpPr>
@@ -6105,41 +9018,15 @@
         </p:nvSpPr>
         <p:spPr>
           <a:xfrm>
-            <a:off x="5183188" y="987425"/>
-            <a:ext cx="6172200" cy="4873625"/>
+            <a:off x="6323012" y="446088"/>
+            <a:ext cx="5181600" cy="5414963"/>
           </a:xfrm>
         </p:spPr>
         <p:txBody>
-          <a:bodyPr/>
-          <a:lstStyle>
-            <a:lvl1pPr>
-              <a:defRPr sz="3200"/>
-            </a:lvl1pPr>
-            <a:lvl2pPr>
-              <a:defRPr sz="2800"/>
-            </a:lvl2pPr>
-            <a:lvl3pPr>
-              <a:defRPr sz="2400"/>
-            </a:lvl3pPr>
-            <a:lvl4pPr>
-              <a:defRPr sz="2000"/>
-            </a:lvl4pPr>
-            <a:lvl5pPr>
-              <a:defRPr sz="2000"/>
-            </a:lvl5pPr>
-            <a:lvl6pPr>
-              <a:defRPr sz="2000"/>
-            </a:lvl6pPr>
-            <a:lvl7pPr>
-              <a:defRPr sz="2000"/>
-            </a:lvl7pPr>
-            <a:lvl8pPr>
-              <a:defRPr sz="2000"/>
-            </a:lvl8pPr>
-            <a:lvl9pPr>
-              <a:defRPr sz="2000"/>
-            </a:lvl9pPr>
-          </a:lstStyle>
+          <a:bodyPr anchor="ctr">
+            <a:normAutofit/>
+          </a:bodyPr>
+          <a:lstStyle/>
           <a:p>
             <a:pPr lvl="0"/>
             <a:r>
@@ -6174,18 +9061,13 @@
               <a:rPr lang="en-US"/>
               <a:t>Fifth level</a:t>
             </a:r>
+            <a:endParaRPr lang="en-US" dirty="0"/>
           </a:p>
         </p:txBody>
       </p:sp>
       <p:sp>
         <p:nvSpPr>
-          <p:cNvPr id="4" name="Text Placeholder 3">
-            <a:extLst>
-              <a:ext uri="{FF2B5EF4-FFF2-40B4-BE49-F238E27FC236}">
-                <a16:creationId xmlns:a16="http://schemas.microsoft.com/office/drawing/2014/main" id="{CA4C5FA6-C370-46F5-3081-85316C1522F6}"/>
-              </a:ext>
-            </a:extLst>
-          </p:cNvPr>
+          <p:cNvPr id="4" name="Text Placeholder 3"/>
           <p:cNvSpPr>
             <a:spLocks noGrp="1"/>
           </p:cNvSpPr>
@@ -6195,8 +9077,8 @@
         </p:nvSpPr>
         <p:spPr>
           <a:xfrm>
-            <a:off x="839788" y="2057400"/>
-            <a:ext cx="3932237" cy="3811588"/>
+            <a:off x="2589212" y="1598613"/>
+            <a:ext cx="3505199" cy="4262436"/>
           </a:xfrm>
         </p:spPr>
         <p:txBody>
@@ -6204,39 +9086,39 @@
           <a:lstStyle>
             <a:lvl1pPr marL="0" indent="0">
               <a:buNone/>
-              <a:defRPr sz="1600"/>
+              <a:defRPr sz="1400"/>
             </a:lvl1pPr>
             <a:lvl2pPr marL="457200" indent="0">
               <a:buNone/>
-              <a:defRPr sz="1400"/>
+              <a:defRPr sz="1200"/>
             </a:lvl2pPr>
             <a:lvl3pPr marL="914400" indent="0">
               <a:buNone/>
-              <a:defRPr sz="1200"/>
+              <a:defRPr sz="1000"/>
             </a:lvl3pPr>
             <a:lvl4pPr marL="1371600" indent="0">
               <a:buNone/>
-              <a:defRPr sz="1000"/>
+              <a:defRPr sz="900"/>
             </a:lvl4pPr>
             <a:lvl5pPr marL="1828800" indent="0">
               <a:buNone/>
-              <a:defRPr sz="1000"/>
+              <a:defRPr sz="900"/>
             </a:lvl5pPr>
             <a:lvl6pPr marL="2286000" indent="0">
               <a:buNone/>
-              <a:defRPr sz="1000"/>
+              <a:defRPr sz="900"/>
             </a:lvl6pPr>
             <a:lvl7pPr marL="2743200" indent="0">
               <a:buNone/>
-              <a:defRPr sz="1000"/>
+              <a:defRPr sz="900"/>
             </a:lvl7pPr>
             <a:lvl8pPr marL="3200400" indent="0">
               <a:buNone/>
-              <a:defRPr sz="1000"/>
+              <a:defRPr sz="900"/>
             </a:lvl8pPr>
             <a:lvl9pPr marL="3657600" indent="0">
               <a:buNone/>
-              <a:defRPr sz="1000"/>
+              <a:defRPr sz="900"/>
             </a:lvl9pPr>
           </a:lstStyle>
           <a:p>
@@ -6250,13 +9132,7 @@
       </p:sp>
       <p:sp>
         <p:nvSpPr>
-          <p:cNvPr id="5" name="Date Placeholder 4">
-            <a:extLst>
-              <a:ext uri="{FF2B5EF4-FFF2-40B4-BE49-F238E27FC236}">
-                <a16:creationId xmlns:a16="http://schemas.microsoft.com/office/drawing/2014/main" id="{E4A27B68-B35C-CDF4-3FFF-E71C19E82843}"/>
-              </a:ext>
-            </a:extLst>
-          </p:cNvPr>
+          <p:cNvPr id="5" name="Date Placeholder 4"/>
           <p:cNvSpPr>
             <a:spLocks noGrp="1"/>
           </p:cNvSpPr>
@@ -6279,13 +9155,7 @@
       </p:sp>
       <p:sp>
         <p:nvSpPr>
-          <p:cNvPr id="6" name="Footer Placeholder 5">
-            <a:extLst>
-              <a:ext uri="{FF2B5EF4-FFF2-40B4-BE49-F238E27FC236}">
-                <a16:creationId xmlns:a16="http://schemas.microsoft.com/office/drawing/2014/main" id="{8AFF8679-041A-1C9B-4F31-EDF7846B2D9A}"/>
-              </a:ext>
-            </a:extLst>
-          </p:cNvPr>
+          <p:cNvPr id="6" name="Footer Placeholder 5"/>
           <p:cNvSpPr>
             <a:spLocks noGrp="1"/>
           </p:cNvSpPr>
@@ -6304,13 +9174,89 @@
       </p:sp>
       <p:sp>
         <p:nvSpPr>
-          <p:cNvPr id="7" name="Slide Number Placeholder 6">
-            <a:extLst>
-              <a:ext uri="{FF2B5EF4-FFF2-40B4-BE49-F238E27FC236}">
-                <a16:creationId xmlns:a16="http://schemas.microsoft.com/office/drawing/2014/main" id="{2A22DAB2-B7E8-4A03-208D-59DEF84C8B6D}"/>
-              </a:ext>
-            </a:extLst>
-          </p:cNvPr>
+          <p:cNvPr id="9" name="Freeform 11"/>
+          <p:cNvSpPr/>
+          <p:nvPr/>
+        </p:nvSpPr>
+        <p:spPr bwMode="auto">
+          <a:xfrm flipV="1">
+            <a:off x="-4189" y="714375"/>
+            <a:ext cx="1588527" cy="507297"/>
+          </a:xfrm>
+          <a:custGeom>
+            <a:avLst/>
+            <a:gdLst/>
+            <a:ahLst/>
+            <a:cxnLst/>
+            <a:rect l="l" t="t" r="r" b="b"/>
+            <a:pathLst>
+              <a:path w="9248" h="10000">
+                <a:moveTo>
+                  <a:pt x="9248" y="4701"/>
+                </a:moveTo>
+                <a:lnTo>
+                  <a:pt x="7915" y="188"/>
+                </a:lnTo>
+                <a:cubicBezTo>
+                  <a:pt x="7906" y="156"/>
+                  <a:pt x="7895" y="126"/>
+                  <a:pt x="7886" y="94"/>
+                </a:cubicBezTo>
+                <a:cubicBezTo>
+                  <a:pt x="7859" y="0"/>
+                  <a:pt x="7831" y="0"/>
+                  <a:pt x="7803" y="0"/>
+                </a:cubicBezTo>
+                <a:lnTo>
+                  <a:pt x="7275" y="0"/>
+                </a:lnTo>
+                <a:lnTo>
+                  <a:pt x="0" y="70"/>
+                </a:lnTo>
+                <a:cubicBezTo>
+                  <a:pt x="8" y="3380"/>
+                  <a:pt x="17" y="6690"/>
+                  <a:pt x="25" y="10000"/>
+                </a:cubicBezTo>
+                <a:lnTo>
+                  <a:pt x="7275" y="9966"/>
+                </a:lnTo>
+                <a:lnTo>
+                  <a:pt x="7803" y="9966"/>
+                </a:lnTo>
+                <a:cubicBezTo>
+                  <a:pt x="7831" y="9966"/>
+                  <a:pt x="7859" y="9872"/>
+                  <a:pt x="7886" y="9872"/>
+                </a:cubicBezTo>
+                <a:cubicBezTo>
+                  <a:pt x="7886" y="9778"/>
+                  <a:pt x="7915" y="9778"/>
+                  <a:pt x="7915" y="9778"/>
+                </a:cubicBezTo>
+                <a:lnTo>
+                  <a:pt x="9248" y="5265"/>
+                </a:lnTo>
+                <a:cubicBezTo>
+                  <a:pt x="9303" y="5077"/>
+                  <a:pt x="9303" y="4889"/>
+                  <a:pt x="9248" y="4701"/>
+                </a:cubicBezTo>
+                <a:close/>
+              </a:path>
+            </a:pathLst>
+          </a:custGeom>
+          <a:solidFill>
+            <a:schemeClr val="accent1"/>
+          </a:solidFill>
+          <a:ln>
+            <a:noFill/>
+          </a:ln>
+        </p:spPr>
+      </p:sp>
+      <p:sp>
+        <p:nvSpPr>
+          <p:cNvPr id="7" name="Slide Number Placeholder 6"/>
           <p:cNvSpPr>
             <a:spLocks noGrp="1"/>
           </p:cNvSpPr>
@@ -6334,7 +9280,7 @@
     </p:spTree>
     <p:extLst>
       <p:ext uri="{BB962C8B-B14F-4D97-AF65-F5344CB8AC3E}">
-        <p14:creationId xmlns:p14="http://schemas.microsoft.com/office/powerpoint/2010/main" val="926609214"/>
+        <p14:creationId xmlns:p14="http://schemas.microsoft.com/office/powerpoint/2010/main" val="3073527651"/>
       </p:ext>
     </p:extLst>
   </p:cSld>
@@ -6363,13 +9309,7 @@
       </p:grpSpPr>
       <p:sp>
         <p:nvSpPr>
-          <p:cNvPr id="2" name="Title 1">
-            <a:extLst>
-              <a:ext uri="{FF2B5EF4-FFF2-40B4-BE49-F238E27FC236}">
-                <a16:creationId xmlns:a16="http://schemas.microsoft.com/office/drawing/2014/main" id="{CD630C12-4F3D-AE16-BB65-BABB488808C9}"/>
-              </a:ext>
-            </a:extLst>
-          </p:cNvPr>
+          <p:cNvPr id="2" name="Title 1"/>
           <p:cNvSpPr>
             <a:spLocks noGrp="1"/>
           </p:cNvSpPr>
@@ -6379,15 +9319,17 @@
         </p:nvSpPr>
         <p:spPr>
           <a:xfrm>
-            <a:off x="839788" y="457200"/>
-            <a:ext cx="3932237" cy="1600200"/>
+            <a:off x="2589213" y="4800600"/>
+            <a:ext cx="8915400" cy="566738"/>
           </a:xfrm>
         </p:spPr>
         <p:txBody>
-          <a:bodyPr anchor="b"/>
+          <a:bodyPr anchor="b">
+            <a:normAutofit/>
+          </a:bodyPr>
           <a:lstStyle>
-            <a:lvl1pPr>
-              <a:defRPr sz="3200"/>
+            <a:lvl1pPr algn="l">
+              <a:defRPr sz="2400" b="0"/>
             </a:lvl1pPr>
           </a:lstStyle>
           <a:p>
@@ -6395,20 +9337,15 @@
               <a:rPr lang="en-US"/>
               <a:t>Click to edit Master title style</a:t>
             </a:r>
+            <a:endParaRPr lang="en-US" dirty="0"/>
           </a:p>
         </p:txBody>
       </p:sp>
       <p:sp>
         <p:nvSpPr>
-          <p:cNvPr id="3" name="Picture Placeholder 2">
-            <a:extLst>
-              <a:ext uri="{FF2B5EF4-FFF2-40B4-BE49-F238E27FC236}">
-                <a16:creationId xmlns:a16="http://schemas.microsoft.com/office/drawing/2014/main" id="{5D0724E5-1A84-39D1-ACE7-BFF89FD3FAAB}"/>
-              </a:ext>
-            </a:extLst>
-          </p:cNvPr>
+          <p:cNvPr id="3" name="Picture Placeholder 2"/>
           <p:cNvSpPr>
-            <a:spLocks noGrp="1"/>
+            <a:spLocks noGrp="1" noChangeAspect="1"/>
           </p:cNvSpPr>
           <p:nvPr>
             <p:ph type="pic" idx="1"/>
@@ -6416,64 +9353,64 @@
         </p:nvSpPr>
         <p:spPr>
           <a:xfrm>
-            <a:off x="5183188" y="987425"/>
-            <a:ext cx="6172200" cy="4873625"/>
+            <a:off x="2589212" y="634965"/>
+            <a:ext cx="8915400" cy="3854970"/>
           </a:xfrm>
         </p:spPr>
         <p:txBody>
-          <a:bodyPr/>
+          <a:bodyPr anchor="t">
+            <a:normAutofit/>
+          </a:bodyPr>
           <a:lstStyle>
-            <a:lvl1pPr marL="0" indent="0">
+            <a:lvl1pPr marL="0" indent="0" algn="ctr">
               <a:buNone/>
-              <a:defRPr sz="3200"/>
+              <a:defRPr sz="1600"/>
             </a:lvl1pPr>
             <a:lvl2pPr marL="457200" indent="0">
               <a:buNone/>
-              <a:defRPr sz="2800"/>
+              <a:defRPr sz="1600"/>
             </a:lvl2pPr>
             <a:lvl3pPr marL="914400" indent="0">
               <a:buNone/>
-              <a:defRPr sz="2400"/>
+              <a:defRPr sz="1600"/>
             </a:lvl3pPr>
             <a:lvl4pPr marL="1371600" indent="0">
               <a:buNone/>
-              <a:defRPr sz="2000"/>
+              <a:defRPr sz="1600"/>
             </a:lvl4pPr>
             <a:lvl5pPr marL="1828800" indent="0">
               <a:buNone/>
-              <a:defRPr sz="2000"/>
+              <a:defRPr sz="1600"/>
             </a:lvl5pPr>
             <a:lvl6pPr marL="2286000" indent="0">
               <a:buNone/>
-              <a:defRPr sz="2000"/>
+              <a:defRPr sz="1600"/>
             </a:lvl6pPr>
             <a:lvl7pPr marL="2743200" indent="0">
               <a:buNone/>
-              <a:defRPr sz="2000"/>
+              <a:defRPr sz="1600"/>
             </a:lvl7pPr>
             <a:lvl8pPr marL="3200400" indent="0">
               <a:buNone/>
-              <a:defRPr sz="2000"/>
+              <a:defRPr sz="1600"/>
             </a:lvl8pPr>
             <a:lvl9pPr marL="3657600" indent="0">
               <a:buNone/>
-              <a:defRPr sz="2000"/>
+              <a:defRPr sz="1600"/>
             </a:lvl9pPr>
           </a:lstStyle>
           <a:p>
-            <a:endParaRPr lang="en-US"/>
+            <a:r>
+              <a:rPr lang="en-US"/>
+              <a:t>Click icon to add picture</a:t>
+            </a:r>
+            <a:endParaRPr lang="en-US" dirty="0"/>
           </a:p>
         </p:txBody>
       </p:sp>
       <p:sp>
         <p:nvSpPr>
-          <p:cNvPr id="4" name="Text Placeholder 3">
-            <a:extLst>
-              <a:ext uri="{FF2B5EF4-FFF2-40B4-BE49-F238E27FC236}">
-                <a16:creationId xmlns:a16="http://schemas.microsoft.com/office/drawing/2014/main" id="{3BE499CC-4A06-C2BC-A4F9-E5D4B82AB3C2}"/>
-              </a:ext>
-            </a:extLst>
-          </p:cNvPr>
+          <p:cNvPr id="4" name="Text Placeholder 3"/>
           <p:cNvSpPr>
             <a:spLocks noGrp="1"/>
           </p:cNvSpPr>
@@ -6483,48 +9420,50 @@
         </p:nvSpPr>
         <p:spPr>
           <a:xfrm>
-            <a:off x="839788" y="2057400"/>
-            <a:ext cx="3932237" cy="3811588"/>
+            <a:off x="2589213" y="5367338"/>
+            <a:ext cx="8915400" cy="493712"/>
           </a:xfrm>
         </p:spPr>
         <p:txBody>
-          <a:bodyPr/>
+          <a:bodyPr>
+            <a:normAutofit/>
+          </a:bodyPr>
           <a:lstStyle>
             <a:lvl1pPr marL="0" indent="0">
               <a:buNone/>
-              <a:defRPr sz="1600"/>
+              <a:defRPr sz="1200"/>
             </a:lvl1pPr>
             <a:lvl2pPr marL="457200" indent="0">
               <a:buNone/>
-              <a:defRPr sz="1400"/>
+              <a:defRPr sz="1200"/>
             </a:lvl2pPr>
             <a:lvl3pPr marL="914400" indent="0">
               <a:buNone/>
-              <a:defRPr sz="1200"/>
+              <a:defRPr sz="1000"/>
             </a:lvl3pPr>
             <a:lvl4pPr marL="1371600" indent="0">
               <a:buNone/>
-              <a:defRPr sz="1000"/>
+              <a:defRPr sz="900"/>
             </a:lvl4pPr>
             <a:lvl5pPr marL="1828800" indent="0">
               <a:buNone/>
-              <a:defRPr sz="1000"/>
+              <a:defRPr sz="900"/>
             </a:lvl5pPr>
             <a:lvl6pPr marL="2286000" indent="0">
               <a:buNone/>
-              <a:defRPr sz="1000"/>
+              <a:defRPr sz="900"/>
             </a:lvl6pPr>
             <a:lvl7pPr marL="2743200" indent="0">
               <a:buNone/>
-              <a:defRPr sz="1000"/>
+              <a:defRPr sz="900"/>
             </a:lvl7pPr>
             <a:lvl8pPr marL="3200400" indent="0">
               <a:buNone/>
-              <a:defRPr sz="1000"/>
+              <a:defRPr sz="900"/>
             </a:lvl8pPr>
             <a:lvl9pPr marL="3657600" indent="0">
               <a:buNone/>
-              <a:defRPr sz="1000"/>
+              <a:defRPr sz="900"/>
             </a:lvl9pPr>
           </a:lstStyle>
           <a:p>
@@ -6538,13 +9477,7 @@
       </p:sp>
       <p:sp>
         <p:nvSpPr>
-          <p:cNvPr id="5" name="Date Placeholder 4">
-            <a:extLst>
-              <a:ext uri="{FF2B5EF4-FFF2-40B4-BE49-F238E27FC236}">
-                <a16:creationId xmlns:a16="http://schemas.microsoft.com/office/drawing/2014/main" id="{0E74215C-681E-2D6C-F0A7-75054C087763}"/>
-              </a:ext>
-            </a:extLst>
-          </p:cNvPr>
+          <p:cNvPr id="5" name="Date Placeholder 4"/>
           <p:cNvSpPr>
             <a:spLocks noGrp="1"/>
           </p:cNvSpPr>
@@ -6567,13 +9500,7 @@
       </p:sp>
       <p:sp>
         <p:nvSpPr>
-          <p:cNvPr id="6" name="Footer Placeholder 5">
-            <a:extLst>
-              <a:ext uri="{FF2B5EF4-FFF2-40B4-BE49-F238E27FC236}">
-                <a16:creationId xmlns:a16="http://schemas.microsoft.com/office/drawing/2014/main" id="{B7DFAF37-AEE7-8F95-16BD-95FAAC3B143E}"/>
-              </a:ext>
-            </a:extLst>
-          </p:cNvPr>
+          <p:cNvPr id="6" name="Footer Placeholder 5"/>
           <p:cNvSpPr>
             <a:spLocks noGrp="1"/>
           </p:cNvSpPr>
@@ -6592,13 +9519,89 @@
       </p:sp>
       <p:sp>
         <p:nvSpPr>
-          <p:cNvPr id="7" name="Slide Number Placeholder 6">
-            <a:extLst>
-              <a:ext uri="{FF2B5EF4-FFF2-40B4-BE49-F238E27FC236}">
-                <a16:creationId xmlns:a16="http://schemas.microsoft.com/office/drawing/2014/main" id="{4F3B3F52-87A3-D161-F8C8-204FFD5D2298}"/>
-              </a:ext>
-            </a:extLst>
-          </p:cNvPr>
+          <p:cNvPr id="9" name="Freeform 11"/>
+          <p:cNvSpPr/>
+          <p:nvPr/>
+        </p:nvSpPr>
+        <p:spPr bwMode="auto">
+          <a:xfrm flipV="1">
+            <a:off x="-4189" y="4911725"/>
+            <a:ext cx="1588527" cy="507297"/>
+          </a:xfrm>
+          <a:custGeom>
+            <a:avLst/>
+            <a:gdLst/>
+            <a:ahLst/>
+            <a:cxnLst/>
+            <a:rect l="l" t="t" r="r" b="b"/>
+            <a:pathLst>
+              <a:path w="9248" h="10000">
+                <a:moveTo>
+                  <a:pt x="9248" y="4701"/>
+                </a:moveTo>
+                <a:lnTo>
+                  <a:pt x="7915" y="188"/>
+                </a:lnTo>
+                <a:cubicBezTo>
+                  <a:pt x="7906" y="156"/>
+                  <a:pt x="7895" y="126"/>
+                  <a:pt x="7886" y="94"/>
+                </a:cubicBezTo>
+                <a:cubicBezTo>
+                  <a:pt x="7859" y="0"/>
+                  <a:pt x="7831" y="0"/>
+                  <a:pt x="7803" y="0"/>
+                </a:cubicBezTo>
+                <a:lnTo>
+                  <a:pt x="7275" y="0"/>
+                </a:lnTo>
+                <a:lnTo>
+                  <a:pt x="0" y="70"/>
+                </a:lnTo>
+                <a:cubicBezTo>
+                  <a:pt x="8" y="3380"/>
+                  <a:pt x="17" y="6690"/>
+                  <a:pt x="25" y="10000"/>
+                </a:cubicBezTo>
+                <a:lnTo>
+                  <a:pt x="7275" y="9966"/>
+                </a:lnTo>
+                <a:lnTo>
+                  <a:pt x="7803" y="9966"/>
+                </a:lnTo>
+                <a:cubicBezTo>
+                  <a:pt x="7831" y="9966"/>
+                  <a:pt x="7859" y="9872"/>
+                  <a:pt x="7886" y="9872"/>
+                </a:cubicBezTo>
+                <a:cubicBezTo>
+                  <a:pt x="7886" y="9778"/>
+                  <a:pt x="7915" y="9778"/>
+                  <a:pt x="7915" y="9778"/>
+                </a:cubicBezTo>
+                <a:lnTo>
+                  <a:pt x="9248" y="5265"/>
+                </a:lnTo>
+                <a:cubicBezTo>
+                  <a:pt x="9303" y="5077"/>
+                  <a:pt x="9303" y="4889"/>
+                  <a:pt x="9248" y="4701"/>
+                </a:cubicBezTo>
+                <a:close/>
+              </a:path>
+            </a:pathLst>
+          </a:custGeom>
+          <a:solidFill>
+            <a:schemeClr val="accent1"/>
+          </a:solidFill>
+          <a:ln>
+            <a:noFill/>
+          </a:ln>
+        </p:spPr>
+      </p:sp>
+      <p:sp>
+        <p:nvSpPr>
+          <p:cNvPr id="7" name="Slide Number Placeholder 6"/>
           <p:cNvSpPr>
             <a:spLocks noGrp="1"/>
           </p:cNvSpPr>
@@ -6606,7 +9609,12 @@
             <p:ph type="sldNum" sz="quarter" idx="12"/>
           </p:nvPr>
         </p:nvSpPr>
-        <p:spPr/>
+        <p:spPr>
+          <a:xfrm>
+            <a:off x="531812" y="4983087"/>
+            <a:ext cx="779767" cy="365125"/>
+          </a:xfrm>
+        </p:spPr>
         <p:txBody>
           <a:bodyPr/>
           <a:lstStyle/>
@@ -6622,7 +9630,7 @@
     </p:spTree>
     <p:extLst>
       <p:ext uri="{BB962C8B-B14F-4D97-AF65-F5344CB8AC3E}">
-        <p14:creationId xmlns:p14="http://schemas.microsoft.com/office/powerpoint/2010/main" val="1372499987"/>
+        <p14:creationId xmlns:p14="http://schemas.microsoft.com/office/powerpoint/2010/main" val="2914019725"/>
       </p:ext>
     </p:extLst>
   </p:cSld>
@@ -6636,8 +9644,8 @@
 <p:sldMaster xmlns:a="http://schemas.openxmlformats.org/drawingml/2006/main" xmlns:r="http://schemas.openxmlformats.org/officeDocument/2006/relationships" xmlns:p="http://schemas.openxmlformats.org/presentationml/2006/main">
   <p:cSld>
     <p:bg>
-      <p:bgRef idx="1001">
-        <a:schemeClr val="bg1"/>
+      <p:bgRef idx="1003">
+        <a:schemeClr val="bg2"/>
       </p:bgRef>
     </p:bg>
     <p:spTree>
@@ -6654,15 +9662,1826 @@
           <a:chExt cx="0" cy="0"/>
         </a:xfrm>
       </p:grpSpPr>
+      <p:grpSp>
+        <p:nvGrpSpPr>
+          <p:cNvPr id="23" name="Group 22"/>
+          <p:cNvGrpSpPr/>
+          <p:nvPr/>
+        </p:nvGrpSpPr>
+        <p:grpSpPr>
+          <a:xfrm>
+            <a:off x="1" y="228600"/>
+            <a:ext cx="2851516" cy="6638628"/>
+            <a:chOff x="2487613" y="285750"/>
+            <a:chExt cx="2428875" cy="5654676"/>
+          </a:xfrm>
+        </p:grpSpPr>
+        <p:sp>
+          <p:nvSpPr>
+            <p:cNvPr id="24" name="Freeform 11"/>
+            <p:cNvSpPr/>
+            <p:nvPr/>
+          </p:nvSpPr>
+          <p:spPr bwMode="auto">
+            <a:xfrm>
+              <a:off x="2487613" y="2284413"/>
+              <a:ext cx="85725" cy="533400"/>
+            </a:xfrm>
+            <a:custGeom>
+              <a:avLst/>
+              <a:gdLst/>
+              <a:ahLst/>
+              <a:cxnLst/>
+              <a:rect l="0" t="0" r="r" b="b"/>
+              <a:pathLst>
+                <a:path w="22" h="136">
+                  <a:moveTo>
+                    <a:pt x="22" y="136"/>
+                  </a:moveTo>
+                  <a:cubicBezTo>
+                    <a:pt x="20" y="117"/>
+                    <a:pt x="19" y="99"/>
+                    <a:pt x="17" y="80"/>
+                  </a:cubicBezTo>
+                  <a:cubicBezTo>
+                    <a:pt x="11" y="54"/>
+                    <a:pt x="6" y="27"/>
+                    <a:pt x="0" y="0"/>
+                  </a:cubicBezTo>
+                  <a:cubicBezTo>
+                    <a:pt x="0" y="35"/>
+                    <a:pt x="0" y="35"/>
+                    <a:pt x="0" y="35"/>
+                  </a:cubicBezTo>
+                  <a:cubicBezTo>
+                    <a:pt x="6" y="64"/>
+                    <a:pt x="13" y="94"/>
+                    <a:pt x="20" y="124"/>
+                  </a:cubicBezTo>
+                  <a:cubicBezTo>
+                    <a:pt x="20" y="128"/>
+                    <a:pt x="21" y="132"/>
+                    <a:pt x="22" y="136"/>
+                  </a:cubicBezTo>
+                  <a:close/>
+                </a:path>
+              </a:pathLst>
+            </a:custGeom>
+            <a:solidFill>
+              <a:schemeClr val="tx2">
+                <a:alpha val="20000"/>
+              </a:schemeClr>
+            </a:solidFill>
+            <a:ln>
+              <a:noFill/>
+            </a:ln>
+          </p:spPr>
+        </p:sp>
+        <p:sp>
+          <p:nvSpPr>
+            <p:cNvPr id="25" name="Freeform 12"/>
+            <p:cNvSpPr/>
+            <p:nvPr/>
+          </p:nvSpPr>
+          <p:spPr bwMode="auto">
+            <a:xfrm>
+              <a:off x="2597151" y="2779713"/>
+              <a:ext cx="550863" cy="1978025"/>
+            </a:xfrm>
+            <a:custGeom>
+              <a:avLst/>
+              <a:gdLst/>
+              <a:ahLst/>
+              <a:cxnLst/>
+              <a:rect l="0" t="0" r="r" b="b"/>
+              <a:pathLst>
+                <a:path w="140" h="504">
+                  <a:moveTo>
+                    <a:pt x="86" y="350"/>
+                  </a:moveTo>
+                  <a:cubicBezTo>
+                    <a:pt x="103" y="402"/>
+                    <a:pt x="120" y="453"/>
+                    <a:pt x="139" y="504"/>
+                  </a:cubicBezTo>
+                  <a:cubicBezTo>
+                    <a:pt x="139" y="495"/>
+                    <a:pt x="139" y="487"/>
+                    <a:pt x="140" y="478"/>
+                  </a:cubicBezTo>
+                  <a:cubicBezTo>
+                    <a:pt x="124" y="435"/>
+                    <a:pt x="109" y="391"/>
+                    <a:pt x="95" y="347"/>
+                  </a:cubicBezTo>
+                  <a:cubicBezTo>
+                    <a:pt x="58" y="233"/>
+                    <a:pt x="27" y="117"/>
+                    <a:pt x="0" y="0"/>
+                  </a:cubicBezTo>
+                  <a:cubicBezTo>
+                    <a:pt x="2" y="20"/>
+                    <a:pt x="4" y="41"/>
+                    <a:pt x="6" y="61"/>
+                  </a:cubicBezTo>
+                  <a:cubicBezTo>
+                    <a:pt x="30" y="158"/>
+                    <a:pt x="56" y="255"/>
+                    <a:pt x="86" y="350"/>
+                  </a:cubicBezTo>
+                  <a:close/>
+                </a:path>
+              </a:pathLst>
+            </a:custGeom>
+            <a:solidFill>
+              <a:schemeClr val="tx2">
+                <a:alpha val="20000"/>
+              </a:schemeClr>
+            </a:solidFill>
+            <a:ln>
+              <a:noFill/>
+            </a:ln>
+          </p:spPr>
+        </p:sp>
+        <p:sp>
+          <p:nvSpPr>
+            <p:cNvPr id="26" name="Freeform 13"/>
+            <p:cNvSpPr/>
+            <p:nvPr/>
+          </p:nvSpPr>
+          <p:spPr bwMode="auto">
+            <a:xfrm>
+              <a:off x="3175001" y="4730750"/>
+              <a:ext cx="519113" cy="1209675"/>
+            </a:xfrm>
+            <a:custGeom>
+              <a:avLst/>
+              <a:gdLst/>
+              <a:ahLst/>
+              <a:cxnLst/>
+              <a:rect l="0" t="0" r="r" b="b"/>
+              <a:pathLst>
+                <a:path w="132" h="308">
+                  <a:moveTo>
+                    <a:pt x="8" y="22"/>
+                  </a:moveTo>
+                  <a:cubicBezTo>
+                    <a:pt x="5" y="15"/>
+                    <a:pt x="2" y="8"/>
+                    <a:pt x="0" y="0"/>
+                  </a:cubicBezTo>
+                  <a:cubicBezTo>
+                    <a:pt x="0" y="10"/>
+                    <a:pt x="0" y="19"/>
+                    <a:pt x="0" y="29"/>
+                  </a:cubicBezTo>
+                  <a:cubicBezTo>
+                    <a:pt x="21" y="85"/>
+                    <a:pt x="44" y="140"/>
+                    <a:pt x="68" y="194"/>
+                  </a:cubicBezTo>
+                  <a:cubicBezTo>
+                    <a:pt x="85" y="232"/>
+                    <a:pt x="104" y="270"/>
+                    <a:pt x="123" y="308"/>
+                  </a:cubicBezTo>
+                  <a:cubicBezTo>
+                    <a:pt x="132" y="308"/>
+                    <a:pt x="132" y="308"/>
+                    <a:pt x="132" y="308"/>
+                  </a:cubicBezTo>
+                  <a:cubicBezTo>
+                    <a:pt x="113" y="269"/>
+                    <a:pt x="94" y="230"/>
+                    <a:pt x="77" y="190"/>
+                  </a:cubicBezTo>
+                  <a:cubicBezTo>
+                    <a:pt x="52" y="135"/>
+                    <a:pt x="29" y="79"/>
+                    <a:pt x="8" y="22"/>
+                  </a:cubicBezTo>
+                  <a:close/>
+                </a:path>
+              </a:pathLst>
+            </a:custGeom>
+            <a:solidFill>
+              <a:schemeClr val="tx2">
+                <a:alpha val="20000"/>
+              </a:schemeClr>
+            </a:solidFill>
+            <a:ln>
+              <a:noFill/>
+            </a:ln>
+          </p:spPr>
+        </p:sp>
+        <p:sp>
+          <p:nvSpPr>
+            <p:cNvPr id="27" name="Freeform 14"/>
+            <p:cNvSpPr/>
+            <p:nvPr/>
+          </p:nvSpPr>
+          <p:spPr bwMode="auto">
+            <a:xfrm>
+              <a:off x="3305176" y="5630863"/>
+              <a:ext cx="146050" cy="309563"/>
+            </a:xfrm>
+            <a:custGeom>
+              <a:avLst/>
+              <a:gdLst/>
+              <a:ahLst/>
+              <a:cxnLst/>
+              <a:rect l="0" t="0" r="r" b="b"/>
+              <a:pathLst>
+                <a:path w="37" h="79">
+                  <a:moveTo>
+                    <a:pt x="28" y="79"/>
+                  </a:moveTo>
+                  <a:cubicBezTo>
+                    <a:pt x="37" y="79"/>
+                    <a:pt x="37" y="79"/>
+                    <a:pt x="37" y="79"/>
+                  </a:cubicBezTo>
+                  <a:cubicBezTo>
+                    <a:pt x="24" y="53"/>
+                    <a:pt x="12" y="27"/>
+                    <a:pt x="0" y="0"/>
+                  </a:cubicBezTo>
+                  <a:cubicBezTo>
+                    <a:pt x="8" y="27"/>
+                    <a:pt x="17" y="53"/>
+                    <a:pt x="28" y="79"/>
+                  </a:cubicBezTo>
+                  <a:close/>
+                </a:path>
+              </a:pathLst>
+            </a:custGeom>
+            <a:solidFill>
+              <a:schemeClr val="tx2">
+                <a:alpha val="20000"/>
+              </a:schemeClr>
+            </a:solidFill>
+            <a:ln>
+              <a:noFill/>
+            </a:ln>
+          </p:spPr>
+        </p:sp>
+        <p:sp>
+          <p:nvSpPr>
+            <p:cNvPr id="28" name="Freeform 15"/>
+            <p:cNvSpPr/>
+            <p:nvPr/>
+          </p:nvSpPr>
+          <p:spPr bwMode="auto">
+            <a:xfrm>
+              <a:off x="2573338" y="2817813"/>
+              <a:ext cx="700088" cy="2835275"/>
+            </a:xfrm>
+            <a:custGeom>
+              <a:avLst/>
+              <a:gdLst/>
+              <a:ahLst/>
+              <a:cxnLst/>
+              <a:rect l="0" t="0" r="r" b="b"/>
+              <a:pathLst>
+                <a:path w="178" h="722">
+                  <a:moveTo>
+                    <a:pt x="162" y="660"/>
+                  </a:moveTo>
+                  <a:cubicBezTo>
+                    <a:pt x="145" y="618"/>
+                    <a:pt x="130" y="576"/>
+                    <a:pt x="116" y="534"/>
+                  </a:cubicBezTo>
+                  <a:cubicBezTo>
+                    <a:pt x="84" y="437"/>
+                    <a:pt x="59" y="337"/>
+                    <a:pt x="40" y="236"/>
+                  </a:cubicBezTo>
+                  <a:cubicBezTo>
+                    <a:pt x="29" y="175"/>
+                    <a:pt x="20" y="113"/>
+                    <a:pt x="12" y="51"/>
+                  </a:cubicBezTo>
+                  <a:cubicBezTo>
+                    <a:pt x="8" y="34"/>
+                    <a:pt x="4" y="17"/>
+                    <a:pt x="0" y="0"/>
+                  </a:cubicBezTo>
+                  <a:cubicBezTo>
+                    <a:pt x="8" y="79"/>
+                    <a:pt x="19" y="159"/>
+                    <a:pt x="33" y="237"/>
+                  </a:cubicBezTo>
+                  <a:cubicBezTo>
+                    <a:pt x="51" y="339"/>
+                    <a:pt x="76" y="439"/>
+                    <a:pt x="107" y="537"/>
+                  </a:cubicBezTo>
+                  <a:cubicBezTo>
+                    <a:pt x="123" y="586"/>
+                    <a:pt x="141" y="634"/>
+                    <a:pt x="160" y="681"/>
+                  </a:cubicBezTo>
+                  <a:cubicBezTo>
+                    <a:pt x="166" y="695"/>
+                    <a:pt x="172" y="708"/>
+                    <a:pt x="178" y="722"/>
+                  </a:cubicBezTo>
+                  <a:cubicBezTo>
+                    <a:pt x="176" y="717"/>
+                    <a:pt x="175" y="713"/>
+                    <a:pt x="174" y="708"/>
+                  </a:cubicBezTo>
+                  <a:cubicBezTo>
+                    <a:pt x="169" y="692"/>
+                    <a:pt x="165" y="676"/>
+                    <a:pt x="162" y="660"/>
+                  </a:cubicBezTo>
+                  <a:close/>
+                </a:path>
+              </a:pathLst>
+            </a:custGeom>
+            <a:solidFill>
+              <a:schemeClr val="tx2">
+                <a:alpha val="20000"/>
+              </a:schemeClr>
+            </a:solidFill>
+            <a:ln>
+              <a:noFill/>
+            </a:ln>
+          </p:spPr>
+        </p:sp>
+        <p:sp>
+          <p:nvSpPr>
+            <p:cNvPr id="29" name="Freeform 16"/>
+            <p:cNvSpPr/>
+            <p:nvPr/>
+          </p:nvSpPr>
+          <p:spPr bwMode="auto">
+            <a:xfrm>
+              <a:off x="2506663" y="285750"/>
+              <a:ext cx="90488" cy="2493963"/>
+            </a:xfrm>
+            <a:custGeom>
+              <a:avLst/>
+              <a:gdLst/>
+              <a:ahLst/>
+              <a:cxnLst/>
+              <a:rect l="0" t="0" r="r" b="b"/>
+              <a:pathLst>
+                <a:path w="23" h="635">
+                  <a:moveTo>
+                    <a:pt x="11" y="577"/>
+                  </a:moveTo>
+                  <a:cubicBezTo>
+                    <a:pt x="12" y="581"/>
+                    <a:pt x="12" y="585"/>
+                    <a:pt x="12" y="589"/>
+                  </a:cubicBezTo>
+                  <a:cubicBezTo>
+                    <a:pt x="15" y="603"/>
+                    <a:pt x="19" y="617"/>
+                    <a:pt x="22" y="632"/>
+                  </a:cubicBezTo>
+                  <a:cubicBezTo>
+                    <a:pt x="22" y="633"/>
+                    <a:pt x="22" y="634"/>
+                    <a:pt x="23" y="635"/>
+                  </a:cubicBezTo>
+                  <a:cubicBezTo>
+                    <a:pt x="21" y="615"/>
+                    <a:pt x="19" y="596"/>
+                    <a:pt x="17" y="576"/>
+                  </a:cubicBezTo>
+                  <a:cubicBezTo>
+                    <a:pt x="9" y="474"/>
+                    <a:pt x="5" y="372"/>
+                    <a:pt x="5" y="269"/>
+                  </a:cubicBezTo>
+                  <a:cubicBezTo>
+                    <a:pt x="6" y="179"/>
+                    <a:pt x="9" y="90"/>
+                    <a:pt x="15" y="0"/>
+                  </a:cubicBezTo>
+                  <a:cubicBezTo>
+                    <a:pt x="12" y="0"/>
+                    <a:pt x="12" y="0"/>
+                    <a:pt x="12" y="0"/>
+                  </a:cubicBezTo>
+                  <a:cubicBezTo>
+                    <a:pt x="5" y="89"/>
+                    <a:pt x="2" y="179"/>
+                    <a:pt x="1" y="269"/>
+                  </a:cubicBezTo>
+                  <a:cubicBezTo>
+                    <a:pt x="0" y="372"/>
+                    <a:pt x="3" y="474"/>
+                    <a:pt x="11" y="577"/>
+                  </a:cubicBezTo>
+                  <a:close/>
+                </a:path>
+              </a:pathLst>
+            </a:custGeom>
+            <a:solidFill>
+              <a:schemeClr val="tx2">
+                <a:alpha val="20000"/>
+              </a:schemeClr>
+            </a:solidFill>
+            <a:ln>
+              <a:noFill/>
+            </a:ln>
+          </p:spPr>
+        </p:sp>
+        <p:sp>
+          <p:nvSpPr>
+            <p:cNvPr id="30" name="Freeform 17"/>
+            <p:cNvSpPr/>
+            <p:nvPr/>
+          </p:nvSpPr>
+          <p:spPr bwMode="auto">
+            <a:xfrm>
+              <a:off x="2554288" y="2598738"/>
+              <a:ext cx="66675" cy="420688"/>
+            </a:xfrm>
+            <a:custGeom>
+              <a:avLst/>
+              <a:gdLst/>
+              <a:ahLst/>
+              <a:cxnLst/>
+              <a:rect l="0" t="0" r="r" b="b"/>
+              <a:pathLst>
+                <a:path w="17" h="107">
+                  <a:moveTo>
+                    <a:pt x="0" y="0"/>
+                  </a:moveTo>
+                  <a:cubicBezTo>
+                    <a:pt x="2" y="19"/>
+                    <a:pt x="3" y="37"/>
+                    <a:pt x="5" y="56"/>
+                  </a:cubicBezTo>
+                  <a:cubicBezTo>
+                    <a:pt x="9" y="73"/>
+                    <a:pt x="13" y="90"/>
+                    <a:pt x="17" y="107"/>
+                  </a:cubicBezTo>
+                  <a:cubicBezTo>
+                    <a:pt x="15" y="87"/>
+                    <a:pt x="13" y="66"/>
+                    <a:pt x="11" y="46"/>
+                  </a:cubicBezTo>
+                  <a:cubicBezTo>
+                    <a:pt x="10" y="45"/>
+                    <a:pt x="10" y="44"/>
+                    <a:pt x="10" y="43"/>
+                  </a:cubicBezTo>
+                  <a:cubicBezTo>
+                    <a:pt x="7" y="28"/>
+                    <a:pt x="3" y="14"/>
+                    <a:pt x="0" y="0"/>
+                  </a:cubicBezTo>
+                  <a:close/>
+                </a:path>
+              </a:pathLst>
+            </a:custGeom>
+            <a:solidFill>
+              <a:schemeClr val="tx2">
+                <a:alpha val="20000"/>
+              </a:schemeClr>
+            </a:solidFill>
+            <a:ln>
+              <a:noFill/>
+            </a:ln>
+          </p:spPr>
+        </p:sp>
+        <p:sp>
+          <p:nvSpPr>
+            <p:cNvPr id="31" name="Freeform 18"/>
+            <p:cNvSpPr/>
+            <p:nvPr/>
+          </p:nvSpPr>
+          <p:spPr bwMode="auto">
+            <a:xfrm>
+              <a:off x="3143251" y="4757738"/>
+              <a:ext cx="161925" cy="873125"/>
+            </a:xfrm>
+            <a:custGeom>
+              <a:avLst/>
+              <a:gdLst/>
+              <a:ahLst/>
+              <a:cxnLst/>
+              <a:rect l="0" t="0" r="r" b="b"/>
+              <a:pathLst>
+                <a:path w="41" h="222">
+                  <a:moveTo>
+                    <a:pt x="0" y="0"/>
+                  </a:moveTo>
+                  <a:cubicBezTo>
+                    <a:pt x="0" y="31"/>
+                    <a:pt x="2" y="62"/>
+                    <a:pt x="5" y="93"/>
+                  </a:cubicBezTo>
+                  <a:cubicBezTo>
+                    <a:pt x="8" y="117"/>
+                    <a:pt x="12" y="142"/>
+                    <a:pt x="17" y="166"/>
+                  </a:cubicBezTo>
+                  <a:cubicBezTo>
+                    <a:pt x="19" y="172"/>
+                    <a:pt x="22" y="178"/>
+                    <a:pt x="24" y="184"/>
+                  </a:cubicBezTo>
+                  <a:cubicBezTo>
+                    <a:pt x="30" y="197"/>
+                    <a:pt x="35" y="209"/>
+                    <a:pt x="41" y="222"/>
+                  </a:cubicBezTo>
+                  <a:cubicBezTo>
+                    <a:pt x="40" y="219"/>
+                    <a:pt x="39" y="215"/>
+                    <a:pt x="38" y="212"/>
+                  </a:cubicBezTo>
+                  <a:cubicBezTo>
+                    <a:pt x="26" y="172"/>
+                    <a:pt x="18" y="132"/>
+                    <a:pt x="13" y="92"/>
+                  </a:cubicBezTo>
+                  <a:cubicBezTo>
+                    <a:pt x="11" y="68"/>
+                    <a:pt x="9" y="45"/>
+                    <a:pt x="8" y="22"/>
+                  </a:cubicBezTo>
+                  <a:cubicBezTo>
+                    <a:pt x="8" y="21"/>
+                    <a:pt x="7" y="20"/>
+                    <a:pt x="7" y="18"/>
+                  </a:cubicBezTo>
+                  <a:cubicBezTo>
+                    <a:pt x="5" y="12"/>
+                    <a:pt x="2" y="6"/>
+                    <a:pt x="0" y="0"/>
+                  </a:cubicBezTo>
+                  <a:close/>
+                </a:path>
+              </a:pathLst>
+            </a:custGeom>
+            <a:solidFill>
+              <a:schemeClr val="tx2">
+                <a:alpha val="20000"/>
+              </a:schemeClr>
+            </a:solidFill>
+            <a:ln>
+              <a:noFill/>
+            </a:ln>
+          </p:spPr>
+        </p:sp>
+        <p:sp>
+          <p:nvSpPr>
+            <p:cNvPr id="32" name="Freeform 19"/>
+            <p:cNvSpPr/>
+            <p:nvPr/>
+          </p:nvSpPr>
+          <p:spPr bwMode="auto">
+            <a:xfrm>
+              <a:off x="3148013" y="1282700"/>
+              <a:ext cx="1768475" cy="3448050"/>
+            </a:xfrm>
+            <a:custGeom>
+              <a:avLst/>
+              <a:gdLst/>
+              <a:ahLst/>
+              <a:cxnLst/>
+              <a:rect l="0" t="0" r="r" b="b"/>
+              <a:pathLst>
+                <a:path w="450" h="878">
+                  <a:moveTo>
+                    <a:pt x="7" y="854"/>
+                  </a:moveTo>
+                  <a:cubicBezTo>
+                    <a:pt x="10" y="772"/>
+                    <a:pt x="26" y="691"/>
+                    <a:pt x="50" y="613"/>
+                  </a:cubicBezTo>
+                  <a:cubicBezTo>
+                    <a:pt x="75" y="535"/>
+                    <a:pt x="109" y="460"/>
+                    <a:pt x="149" y="388"/>
+                  </a:cubicBezTo>
+                  <a:cubicBezTo>
+                    <a:pt x="189" y="316"/>
+                    <a:pt x="235" y="248"/>
+                    <a:pt x="285" y="183"/>
+                  </a:cubicBezTo>
+                  <a:cubicBezTo>
+                    <a:pt x="310" y="151"/>
+                    <a:pt x="337" y="119"/>
+                    <a:pt x="364" y="89"/>
+                  </a:cubicBezTo>
+                  <a:cubicBezTo>
+                    <a:pt x="378" y="74"/>
+                    <a:pt x="392" y="58"/>
+                    <a:pt x="406" y="44"/>
+                  </a:cubicBezTo>
+                  <a:cubicBezTo>
+                    <a:pt x="421" y="29"/>
+                    <a:pt x="435" y="15"/>
+                    <a:pt x="450" y="1"/>
+                  </a:cubicBezTo>
+                  <a:cubicBezTo>
+                    <a:pt x="450" y="0"/>
+                    <a:pt x="450" y="0"/>
+                    <a:pt x="450" y="0"/>
+                  </a:cubicBezTo>
+                  <a:cubicBezTo>
+                    <a:pt x="434" y="14"/>
+                    <a:pt x="420" y="28"/>
+                    <a:pt x="405" y="43"/>
+                  </a:cubicBezTo>
+                  <a:cubicBezTo>
+                    <a:pt x="391" y="57"/>
+                    <a:pt x="377" y="72"/>
+                    <a:pt x="363" y="88"/>
+                  </a:cubicBezTo>
+                  <a:cubicBezTo>
+                    <a:pt x="335" y="118"/>
+                    <a:pt x="308" y="149"/>
+                    <a:pt x="283" y="181"/>
+                  </a:cubicBezTo>
+                  <a:cubicBezTo>
+                    <a:pt x="232" y="246"/>
+                    <a:pt x="185" y="314"/>
+                    <a:pt x="145" y="386"/>
+                  </a:cubicBezTo>
+                  <a:cubicBezTo>
+                    <a:pt x="104" y="457"/>
+                    <a:pt x="70" y="533"/>
+                    <a:pt x="45" y="611"/>
+                  </a:cubicBezTo>
+                  <a:cubicBezTo>
+                    <a:pt x="19" y="690"/>
+                    <a:pt x="3" y="771"/>
+                    <a:pt x="0" y="854"/>
+                  </a:cubicBezTo>
+                  <a:cubicBezTo>
+                    <a:pt x="0" y="856"/>
+                    <a:pt x="0" y="857"/>
+                    <a:pt x="0" y="859"/>
+                  </a:cubicBezTo>
+                  <a:cubicBezTo>
+                    <a:pt x="2" y="865"/>
+                    <a:pt x="4" y="872"/>
+                    <a:pt x="7" y="878"/>
+                  </a:cubicBezTo>
+                  <a:cubicBezTo>
+                    <a:pt x="7" y="870"/>
+                    <a:pt x="7" y="862"/>
+                    <a:pt x="7" y="854"/>
+                  </a:cubicBezTo>
+                  <a:close/>
+                </a:path>
+              </a:pathLst>
+            </a:custGeom>
+            <a:solidFill>
+              <a:schemeClr val="tx2">
+                <a:alpha val="20000"/>
+              </a:schemeClr>
+            </a:solidFill>
+            <a:ln>
+              <a:noFill/>
+            </a:ln>
+          </p:spPr>
+        </p:sp>
+        <p:sp>
+          <p:nvSpPr>
+            <p:cNvPr id="33" name="Freeform 20"/>
+            <p:cNvSpPr/>
+            <p:nvPr/>
+          </p:nvSpPr>
+          <p:spPr bwMode="auto">
+            <a:xfrm>
+              <a:off x="3273426" y="5653088"/>
+              <a:ext cx="138113" cy="287338"/>
+            </a:xfrm>
+            <a:custGeom>
+              <a:avLst/>
+              <a:gdLst/>
+              <a:ahLst/>
+              <a:cxnLst/>
+              <a:rect l="0" t="0" r="r" b="b"/>
+              <a:pathLst>
+                <a:path w="35" h="73">
+                  <a:moveTo>
+                    <a:pt x="0" y="0"/>
+                  </a:moveTo>
+                  <a:cubicBezTo>
+                    <a:pt x="7" y="24"/>
+                    <a:pt x="16" y="49"/>
+                    <a:pt x="26" y="73"/>
+                  </a:cubicBezTo>
+                  <a:cubicBezTo>
+                    <a:pt x="35" y="73"/>
+                    <a:pt x="35" y="73"/>
+                    <a:pt x="35" y="73"/>
+                  </a:cubicBezTo>
+                  <a:cubicBezTo>
+                    <a:pt x="23" y="49"/>
+                    <a:pt x="11" y="24"/>
+                    <a:pt x="0" y="0"/>
+                  </a:cubicBezTo>
+                  <a:close/>
+                </a:path>
+              </a:pathLst>
+            </a:custGeom>
+            <a:solidFill>
+              <a:schemeClr val="tx2">
+                <a:alpha val="20000"/>
+              </a:schemeClr>
+            </a:solidFill>
+            <a:ln>
+              <a:noFill/>
+            </a:ln>
+          </p:spPr>
+        </p:sp>
+        <p:sp>
+          <p:nvSpPr>
+            <p:cNvPr id="34" name="Freeform 21"/>
+            <p:cNvSpPr/>
+            <p:nvPr/>
+          </p:nvSpPr>
+          <p:spPr bwMode="auto">
+            <a:xfrm>
+              <a:off x="3143251" y="4656138"/>
+              <a:ext cx="31750" cy="188913"/>
+            </a:xfrm>
+            <a:custGeom>
+              <a:avLst/>
+              <a:gdLst/>
+              <a:ahLst/>
+              <a:cxnLst/>
+              <a:rect l="0" t="0" r="r" b="b"/>
+              <a:pathLst>
+                <a:path w="8" h="48">
+                  <a:moveTo>
+                    <a:pt x="7" y="44"/>
+                  </a:moveTo>
+                  <a:cubicBezTo>
+                    <a:pt x="7" y="46"/>
+                    <a:pt x="8" y="47"/>
+                    <a:pt x="8" y="48"/>
+                  </a:cubicBezTo>
+                  <a:cubicBezTo>
+                    <a:pt x="8" y="38"/>
+                    <a:pt x="8" y="29"/>
+                    <a:pt x="8" y="19"/>
+                  </a:cubicBezTo>
+                  <a:cubicBezTo>
+                    <a:pt x="5" y="13"/>
+                    <a:pt x="3" y="6"/>
+                    <a:pt x="1" y="0"/>
+                  </a:cubicBezTo>
+                  <a:cubicBezTo>
+                    <a:pt x="0" y="9"/>
+                    <a:pt x="0" y="17"/>
+                    <a:pt x="0" y="26"/>
+                  </a:cubicBezTo>
+                  <a:cubicBezTo>
+                    <a:pt x="2" y="32"/>
+                    <a:pt x="5" y="38"/>
+                    <a:pt x="7" y="44"/>
+                  </a:cubicBezTo>
+                  <a:close/>
+                </a:path>
+              </a:pathLst>
+            </a:custGeom>
+            <a:solidFill>
+              <a:schemeClr val="tx2">
+                <a:alpha val="20000"/>
+              </a:schemeClr>
+            </a:solidFill>
+            <a:ln>
+              <a:noFill/>
+            </a:ln>
+          </p:spPr>
+        </p:sp>
+        <p:sp>
+          <p:nvSpPr>
+            <p:cNvPr id="35" name="Freeform 22"/>
+            <p:cNvSpPr/>
+            <p:nvPr/>
+          </p:nvSpPr>
+          <p:spPr bwMode="auto">
+            <a:xfrm>
+              <a:off x="3211513" y="5410200"/>
+              <a:ext cx="203200" cy="530225"/>
+            </a:xfrm>
+            <a:custGeom>
+              <a:avLst/>
+              <a:gdLst/>
+              <a:ahLst/>
+              <a:cxnLst/>
+              <a:rect l="0" t="0" r="r" b="b"/>
+              <a:pathLst>
+                <a:path w="52" h="135">
+                  <a:moveTo>
+                    <a:pt x="7" y="18"/>
+                  </a:moveTo>
+                  <a:cubicBezTo>
+                    <a:pt x="5" y="12"/>
+                    <a:pt x="2" y="6"/>
+                    <a:pt x="0" y="0"/>
+                  </a:cubicBezTo>
+                  <a:cubicBezTo>
+                    <a:pt x="3" y="16"/>
+                    <a:pt x="7" y="32"/>
+                    <a:pt x="12" y="48"/>
+                  </a:cubicBezTo>
+                  <a:cubicBezTo>
+                    <a:pt x="13" y="53"/>
+                    <a:pt x="14" y="57"/>
+                    <a:pt x="16" y="62"/>
+                  </a:cubicBezTo>
+                  <a:cubicBezTo>
+                    <a:pt x="27" y="86"/>
+                    <a:pt x="39" y="111"/>
+                    <a:pt x="51" y="135"/>
+                  </a:cubicBezTo>
+                  <a:cubicBezTo>
+                    <a:pt x="52" y="135"/>
+                    <a:pt x="52" y="135"/>
+                    <a:pt x="52" y="135"/>
+                  </a:cubicBezTo>
+                  <a:cubicBezTo>
+                    <a:pt x="41" y="109"/>
+                    <a:pt x="32" y="83"/>
+                    <a:pt x="24" y="56"/>
+                  </a:cubicBezTo>
+                  <a:cubicBezTo>
+                    <a:pt x="18" y="43"/>
+                    <a:pt x="13" y="31"/>
+                    <a:pt x="7" y="18"/>
+                  </a:cubicBezTo>
+                  <a:close/>
+                </a:path>
+              </a:pathLst>
+            </a:custGeom>
+            <a:solidFill>
+              <a:schemeClr val="tx2">
+                <a:alpha val="20000"/>
+              </a:schemeClr>
+            </a:solidFill>
+            <a:ln>
+              <a:noFill/>
+            </a:ln>
+          </p:spPr>
+        </p:sp>
+      </p:grpSp>
+      <p:grpSp>
+        <p:nvGrpSpPr>
+          <p:cNvPr id="10" name="Group 9"/>
+          <p:cNvGrpSpPr/>
+          <p:nvPr/>
+        </p:nvGrpSpPr>
+        <p:grpSpPr>
+          <a:xfrm>
+            <a:off x="27221" y="-786"/>
+            <a:ext cx="2356674" cy="6854039"/>
+            <a:chOff x="6627813" y="194833"/>
+            <a:chExt cx="1952625" cy="5678918"/>
+          </a:xfrm>
+        </p:grpSpPr>
+        <p:sp>
+          <p:nvSpPr>
+            <p:cNvPr id="11" name="Freeform 27"/>
+            <p:cNvSpPr/>
+            <p:nvPr/>
+          </p:nvSpPr>
+          <p:spPr bwMode="auto">
+            <a:xfrm>
+              <a:off x="6627813" y="194833"/>
+              <a:ext cx="409575" cy="3646488"/>
+            </a:xfrm>
+            <a:custGeom>
+              <a:avLst/>
+              <a:gdLst/>
+              <a:ahLst/>
+              <a:cxnLst/>
+              <a:rect l="0" t="0" r="r" b="b"/>
+              <a:pathLst>
+                <a:path w="103" h="920">
+                  <a:moveTo>
+                    <a:pt x="7" y="210"/>
+                  </a:moveTo>
+                  <a:cubicBezTo>
+                    <a:pt x="11" y="288"/>
+                    <a:pt x="17" y="367"/>
+                    <a:pt x="26" y="445"/>
+                  </a:cubicBezTo>
+                  <a:cubicBezTo>
+                    <a:pt x="34" y="523"/>
+                    <a:pt x="44" y="601"/>
+                    <a:pt x="57" y="679"/>
+                  </a:cubicBezTo>
+                  <a:cubicBezTo>
+                    <a:pt x="69" y="757"/>
+                    <a:pt x="84" y="834"/>
+                    <a:pt x="101" y="911"/>
+                  </a:cubicBezTo>
+                  <a:cubicBezTo>
+                    <a:pt x="102" y="914"/>
+                    <a:pt x="103" y="917"/>
+                    <a:pt x="103" y="920"/>
+                  </a:cubicBezTo>
+                  <a:cubicBezTo>
+                    <a:pt x="102" y="905"/>
+                    <a:pt x="100" y="889"/>
+                    <a:pt x="99" y="874"/>
+                  </a:cubicBezTo>
+                  <a:cubicBezTo>
+                    <a:pt x="99" y="871"/>
+                    <a:pt x="99" y="868"/>
+                    <a:pt x="99" y="866"/>
+                  </a:cubicBezTo>
+                  <a:cubicBezTo>
+                    <a:pt x="85" y="803"/>
+                    <a:pt x="73" y="741"/>
+                    <a:pt x="63" y="678"/>
+                  </a:cubicBezTo>
+                  <a:cubicBezTo>
+                    <a:pt x="50" y="600"/>
+                    <a:pt x="39" y="523"/>
+                    <a:pt x="30" y="444"/>
+                  </a:cubicBezTo>
+                  <a:cubicBezTo>
+                    <a:pt x="21" y="366"/>
+                    <a:pt x="14" y="288"/>
+                    <a:pt x="9" y="209"/>
+                  </a:cubicBezTo>
+                  <a:cubicBezTo>
+                    <a:pt x="7" y="170"/>
+                    <a:pt x="5" y="131"/>
+                    <a:pt x="3" y="92"/>
+                  </a:cubicBezTo>
+                  <a:cubicBezTo>
+                    <a:pt x="2" y="61"/>
+                    <a:pt x="1" y="31"/>
+                    <a:pt x="1" y="0"/>
+                  </a:cubicBezTo>
+                  <a:cubicBezTo>
+                    <a:pt x="0" y="0"/>
+                    <a:pt x="0" y="0"/>
+                    <a:pt x="0" y="0"/>
+                  </a:cubicBezTo>
+                  <a:cubicBezTo>
+                    <a:pt x="0" y="31"/>
+                    <a:pt x="1" y="61"/>
+                    <a:pt x="1" y="92"/>
+                  </a:cubicBezTo>
+                  <a:cubicBezTo>
+                    <a:pt x="3" y="131"/>
+                    <a:pt x="4" y="170"/>
+                    <a:pt x="7" y="210"/>
+                  </a:cubicBezTo>
+                  <a:close/>
+                </a:path>
+              </a:pathLst>
+            </a:custGeom>
+            <a:solidFill>
+              <a:schemeClr val="tx2"/>
+            </a:solidFill>
+            <a:ln>
+              <a:noFill/>
+            </a:ln>
+          </p:spPr>
+        </p:sp>
+        <p:sp>
+          <p:nvSpPr>
+            <p:cNvPr id="12" name="Freeform 28"/>
+            <p:cNvSpPr/>
+            <p:nvPr/>
+          </p:nvSpPr>
+          <p:spPr bwMode="auto">
+            <a:xfrm>
+              <a:off x="7061201" y="3771900"/>
+              <a:ext cx="350838" cy="1309688"/>
+            </a:xfrm>
+            <a:custGeom>
+              <a:avLst/>
+              <a:gdLst/>
+              <a:ahLst/>
+              <a:cxnLst/>
+              <a:rect l="0" t="0" r="r" b="b"/>
+              <a:pathLst>
+                <a:path w="88" h="330">
+                  <a:moveTo>
+                    <a:pt x="53" y="229"/>
+                  </a:moveTo>
+                  <a:cubicBezTo>
+                    <a:pt x="64" y="263"/>
+                    <a:pt x="75" y="297"/>
+                    <a:pt x="88" y="330"/>
+                  </a:cubicBezTo>
+                  <a:cubicBezTo>
+                    <a:pt x="88" y="323"/>
+                    <a:pt x="88" y="315"/>
+                    <a:pt x="88" y="308"/>
+                  </a:cubicBezTo>
+                  <a:cubicBezTo>
+                    <a:pt x="88" y="307"/>
+                    <a:pt x="88" y="305"/>
+                    <a:pt x="88" y="304"/>
+                  </a:cubicBezTo>
+                  <a:cubicBezTo>
+                    <a:pt x="79" y="278"/>
+                    <a:pt x="70" y="252"/>
+                    <a:pt x="62" y="226"/>
+                  </a:cubicBezTo>
+                  <a:cubicBezTo>
+                    <a:pt x="38" y="152"/>
+                    <a:pt x="17" y="76"/>
+                    <a:pt x="0" y="0"/>
+                  </a:cubicBezTo>
+                  <a:cubicBezTo>
+                    <a:pt x="2" y="21"/>
+                    <a:pt x="4" y="42"/>
+                    <a:pt x="7" y="63"/>
+                  </a:cubicBezTo>
+                  <a:cubicBezTo>
+                    <a:pt x="21" y="119"/>
+                    <a:pt x="36" y="174"/>
+                    <a:pt x="53" y="229"/>
+                  </a:cubicBezTo>
+                  <a:close/>
+                </a:path>
+              </a:pathLst>
+            </a:custGeom>
+            <a:solidFill>
+              <a:schemeClr val="tx2"/>
+            </a:solidFill>
+            <a:ln>
+              <a:noFill/>
+            </a:ln>
+          </p:spPr>
+        </p:sp>
+        <p:sp>
+          <p:nvSpPr>
+            <p:cNvPr id="13" name="Freeform 29"/>
+            <p:cNvSpPr/>
+            <p:nvPr/>
+          </p:nvSpPr>
+          <p:spPr bwMode="auto">
+            <a:xfrm>
+              <a:off x="7439026" y="5053013"/>
+              <a:ext cx="357188" cy="820738"/>
+            </a:xfrm>
+            <a:custGeom>
+              <a:avLst/>
+              <a:gdLst/>
+              <a:ahLst/>
+              <a:cxnLst/>
+              <a:rect l="0" t="0" r="r" b="b"/>
+              <a:pathLst>
+                <a:path w="90" h="207">
+                  <a:moveTo>
+                    <a:pt x="6" y="15"/>
+                  </a:moveTo>
+                  <a:cubicBezTo>
+                    <a:pt x="4" y="10"/>
+                    <a:pt x="2" y="5"/>
+                    <a:pt x="0" y="0"/>
+                  </a:cubicBezTo>
+                  <a:cubicBezTo>
+                    <a:pt x="0" y="9"/>
+                    <a:pt x="0" y="19"/>
+                    <a:pt x="1" y="29"/>
+                  </a:cubicBezTo>
+                  <a:cubicBezTo>
+                    <a:pt x="14" y="62"/>
+                    <a:pt x="27" y="95"/>
+                    <a:pt x="42" y="127"/>
+                  </a:cubicBezTo>
+                  <a:cubicBezTo>
+                    <a:pt x="54" y="154"/>
+                    <a:pt x="67" y="181"/>
+                    <a:pt x="80" y="207"/>
+                  </a:cubicBezTo>
+                  <a:cubicBezTo>
+                    <a:pt x="90" y="207"/>
+                    <a:pt x="90" y="207"/>
+                    <a:pt x="90" y="207"/>
+                  </a:cubicBezTo>
+                  <a:cubicBezTo>
+                    <a:pt x="76" y="180"/>
+                    <a:pt x="63" y="152"/>
+                    <a:pt x="50" y="123"/>
+                  </a:cubicBezTo>
+                  <a:cubicBezTo>
+                    <a:pt x="34" y="88"/>
+                    <a:pt x="20" y="51"/>
+                    <a:pt x="6" y="15"/>
+                  </a:cubicBezTo>
+                  <a:close/>
+                </a:path>
+              </a:pathLst>
+            </a:custGeom>
+            <a:solidFill>
+              <a:schemeClr val="tx2"/>
+            </a:solidFill>
+            <a:ln>
+              <a:noFill/>
+            </a:ln>
+          </p:spPr>
+        </p:sp>
+        <p:sp>
+          <p:nvSpPr>
+            <p:cNvPr id="14" name="Freeform 30"/>
+            <p:cNvSpPr/>
+            <p:nvPr/>
+          </p:nvSpPr>
+          <p:spPr bwMode="auto">
+            <a:xfrm>
+              <a:off x="7037388" y="3811588"/>
+              <a:ext cx="457200" cy="1852613"/>
+            </a:xfrm>
+            <a:custGeom>
+              <a:avLst/>
+              <a:gdLst/>
+              <a:ahLst/>
+              <a:cxnLst/>
+              <a:rect l="0" t="0" r="r" b="b"/>
+              <a:pathLst>
+                <a:path w="115" h="467">
+                  <a:moveTo>
+                    <a:pt x="101" y="409"/>
+                  </a:moveTo>
+                  <a:cubicBezTo>
+                    <a:pt x="93" y="388"/>
+                    <a:pt x="85" y="366"/>
+                    <a:pt x="78" y="344"/>
+                  </a:cubicBezTo>
+                  <a:cubicBezTo>
+                    <a:pt x="57" y="281"/>
+                    <a:pt x="41" y="216"/>
+                    <a:pt x="29" y="151"/>
+                  </a:cubicBezTo>
+                  <a:cubicBezTo>
+                    <a:pt x="22" y="119"/>
+                    <a:pt x="17" y="86"/>
+                    <a:pt x="13" y="53"/>
+                  </a:cubicBezTo>
+                  <a:cubicBezTo>
+                    <a:pt x="9" y="35"/>
+                    <a:pt x="4" y="18"/>
+                    <a:pt x="0" y="0"/>
+                  </a:cubicBezTo>
+                  <a:cubicBezTo>
+                    <a:pt x="5" y="51"/>
+                    <a:pt x="12" y="102"/>
+                    <a:pt x="21" y="152"/>
+                  </a:cubicBezTo>
+                  <a:cubicBezTo>
+                    <a:pt x="33" y="218"/>
+                    <a:pt x="49" y="283"/>
+                    <a:pt x="69" y="347"/>
+                  </a:cubicBezTo>
+                  <a:cubicBezTo>
+                    <a:pt x="79" y="378"/>
+                    <a:pt x="90" y="410"/>
+                    <a:pt x="103" y="441"/>
+                  </a:cubicBezTo>
+                  <a:cubicBezTo>
+                    <a:pt x="107" y="449"/>
+                    <a:pt x="111" y="458"/>
+                    <a:pt x="115" y="467"/>
+                  </a:cubicBezTo>
+                  <a:cubicBezTo>
+                    <a:pt x="114" y="464"/>
+                    <a:pt x="113" y="461"/>
+                    <a:pt x="112" y="458"/>
+                  </a:cubicBezTo>
+                  <a:cubicBezTo>
+                    <a:pt x="108" y="442"/>
+                    <a:pt x="104" y="425"/>
+                    <a:pt x="101" y="409"/>
+                  </a:cubicBezTo>
+                  <a:close/>
+                </a:path>
+              </a:pathLst>
+            </a:custGeom>
+            <a:solidFill>
+              <a:schemeClr val="tx2"/>
+            </a:solidFill>
+            <a:ln>
+              <a:noFill/>
+            </a:ln>
+          </p:spPr>
+        </p:sp>
+        <p:sp>
+          <p:nvSpPr>
+            <p:cNvPr id="15" name="Freeform 31"/>
+            <p:cNvSpPr/>
+            <p:nvPr/>
+          </p:nvSpPr>
+          <p:spPr bwMode="auto">
+            <a:xfrm>
+              <a:off x="6992938" y="1263650"/>
+              <a:ext cx="144463" cy="2508250"/>
+            </a:xfrm>
+            <a:custGeom>
+              <a:avLst/>
+              <a:gdLst/>
+              <a:ahLst/>
+              <a:cxnLst/>
+              <a:rect l="0" t="0" r="r" b="b"/>
+              <a:pathLst>
+                <a:path w="36" h="633">
+                  <a:moveTo>
+                    <a:pt x="17" y="633"/>
+                  </a:moveTo>
+                  <a:cubicBezTo>
+                    <a:pt x="15" y="621"/>
+                    <a:pt x="14" y="609"/>
+                    <a:pt x="13" y="597"/>
+                  </a:cubicBezTo>
+                  <a:cubicBezTo>
+                    <a:pt x="8" y="530"/>
+                    <a:pt x="5" y="464"/>
+                    <a:pt x="5" y="398"/>
+                  </a:cubicBezTo>
+                  <a:cubicBezTo>
+                    <a:pt x="5" y="331"/>
+                    <a:pt x="8" y="265"/>
+                    <a:pt x="13" y="198"/>
+                  </a:cubicBezTo>
+                  <a:cubicBezTo>
+                    <a:pt x="15" y="165"/>
+                    <a:pt x="18" y="132"/>
+                    <a:pt x="22" y="99"/>
+                  </a:cubicBezTo>
+                  <a:cubicBezTo>
+                    <a:pt x="26" y="66"/>
+                    <a:pt x="30" y="33"/>
+                    <a:pt x="36" y="0"/>
+                  </a:cubicBezTo>
+                  <a:cubicBezTo>
+                    <a:pt x="35" y="0"/>
+                    <a:pt x="35" y="0"/>
+                    <a:pt x="35" y="0"/>
+                  </a:cubicBezTo>
+                  <a:cubicBezTo>
+                    <a:pt x="29" y="33"/>
+                    <a:pt x="24" y="66"/>
+                    <a:pt x="20" y="99"/>
+                  </a:cubicBezTo>
+                  <a:cubicBezTo>
+                    <a:pt x="16" y="132"/>
+                    <a:pt x="13" y="165"/>
+                    <a:pt x="10" y="198"/>
+                  </a:cubicBezTo>
+                  <a:cubicBezTo>
+                    <a:pt x="4" y="264"/>
+                    <a:pt x="1" y="331"/>
+                    <a:pt x="1" y="398"/>
+                  </a:cubicBezTo>
+                  <a:cubicBezTo>
+                    <a:pt x="0" y="461"/>
+                    <a:pt x="2" y="525"/>
+                    <a:pt x="7" y="589"/>
+                  </a:cubicBezTo>
+                  <a:cubicBezTo>
+                    <a:pt x="10" y="603"/>
+                    <a:pt x="13" y="618"/>
+                    <a:pt x="16" y="632"/>
+                  </a:cubicBezTo>
+                  <a:cubicBezTo>
+                    <a:pt x="16" y="632"/>
+                    <a:pt x="17" y="633"/>
+                    <a:pt x="17" y="633"/>
+                  </a:cubicBezTo>
+                  <a:close/>
+                </a:path>
+              </a:pathLst>
+            </a:custGeom>
+            <a:solidFill>
+              <a:schemeClr val="tx2"/>
+            </a:solidFill>
+            <a:ln>
+              <a:noFill/>
+            </a:ln>
+          </p:spPr>
+        </p:sp>
+        <p:sp>
+          <p:nvSpPr>
+            <p:cNvPr id="16" name="Freeform 32"/>
+            <p:cNvSpPr/>
+            <p:nvPr/>
+          </p:nvSpPr>
+          <p:spPr bwMode="auto">
+            <a:xfrm>
+              <a:off x="7526338" y="5640388"/>
+              <a:ext cx="111125" cy="233363"/>
+            </a:xfrm>
+            <a:custGeom>
+              <a:avLst/>
+              <a:gdLst/>
+              <a:ahLst/>
+              <a:cxnLst/>
+              <a:rect l="0" t="0" r="r" b="b"/>
+              <a:pathLst>
+                <a:path w="28" h="59">
+                  <a:moveTo>
+                    <a:pt x="22" y="59"/>
+                  </a:moveTo>
+                  <a:cubicBezTo>
+                    <a:pt x="28" y="59"/>
+                    <a:pt x="28" y="59"/>
+                    <a:pt x="28" y="59"/>
+                  </a:cubicBezTo>
+                  <a:cubicBezTo>
+                    <a:pt x="18" y="40"/>
+                    <a:pt x="9" y="20"/>
+                    <a:pt x="0" y="0"/>
+                  </a:cubicBezTo>
+                  <a:cubicBezTo>
+                    <a:pt x="6" y="20"/>
+                    <a:pt x="13" y="40"/>
+                    <a:pt x="22" y="59"/>
+                  </a:cubicBezTo>
+                  <a:close/>
+                </a:path>
+              </a:pathLst>
+            </a:custGeom>
+            <a:solidFill>
+              <a:schemeClr val="tx2"/>
+            </a:solidFill>
+            <a:ln>
+              <a:noFill/>
+            </a:ln>
+          </p:spPr>
+        </p:sp>
+        <p:sp>
+          <p:nvSpPr>
+            <p:cNvPr id="17" name="Freeform 33"/>
+            <p:cNvSpPr/>
+            <p:nvPr/>
+          </p:nvSpPr>
+          <p:spPr bwMode="auto">
+            <a:xfrm>
+              <a:off x="7021513" y="3598863"/>
+              <a:ext cx="68263" cy="423863"/>
+            </a:xfrm>
+            <a:custGeom>
+              <a:avLst/>
+              <a:gdLst/>
+              <a:ahLst/>
+              <a:cxnLst/>
+              <a:rect l="0" t="0" r="r" b="b"/>
+              <a:pathLst>
+                <a:path w="17" h="107">
+                  <a:moveTo>
+                    <a:pt x="4" y="54"/>
+                  </a:moveTo>
+                  <a:cubicBezTo>
+                    <a:pt x="8" y="72"/>
+                    <a:pt x="13" y="89"/>
+                    <a:pt x="17" y="107"/>
+                  </a:cubicBezTo>
+                  <a:cubicBezTo>
+                    <a:pt x="14" y="86"/>
+                    <a:pt x="12" y="65"/>
+                    <a:pt x="10" y="44"/>
+                  </a:cubicBezTo>
+                  <a:cubicBezTo>
+                    <a:pt x="10" y="44"/>
+                    <a:pt x="9" y="43"/>
+                    <a:pt x="9" y="43"/>
+                  </a:cubicBezTo>
+                  <a:cubicBezTo>
+                    <a:pt x="6" y="29"/>
+                    <a:pt x="3" y="14"/>
+                    <a:pt x="0" y="0"/>
+                  </a:cubicBezTo>
+                  <a:cubicBezTo>
+                    <a:pt x="0" y="2"/>
+                    <a:pt x="0" y="5"/>
+                    <a:pt x="0" y="8"/>
+                  </a:cubicBezTo>
+                  <a:cubicBezTo>
+                    <a:pt x="1" y="23"/>
+                    <a:pt x="3" y="39"/>
+                    <a:pt x="4" y="54"/>
+                  </a:cubicBezTo>
+                  <a:close/>
+                </a:path>
+              </a:pathLst>
+            </a:custGeom>
+            <a:solidFill>
+              <a:schemeClr val="tx2"/>
+            </a:solidFill>
+            <a:ln>
+              <a:noFill/>
+            </a:ln>
+          </p:spPr>
+        </p:sp>
+        <p:sp>
+          <p:nvSpPr>
+            <p:cNvPr id="18" name="Freeform 34"/>
+            <p:cNvSpPr/>
+            <p:nvPr/>
+          </p:nvSpPr>
+          <p:spPr bwMode="auto">
+            <a:xfrm>
+              <a:off x="7412038" y="2801938"/>
+              <a:ext cx="1168400" cy="2251075"/>
+            </a:xfrm>
+            <a:custGeom>
+              <a:avLst/>
+              <a:gdLst/>
+              <a:ahLst/>
+              <a:cxnLst/>
+              <a:rect l="0" t="0" r="r" b="b"/>
+              <a:pathLst>
+                <a:path w="294" h="568">
+                  <a:moveTo>
+                    <a:pt x="8" y="553"/>
+                  </a:moveTo>
+                  <a:cubicBezTo>
+                    <a:pt x="9" y="501"/>
+                    <a:pt x="19" y="448"/>
+                    <a:pt x="35" y="397"/>
+                  </a:cubicBezTo>
+                  <a:cubicBezTo>
+                    <a:pt x="51" y="347"/>
+                    <a:pt x="73" y="298"/>
+                    <a:pt x="99" y="252"/>
+                  </a:cubicBezTo>
+                  <a:cubicBezTo>
+                    <a:pt x="124" y="205"/>
+                    <a:pt x="154" y="161"/>
+                    <a:pt x="187" y="119"/>
+                  </a:cubicBezTo>
+                  <a:cubicBezTo>
+                    <a:pt x="203" y="98"/>
+                    <a:pt x="220" y="77"/>
+                    <a:pt x="238" y="58"/>
+                  </a:cubicBezTo>
+                  <a:cubicBezTo>
+                    <a:pt x="247" y="48"/>
+                    <a:pt x="256" y="38"/>
+                    <a:pt x="265" y="28"/>
+                  </a:cubicBezTo>
+                  <a:cubicBezTo>
+                    <a:pt x="274" y="19"/>
+                    <a:pt x="284" y="9"/>
+                    <a:pt x="294" y="0"/>
+                  </a:cubicBezTo>
+                  <a:cubicBezTo>
+                    <a:pt x="293" y="0"/>
+                    <a:pt x="293" y="0"/>
+                    <a:pt x="293" y="0"/>
+                  </a:cubicBezTo>
+                  <a:cubicBezTo>
+                    <a:pt x="283" y="9"/>
+                    <a:pt x="273" y="18"/>
+                    <a:pt x="264" y="27"/>
+                  </a:cubicBezTo>
+                  <a:cubicBezTo>
+                    <a:pt x="255" y="37"/>
+                    <a:pt x="246" y="47"/>
+                    <a:pt x="237" y="56"/>
+                  </a:cubicBezTo>
+                  <a:cubicBezTo>
+                    <a:pt x="218" y="76"/>
+                    <a:pt x="201" y="96"/>
+                    <a:pt x="185" y="117"/>
+                  </a:cubicBezTo>
+                  <a:cubicBezTo>
+                    <a:pt x="151" y="159"/>
+                    <a:pt x="121" y="203"/>
+                    <a:pt x="95" y="249"/>
+                  </a:cubicBezTo>
+                  <a:cubicBezTo>
+                    <a:pt x="68" y="296"/>
+                    <a:pt x="46" y="345"/>
+                    <a:pt x="30" y="396"/>
+                  </a:cubicBezTo>
+                  <a:cubicBezTo>
+                    <a:pt x="13" y="445"/>
+                    <a:pt x="3" y="497"/>
+                    <a:pt x="0" y="549"/>
+                  </a:cubicBezTo>
+                  <a:cubicBezTo>
+                    <a:pt x="3" y="555"/>
+                    <a:pt x="5" y="561"/>
+                    <a:pt x="7" y="568"/>
+                  </a:cubicBezTo>
+                  <a:cubicBezTo>
+                    <a:pt x="7" y="563"/>
+                    <a:pt x="7" y="558"/>
+                    <a:pt x="8" y="553"/>
+                  </a:cubicBezTo>
+                  <a:close/>
+                </a:path>
+              </a:pathLst>
+            </a:custGeom>
+            <a:solidFill>
+              <a:schemeClr val="tx2"/>
+            </a:solidFill>
+            <a:ln>
+              <a:noFill/>
+            </a:ln>
+          </p:spPr>
+        </p:sp>
+        <p:sp>
+          <p:nvSpPr>
+            <p:cNvPr id="19" name="Freeform 35"/>
+            <p:cNvSpPr/>
+            <p:nvPr/>
+          </p:nvSpPr>
+          <p:spPr bwMode="auto">
+            <a:xfrm>
+              <a:off x="7494588" y="5664200"/>
+              <a:ext cx="100013" cy="209550"/>
+            </a:xfrm>
+            <a:custGeom>
+              <a:avLst/>
+              <a:gdLst/>
+              <a:ahLst/>
+              <a:cxnLst/>
+              <a:rect l="0" t="0" r="r" b="b"/>
+              <a:pathLst>
+                <a:path w="25" h="53">
+                  <a:moveTo>
+                    <a:pt x="0" y="0"/>
+                  </a:moveTo>
+                  <a:cubicBezTo>
+                    <a:pt x="5" y="18"/>
+                    <a:pt x="12" y="36"/>
+                    <a:pt x="19" y="53"/>
+                  </a:cubicBezTo>
+                  <a:cubicBezTo>
+                    <a:pt x="25" y="53"/>
+                    <a:pt x="25" y="53"/>
+                    <a:pt x="25" y="53"/>
+                  </a:cubicBezTo>
+                  <a:cubicBezTo>
+                    <a:pt x="16" y="36"/>
+                    <a:pt x="8" y="18"/>
+                    <a:pt x="0" y="0"/>
+                  </a:cubicBezTo>
+                  <a:close/>
+                </a:path>
+              </a:pathLst>
+            </a:custGeom>
+            <a:solidFill>
+              <a:schemeClr val="tx2"/>
+            </a:solidFill>
+            <a:ln>
+              <a:noFill/>
+            </a:ln>
+          </p:spPr>
+        </p:sp>
+        <p:sp>
+          <p:nvSpPr>
+            <p:cNvPr id="20" name="Freeform 36"/>
+            <p:cNvSpPr/>
+            <p:nvPr/>
+          </p:nvSpPr>
+          <p:spPr bwMode="auto">
+            <a:xfrm>
+              <a:off x="7412038" y="5081588"/>
+              <a:ext cx="114300" cy="558800"/>
+            </a:xfrm>
+            <a:custGeom>
+              <a:avLst/>
+              <a:gdLst/>
+              <a:ahLst/>
+              <a:cxnLst/>
+              <a:rect l="0" t="0" r="r" b="b"/>
+              <a:pathLst>
+                <a:path w="29" h="141">
+                  <a:moveTo>
+                    <a:pt x="0" y="0"/>
+                  </a:moveTo>
+                  <a:cubicBezTo>
+                    <a:pt x="0" y="30"/>
+                    <a:pt x="2" y="60"/>
+                    <a:pt x="7" y="89"/>
+                  </a:cubicBezTo>
+                  <a:cubicBezTo>
+                    <a:pt x="11" y="98"/>
+                    <a:pt x="14" y="108"/>
+                    <a:pt x="18" y="117"/>
+                  </a:cubicBezTo>
+                  <a:cubicBezTo>
+                    <a:pt x="22" y="125"/>
+                    <a:pt x="25" y="133"/>
+                    <a:pt x="29" y="141"/>
+                  </a:cubicBezTo>
+                  <a:cubicBezTo>
+                    <a:pt x="28" y="139"/>
+                    <a:pt x="28" y="137"/>
+                    <a:pt x="27" y="135"/>
+                  </a:cubicBezTo>
+                  <a:cubicBezTo>
+                    <a:pt x="16" y="98"/>
+                    <a:pt x="10" y="60"/>
+                    <a:pt x="8" y="22"/>
+                  </a:cubicBezTo>
+                  <a:cubicBezTo>
+                    <a:pt x="7" y="18"/>
+                    <a:pt x="5" y="15"/>
+                    <a:pt x="4" y="11"/>
+                  </a:cubicBezTo>
+                  <a:cubicBezTo>
+                    <a:pt x="2" y="7"/>
+                    <a:pt x="1" y="3"/>
+                    <a:pt x="0" y="0"/>
+                  </a:cubicBezTo>
+                  <a:close/>
+                </a:path>
+              </a:pathLst>
+            </a:custGeom>
+            <a:solidFill>
+              <a:schemeClr val="tx2"/>
+            </a:solidFill>
+            <a:ln>
+              <a:noFill/>
+            </a:ln>
+          </p:spPr>
+        </p:sp>
+        <p:sp>
+          <p:nvSpPr>
+            <p:cNvPr id="21" name="Freeform 37"/>
+            <p:cNvSpPr/>
+            <p:nvPr/>
+          </p:nvSpPr>
+          <p:spPr bwMode="auto">
+            <a:xfrm>
+              <a:off x="7412038" y="4978400"/>
+              <a:ext cx="31750" cy="188913"/>
+            </a:xfrm>
+            <a:custGeom>
+              <a:avLst/>
+              <a:gdLst/>
+              <a:ahLst/>
+              <a:cxnLst/>
+              <a:rect l="0" t="0" r="r" b="b"/>
+              <a:pathLst>
+                <a:path w="8" h="48">
+                  <a:moveTo>
+                    <a:pt x="0" y="26"/>
+                  </a:moveTo>
+                  <a:cubicBezTo>
+                    <a:pt x="1" y="29"/>
+                    <a:pt x="2" y="33"/>
+                    <a:pt x="4" y="37"/>
+                  </a:cubicBezTo>
+                  <a:cubicBezTo>
+                    <a:pt x="5" y="41"/>
+                    <a:pt x="7" y="44"/>
+                    <a:pt x="8" y="48"/>
+                  </a:cubicBezTo>
+                  <a:cubicBezTo>
+                    <a:pt x="7" y="38"/>
+                    <a:pt x="7" y="28"/>
+                    <a:pt x="7" y="19"/>
+                  </a:cubicBezTo>
+                  <a:cubicBezTo>
+                    <a:pt x="5" y="12"/>
+                    <a:pt x="3" y="6"/>
+                    <a:pt x="0" y="0"/>
+                  </a:cubicBezTo>
+                  <a:cubicBezTo>
+                    <a:pt x="0" y="1"/>
+                    <a:pt x="0" y="3"/>
+                    <a:pt x="0" y="4"/>
+                  </a:cubicBezTo>
+                  <a:cubicBezTo>
+                    <a:pt x="0" y="11"/>
+                    <a:pt x="0" y="19"/>
+                    <a:pt x="0" y="26"/>
+                  </a:cubicBezTo>
+                  <a:close/>
+                </a:path>
+              </a:pathLst>
+            </a:custGeom>
+            <a:solidFill>
+              <a:schemeClr val="tx2"/>
+            </a:solidFill>
+            <a:ln>
+              <a:noFill/>
+            </a:ln>
+          </p:spPr>
+        </p:sp>
+        <p:sp>
+          <p:nvSpPr>
+            <p:cNvPr id="22" name="Freeform 38"/>
+            <p:cNvSpPr/>
+            <p:nvPr/>
+          </p:nvSpPr>
+          <p:spPr bwMode="auto">
+            <a:xfrm>
+              <a:off x="7439026" y="5434013"/>
+              <a:ext cx="174625" cy="439738"/>
+            </a:xfrm>
+            <a:custGeom>
+              <a:avLst/>
+              <a:gdLst/>
+              <a:ahLst/>
+              <a:cxnLst/>
+              <a:rect l="0" t="0" r="r" b="b"/>
+              <a:pathLst>
+                <a:path w="44" h="111">
+                  <a:moveTo>
+                    <a:pt x="11" y="28"/>
+                  </a:moveTo>
+                  <a:cubicBezTo>
+                    <a:pt x="7" y="19"/>
+                    <a:pt x="4" y="9"/>
+                    <a:pt x="0" y="0"/>
+                  </a:cubicBezTo>
+                  <a:cubicBezTo>
+                    <a:pt x="3" y="16"/>
+                    <a:pt x="7" y="33"/>
+                    <a:pt x="11" y="49"/>
+                  </a:cubicBezTo>
+                  <a:cubicBezTo>
+                    <a:pt x="12" y="52"/>
+                    <a:pt x="13" y="55"/>
+                    <a:pt x="14" y="58"/>
+                  </a:cubicBezTo>
+                  <a:cubicBezTo>
+                    <a:pt x="22" y="76"/>
+                    <a:pt x="30" y="94"/>
+                    <a:pt x="39" y="111"/>
+                  </a:cubicBezTo>
+                  <a:cubicBezTo>
+                    <a:pt x="44" y="111"/>
+                    <a:pt x="44" y="111"/>
+                    <a:pt x="44" y="111"/>
+                  </a:cubicBezTo>
+                  <a:cubicBezTo>
+                    <a:pt x="35" y="92"/>
+                    <a:pt x="28" y="72"/>
+                    <a:pt x="22" y="52"/>
+                  </a:cubicBezTo>
+                  <a:cubicBezTo>
+                    <a:pt x="18" y="44"/>
+                    <a:pt x="15" y="36"/>
+                    <a:pt x="11" y="28"/>
+                  </a:cubicBezTo>
+                  <a:close/>
+                </a:path>
+              </a:pathLst>
+            </a:custGeom>
+            <a:solidFill>
+              <a:schemeClr val="tx2"/>
+            </a:solidFill>
+            <a:ln>
+              <a:noFill/>
+            </a:ln>
+          </p:spPr>
+        </p:sp>
+      </p:grpSp>
       <p:sp>
         <p:nvSpPr>
-          <p:cNvPr id="2" name="Title Placeholder 1">
-            <a:extLst>
-              <a:ext uri="{FF2B5EF4-FFF2-40B4-BE49-F238E27FC236}">
-                <a16:creationId xmlns:a16="http://schemas.microsoft.com/office/drawing/2014/main" id="{0B31E012-238C-2DF1-D197-BEFE61240CC0}"/>
-              </a:ext>
-            </a:extLst>
-          </p:cNvPr>
+          <p:cNvPr id="7" name="Rectangle 6"/>
+          <p:cNvSpPr/>
+          <p:nvPr/>
+        </p:nvSpPr>
+        <p:spPr>
+          <a:xfrm>
+            <a:off x="0" y="0"/>
+            <a:ext cx="182880" cy="6858000"/>
+          </a:xfrm>
+          <a:prstGeom prst="rect">
+            <a:avLst/>
+          </a:prstGeom>
+          <a:solidFill>
+            <a:schemeClr val="tx2"/>
+          </a:solidFill>
+          <a:ln>
+            <a:noFill/>
+          </a:ln>
+          <a:effectLst/>
+        </p:spPr>
+        <p:style>
+          <a:lnRef idx="1">
+            <a:schemeClr val="accent1"/>
+          </a:lnRef>
+          <a:fillRef idx="3">
+            <a:schemeClr val="accent1"/>
+          </a:fillRef>
+          <a:effectRef idx="2">
+            <a:schemeClr val="accent1"/>
+          </a:effectRef>
+          <a:fontRef idx="minor">
+            <a:schemeClr val="lt1"/>
+          </a:fontRef>
+        </p:style>
+      </p:sp>
+      <p:sp>
+        <p:nvSpPr>
+          <p:cNvPr id="2" name="Title Placeholder 1"/>
           <p:cNvSpPr>
             <a:spLocks noGrp="1"/>
           </p:cNvSpPr>
@@ -6672,15 +11491,15 @@
         </p:nvSpPr>
         <p:spPr>
           <a:xfrm>
-            <a:off x="838200" y="365125"/>
-            <a:ext cx="10515600" cy="1325563"/>
+            <a:off x="2592924" y="624110"/>
+            <a:ext cx="8911687" cy="1280890"/>
           </a:xfrm>
           <a:prstGeom prst="rect">
             <a:avLst/>
           </a:prstGeom>
         </p:spPr>
         <p:txBody>
-          <a:bodyPr vert="horz" lIns="91440" tIns="45720" rIns="91440" bIns="45720" rtlCol="0" anchor="ctr">
+          <a:bodyPr vert="horz" lIns="91440" tIns="45720" rIns="91440" bIns="45720" rtlCol="0" anchor="t">
             <a:normAutofit/>
           </a:bodyPr>
           <a:lstStyle/>
@@ -6689,18 +11508,13 @@
               <a:rPr lang="en-US"/>
               <a:t>Click to edit Master title style</a:t>
             </a:r>
+            <a:endParaRPr lang="en-US" dirty="0"/>
           </a:p>
         </p:txBody>
       </p:sp>
       <p:sp>
         <p:nvSpPr>
-          <p:cNvPr id="3" name="Text Placeholder 2">
-            <a:extLst>
-              <a:ext uri="{FF2B5EF4-FFF2-40B4-BE49-F238E27FC236}">
-                <a16:creationId xmlns:a16="http://schemas.microsoft.com/office/drawing/2014/main" id="{7567A594-909C-6404-3C19-43EE44E5E79F}"/>
-              </a:ext>
-            </a:extLst>
-          </p:cNvPr>
+          <p:cNvPr id="3" name="Text Placeholder 2"/>
           <p:cNvSpPr>
             <a:spLocks noGrp="1"/>
           </p:cNvSpPr>
@@ -6710,8 +11524,8 @@
         </p:nvSpPr>
         <p:spPr>
           <a:xfrm>
-            <a:off x="838200" y="1825625"/>
-            <a:ext cx="10515600" cy="4351338"/>
+            <a:off x="2589212" y="2133600"/>
+            <a:ext cx="8915400" cy="3886200"/>
           </a:xfrm>
           <a:prstGeom prst="rect">
             <a:avLst/>
@@ -6756,18 +11570,13 @@
               <a:rPr lang="en-US"/>
               <a:t>Fifth level</a:t>
             </a:r>
+            <a:endParaRPr lang="en-US" dirty="0"/>
           </a:p>
         </p:txBody>
       </p:sp>
       <p:sp>
         <p:nvSpPr>
-          <p:cNvPr id="4" name="Date Placeholder 3">
-            <a:extLst>
-              <a:ext uri="{FF2B5EF4-FFF2-40B4-BE49-F238E27FC236}">
-                <a16:creationId xmlns:a16="http://schemas.microsoft.com/office/drawing/2014/main" id="{0C979B3C-071F-F962-F7E5-F45EA3AD7738}"/>
-              </a:ext>
-            </a:extLst>
-          </p:cNvPr>
+          <p:cNvPr id="4" name="Date Placeholder 3"/>
           <p:cNvSpPr>
             <a:spLocks noGrp="1"/>
           </p:cNvSpPr>
@@ -6777,8 +11586,49 @@
         </p:nvSpPr>
         <p:spPr>
           <a:xfrm>
-            <a:off x="838200" y="6356350"/>
-            <a:ext cx="2743200" cy="365125"/>
+            <a:off x="10361612" y="6130437"/>
+            <a:ext cx="1146283" cy="370396"/>
+          </a:xfrm>
+          <a:prstGeom prst="rect">
+            <a:avLst/>
+          </a:prstGeom>
+        </p:spPr>
+        <p:txBody>
+          <a:bodyPr vert="horz" lIns="91440" tIns="45720" rIns="91440" bIns="45720" rtlCol="0" anchor="ctr"/>
+          <a:lstStyle>
+            <a:lvl1pPr algn="r">
+              <a:defRPr sz="900">
+                <a:solidFill>
+                  <a:schemeClr val="tx1">
+                    <a:tint val="75000"/>
+                  </a:schemeClr>
+                </a:solidFill>
+              </a:defRPr>
+            </a:lvl1pPr>
+          </a:lstStyle>
+          <a:p>
+            <a:fld id="{A4525604-80C6-425A-B832-546FCA8D96C9}" type="datetimeFigureOut">
+              <a:rPr lang="en-US" smtClean="0"/>
+              <a:t>8/24/2022</a:t>
+            </a:fld>
+            <a:endParaRPr lang="en-US"/>
+          </a:p>
+        </p:txBody>
+      </p:sp>
+      <p:sp>
+        <p:nvSpPr>
+          <p:cNvPr id="5" name="Footer Placeholder 4"/>
+          <p:cNvSpPr>
+            <a:spLocks noGrp="1"/>
+          </p:cNvSpPr>
+          <p:nvPr>
+            <p:ph type="ftr" sz="quarter" idx="3"/>
+          </p:nvPr>
+        </p:nvSpPr>
+        <p:spPr>
+          <a:xfrm>
+            <a:off x="2589212" y="6135808"/>
+            <a:ext cx="7619999" cy="365125"/>
           </a:xfrm>
           <a:prstGeom prst="rect">
             <a:avLst/>
@@ -6788,7 +11638,7 @@
           <a:bodyPr vert="horz" lIns="91440" tIns="45720" rIns="91440" bIns="45720" rtlCol="0" anchor="ctr"/>
           <a:lstStyle>
             <a:lvl1pPr algn="l">
-              <a:defRPr sz="1200">
+              <a:defRPr sz="900">
                 <a:solidFill>
                   <a:schemeClr val="tx1">
                     <a:tint val="75000"/>
@@ -6798,66 +11648,13 @@
             </a:lvl1pPr>
           </a:lstStyle>
           <a:p>
-            <a:fld id="{A4525604-80C6-425A-B832-546FCA8D96C9}" type="datetimeFigureOut">
-              <a:rPr lang="en-US" smtClean="0"/>
-              <a:t>8/24/2022</a:t>
-            </a:fld>
             <a:endParaRPr lang="en-US"/>
           </a:p>
         </p:txBody>
       </p:sp>
       <p:sp>
         <p:nvSpPr>
-          <p:cNvPr id="5" name="Footer Placeholder 4">
-            <a:extLst>
-              <a:ext uri="{FF2B5EF4-FFF2-40B4-BE49-F238E27FC236}">
-                <a16:creationId xmlns:a16="http://schemas.microsoft.com/office/drawing/2014/main" id="{FBEEDF6B-68E1-6C4F-1ECE-F9150754B75F}"/>
-              </a:ext>
-            </a:extLst>
-          </p:cNvPr>
-          <p:cNvSpPr>
-            <a:spLocks noGrp="1"/>
-          </p:cNvSpPr>
-          <p:nvPr>
-            <p:ph type="ftr" sz="quarter" idx="3"/>
-          </p:nvPr>
-        </p:nvSpPr>
-        <p:spPr>
-          <a:xfrm>
-            <a:off x="4038600" y="6356350"/>
-            <a:ext cx="4114800" cy="365125"/>
-          </a:xfrm>
-          <a:prstGeom prst="rect">
-            <a:avLst/>
-          </a:prstGeom>
-        </p:spPr>
-        <p:txBody>
-          <a:bodyPr vert="horz" lIns="91440" tIns="45720" rIns="91440" bIns="45720" rtlCol="0" anchor="ctr"/>
-          <a:lstStyle>
-            <a:lvl1pPr algn="ctr">
-              <a:defRPr sz="1200">
-                <a:solidFill>
-                  <a:schemeClr val="tx1">
-                    <a:tint val="75000"/>
-                  </a:schemeClr>
-                </a:solidFill>
-              </a:defRPr>
-            </a:lvl1pPr>
-          </a:lstStyle>
-          <a:p>
-            <a:endParaRPr lang="en-US"/>
-          </a:p>
-        </p:txBody>
-      </p:sp>
-      <p:sp>
-        <p:nvSpPr>
-          <p:cNvPr id="6" name="Slide Number Placeholder 5">
-            <a:extLst>
-              <a:ext uri="{FF2B5EF4-FFF2-40B4-BE49-F238E27FC236}">
-                <a16:creationId xmlns:a16="http://schemas.microsoft.com/office/drawing/2014/main" id="{4FF0C448-6C85-4456-C580-FF73B875B8AE}"/>
-              </a:ext>
-            </a:extLst>
-          </p:cNvPr>
+          <p:cNvPr id="6" name="Slide Number Placeholder 5"/>
           <p:cNvSpPr>
             <a:spLocks noGrp="1"/>
           </p:cNvSpPr>
@@ -6865,10 +11662,10 @@
             <p:ph type="sldNum" sz="quarter" idx="4"/>
           </p:nvPr>
         </p:nvSpPr>
-        <p:spPr>
+        <p:spPr bwMode="gray">
           <a:xfrm>
-            <a:off x="8610600" y="6356350"/>
-            <a:ext cx="2743200" cy="365125"/>
+            <a:off x="531812" y="787782"/>
+            <a:ext cx="779767" cy="365125"/>
           </a:xfrm>
           <a:prstGeom prst="rect">
             <a:avLst/>
@@ -6878,11 +11675,9 @@
           <a:bodyPr vert="horz" lIns="91440" tIns="45720" rIns="91440" bIns="45720" rtlCol="0" anchor="ctr"/>
           <a:lstStyle>
             <a:lvl1pPr algn="r">
-              <a:defRPr sz="1200">
+              <a:defRPr sz="2000">
                 <a:solidFill>
-                  <a:schemeClr val="tx1">
-                    <a:tint val="75000"/>
-                  </a:schemeClr>
+                  <a:srgbClr val="FEFFFF"/>
                 </a:solidFill>
               </a:defRPr>
             </a:lvl1pPr>
@@ -6899,201 +11694,316 @@
     </p:spTree>
     <p:extLst>
       <p:ext uri="{BB962C8B-B14F-4D97-AF65-F5344CB8AC3E}">
-        <p14:creationId xmlns:p14="http://schemas.microsoft.com/office/powerpoint/2010/main" val="1138680381"/>
+        <p14:creationId xmlns:p14="http://schemas.microsoft.com/office/powerpoint/2010/main" val="1974869877"/>
       </p:ext>
     </p:extLst>
   </p:cSld>
   <p:clrMap bg1="lt1" tx1="dk1" bg2="lt2" tx2="dk2" accent1="accent1" accent2="accent2" accent3="accent3" accent4="accent4" accent5="accent5" accent6="accent6" hlink="hlink" folHlink="folHlink"/>
   <p:sldLayoutIdLst>
-    <p:sldLayoutId id="2147483649" r:id="rId1"/>
-    <p:sldLayoutId id="2147483650" r:id="rId2"/>
-    <p:sldLayoutId id="2147483651" r:id="rId3"/>
-    <p:sldLayoutId id="2147483652" r:id="rId4"/>
-    <p:sldLayoutId id="2147483653" r:id="rId5"/>
-    <p:sldLayoutId id="2147483654" r:id="rId6"/>
-    <p:sldLayoutId id="2147483655" r:id="rId7"/>
-    <p:sldLayoutId id="2147483656" r:id="rId8"/>
-    <p:sldLayoutId id="2147483657" r:id="rId9"/>
-    <p:sldLayoutId id="2147483658" r:id="rId10"/>
-    <p:sldLayoutId id="2147483659" r:id="rId11"/>
+    <p:sldLayoutId id="2147483787" r:id="rId1"/>
+    <p:sldLayoutId id="2147483788" r:id="rId2"/>
+    <p:sldLayoutId id="2147483789" r:id="rId3"/>
+    <p:sldLayoutId id="2147483790" r:id="rId4"/>
+    <p:sldLayoutId id="2147483791" r:id="rId5"/>
+    <p:sldLayoutId id="2147483792" r:id="rId6"/>
+    <p:sldLayoutId id="2147483793" r:id="rId7"/>
+    <p:sldLayoutId id="2147483794" r:id="rId8"/>
+    <p:sldLayoutId id="2147483795" r:id="rId9"/>
+    <p:sldLayoutId id="2147483796" r:id="rId10"/>
+    <p:sldLayoutId id="2147483797" r:id="rId11"/>
+    <p:sldLayoutId id="2147483798" r:id="rId12"/>
+    <p:sldLayoutId id="2147483799" r:id="rId13"/>
+    <p:sldLayoutId id="2147483800" r:id="rId14"/>
+    <p:sldLayoutId id="2147483801" r:id="rId15"/>
+    <p:sldLayoutId id="2147483802" r:id="rId16"/>
   </p:sldLayoutIdLst>
   <p:txStyles>
     <p:titleStyle>
-      <a:lvl1pPr algn="l" defTabSz="914400" rtl="0" eaLnBrk="1" latinLnBrk="0" hangingPunct="1">
-        <a:lnSpc>
-          <a:spcPct val="90000"/>
-        </a:lnSpc>
+      <a:lvl1pPr algn="l" defTabSz="457200" rtl="0" eaLnBrk="1" latinLnBrk="0" hangingPunct="1">
         <a:spcBef>
           <a:spcPct val="0"/>
         </a:spcBef>
         <a:buNone/>
-        <a:defRPr sz="4400" kern="1200">
+        <a:defRPr sz="3600" kern="1200">
           <a:solidFill>
-            <a:schemeClr val="tx1"/>
+            <a:schemeClr val="tx1">
+              <a:lumMod val="85000"/>
+              <a:lumOff val="15000"/>
+            </a:schemeClr>
           </a:solidFill>
           <a:latin typeface="+mj-lt"/>
           <a:ea typeface="+mj-ea"/>
           <a:cs typeface="+mj-cs"/>
         </a:defRPr>
       </a:lvl1pPr>
+      <a:lvl2pPr eaLnBrk="1" hangingPunct="1">
+        <a:defRPr>
+          <a:solidFill>
+            <a:schemeClr val="tx2"/>
+          </a:solidFill>
+        </a:defRPr>
+      </a:lvl2pPr>
+      <a:lvl3pPr eaLnBrk="1" hangingPunct="1">
+        <a:defRPr>
+          <a:solidFill>
+            <a:schemeClr val="tx2"/>
+          </a:solidFill>
+        </a:defRPr>
+      </a:lvl3pPr>
+      <a:lvl4pPr eaLnBrk="1" hangingPunct="1">
+        <a:defRPr>
+          <a:solidFill>
+            <a:schemeClr val="tx2"/>
+          </a:solidFill>
+        </a:defRPr>
+      </a:lvl4pPr>
+      <a:lvl5pPr eaLnBrk="1" hangingPunct="1">
+        <a:defRPr>
+          <a:solidFill>
+            <a:schemeClr val="tx2"/>
+          </a:solidFill>
+        </a:defRPr>
+      </a:lvl5pPr>
+      <a:lvl6pPr eaLnBrk="1" hangingPunct="1">
+        <a:defRPr>
+          <a:solidFill>
+            <a:schemeClr val="tx2"/>
+          </a:solidFill>
+        </a:defRPr>
+      </a:lvl6pPr>
+      <a:lvl7pPr eaLnBrk="1" hangingPunct="1">
+        <a:defRPr>
+          <a:solidFill>
+            <a:schemeClr val="tx2"/>
+          </a:solidFill>
+        </a:defRPr>
+      </a:lvl7pPr>
+      <a:lvl8pPr eaLnBrk="1" hangingPunct="1">
+        <a:defRPr>
+          <a:solidFill>
+            <a:schemeClr val="tx2"/>
+          </a:solidFill>
+        </a:defRPr>
+      </a:lvl8pPr>
+      <a:lvl9pPr eaLnBrk="1" hangingPunct="1">
+        <a:defRPr>
+          <a:solidFill>
+            <a:schemeClr val="tx2"/>
+          </a:solidFill>
+        </a:defRPr>
+      </a:lvl9pPr>
     </p:titleStyle>
     <p:bodyStyle>
-      <a:lvl1pPr marL="228600" indent="-228600" algn="l" defTabSz="914400" rtl="0" eaLnBrk="1" latinLnBrk="0" hangingPunct="1">
-        <a:lnSpc>
-          <a:spcPct val="90000"/>
-        </a:lnSpc>
+      <a:lvl1pPr marL="342900" indent="-342900" algn="l" defTabSz="457200" rtl="0" eaLnBrk="1" latinLnBrk="0" hangingPunct="1">
         <a:spcBef>
           <a:spcPts val="1000"/>
         </a:spcBef>
-        <a:buFont typeface="Arial" panose="020B0604020202020204" pitchFamily="34" charset="0"/>
-        <a:buChar char="•"/>
-        <a:defRPr sz="2800" kern="1200">
+        <a:spcAft>
+          <a:spcPts val="0"/>
+        </a:spcAft>
+        <a:buClr>
+          <a:schemeClr val="accent1"/>
+        </a:buClr>
+        <a:buFont typeface="Wingdings 3" charset="2"/>
+        <a:buChar char=""/>
+        <a:defRPr sz="1800" kern="1200">
           <a:solidFill>
-            <a:schemeClr val="tx1"/>
+            <a:schemeClr val="tx1">
+              <a:lumMod val="75000"/>
+              <a:lumOff val="25000"/>
+            </a:schemeClr>
           </a:solidFill>
           <a:latin typeface="+mn-lt"/>
           <a:ea typeface="+mn-ea"/>
           <a:cs typeface="+mn-cs"/>
         </a:defRPr>
       </a:lvl1pPr>
-      <a:lvl2pPr marL="685800" indent="-228600" algn="l" defTabSz="914400" rtl="0" eaLnBrk="1" latinLnBrk="0" hangingPunct="1">
-        <a:lnSpc>
-          <a:spcPct val="90000"/>
-        </a:lnSpc>
+      <a:lvl2pPr marL="742950" indent="-285750" algn="l" defTabSz="457200" rtl="0" eaLnBrk="1" latinLnBrk="0" hangingPunct="1">
         <a:spcBef>
-          <a:spcPts val="500"/>
+          <a:spcPts val="1000"/>
         </a:spcBef>
-        <a:buFont typeface="Arial" panose="020B0604020202020204" pitchFamily="34" charset="0"/>
-        <a:buChar char="•"/>
-        <a:defRPr sz="2400" kern="1200">
+        <a:spcAft>
+          <a:spcPts val="0"/>
+        </a:spcAft>
+        <a:buClr>
+          <a:schemeClr val="accent1"/>
+        </a:buClr>
+        <a:buFont typeface="Wingdings 3" charset="2"/>
+        <a:buChar char=""/>
+        <a:defRPr sz="1600" kern="1200">
           <a:solidFill>
-            <a:schemeClr val="tx1"/>
+            <a:schemeClr val="tx1">
+              <a:lumMod val="75000"/>
+              <a:lumOff val="25000"/>
+            </a:schemeClr>
           </a:solidFill>
           <a:latin typeface="+mn-lt"/>
           <a:ea typeface="+mn-ea"/>
           <a:cs typeface="+mn-cs"/>
         </a:defRPr>
       </a:lvl2pPr>
-      <a:lvl3pPr marL="1143000" indent="-228600" algn="l" defTabSz="914400" rtl="0" eaLnBrk="1" latinLnBrk="0" hangingPunct="1">
-        <a:lnSpc>
-          <a:spcPct val="90000"/>
-        </a:lnSpc>
+      <a:lvl3pPr marL="1143000" indent="-228600" algn="l" defTabSz="457200" rtl="0" eaLnBrk="1" latinLnBrk="0" hangingPunct="1">
         <a:spcBef>
-          <a:spcPts val="500"/>
+          <a:spcPts val="1000"/>
         </a:spcBef>
-        <a:buFont typeface="Arial" panose="020B0604020202020204" pitchFamily="34" charset="0"/>
-        <a:buChar char="•"/>
-        <a:defRPr sz="2000" kern="1200">
+        <a:spcAft>
+          <a:spcPts val="0"/>
+        </a:spcAft>
+        <a:buClr>
+          <a:schemeClr val="accent1"/>
+        </a:buClr>
+        <a:buFont typeface="Wingdings 3" charset="2"/>
+        <a:buChar char=""/>
+        <a:defRPr sz="1400" kern="1200">
           <a:solidFill>
-            <a:schemeClr val="tx1"/>
+            <a:schemeClr val="tx1">
+              <a:lumMod val="75000"/>
+              <a:lumOff val="25000"/>
+            </a:schemeClr>
           </a:solidFill>
           <a:latin typeface="+mn-lt"/>
           <a:ea typeface="+mn-ea"/>
           <a:cs typeface="+mn-cs"/>
         </a:defRPr>
       </a:lvl3pPr>
-      <a:lvl4pPr marL="1600200" indent="-228600" algn="l" defTabSz="914400" rtl="0" eaLnBrk="1" latinLnBrk="0" hangingPunct="1">
-        <a:lnSpc>
-          <a:spcPct val="90000"/>
-        </a:lnSpc>
+      <a:lvl4pPr marL="1600200" indent="-228600" algn="l" defTabSz="457200" rtl="0" eaLnBrk="1" latinLnBrk="0" hangingPunct="1">
         <a:spcBef>
-          <a:spcPts val="500"/>
+          <a:spcPts val="1000"/>
         </a:spcBef>
-        <a:buFont typeface="Arial" panose="020B0604020202020204" pitchFamily="34" charset="0"/>
-        <a:buChar char="•"/>
-        <a:defRPr sz="1800" kern="1200">
+        <a:spcAft>
+          <a:spcPts val="0"/>
+        </a:spcAft>
+        <a:buClr>
+          <a:schemeClr val="accent1"/>
+        </a:buClr>
+        <a:buFont typeface="Wingdings 3" charset="2"/>
+        <a:buChar char=""/>
+        <a:defRPr sz="1200" kern="1200">
           <a:solidFill>
-            <a:schemeClr val="tx1"/>
+            <a:schemeClr val="tx1">
+              <a:lumMod val="75000"/>
+              <a:lumOff val="25000"/>
+            </a:schemeClr>
           </a:solidFill>
           <a:latin typeface="+mn-lt"/>
           <a:ea typeface="+mn-ea"/>
           <a:cs typeface="+mn-cs"/>
         </a:defRPr>
       </a:lvl4pPr>
-      <a:lvl5pPr marL="2057400" indent="-228600" algn="l" defTabSz="914400" rtl="0" eaLnBrk="1" latinLnBrk="0" hangingPunct="1">
-        <a:lnSpc>
-          <a:spcPct val="90000"/>
-        </a:lnSpc>
+      <a:lvl5pPr marL="2057400" indent="-228600" algn="l" defTabSz="457200" rtl="0" eaLnBrk="1" latinLnBrk="0" hangingPunct="1">
         <a:spcBef>
-          <a:spcPts val="500"/>
+          <a:spcPts val="1000"/>
         </a:spcBef>
-        <a:buFont typeface="Arial" panose="020B0604020202020204" pitchFamily="34" charset="0"/>
-        <a:buChar char="•"/>
-        <a:defRPr sz="1800" kern="1200">
+        <a:spcAft>
+          <a:spcPts val="0"/>
+        </a:spcAft>
+        <a:buClr>
+          <a:schemeClr val="accent1"/>
+        </a:buClr>
+        <a:buFont typeface="Wingdings 3" charset="2"/>
+        <a:buChar char=""/>
+        <a:defRPr sz="1200" kern="1200">
           <a:solidFill>
-            <a:schemeClr val="tx1"/>
+            <a:schemeClr val="tx1">
+              <a:lumMod val="75000"/>
+              <a:lumOff val="25000"/>
+            </a:schemeClr>
           </a:solidFill>
           <a:latin typeface="+mn-lt"/>
           <a:ea typeface="+mn-ea"/>
           <a:cs typeface="+mn-cs"/>
         </a:defRPr>
       </a:lvl5pPr>
-      <a:lvl6pPr marL="2514600" indent="-228600" algn="l" defTabSz="914400" rtl="0" eaLnBrk="1" latinLnBrk="0" hangingPunct="1">
-        <a:lnSpc>
-          <a:spcPct val="90000"/>
-        </a:lnSpc>
+      <a:lvl6pPr marL="2514600" indent="-228600" algn="l" defTabSz="457200" rtl="0" eaLnBrk="1" latinLnBrk="0" hangingPunct="1">
         <a:spcBef>
-          <a:spcPts val="500"/>
+          <a:spcPts val="1000"/>
         </a:spcBef>
-        <a:buFont typeface="Arial" panose="020B0604020202020204" pitchFamily="34" charset="0"/>
-        <a:buChar char="•"/>
-        <a:defRPr sz="1800" kern="1200">
+        <a:spcAft>
+          <a:spcPts val="0"/>
+        </a:spcAft>
+        <a:buClr>
+          <a:schemeClr val="accent1"/>
+        </a:buClr>
+        <a:buFont typeface="Wingdings 3" charset="2"/>
+        <a:buChar char=""/>
+        <a:defRPr sz="1200" kern="1200">
           <a:solidFill>
-            <a:schemeClr val="tx1"/>
+            <a:schemeClr val="tx1">
+              <a:lumMod val="75000"/>
+              <a:lumOff val="25000"/>
+            </a:schemeClr>
           </a:solidFill>
           <a:latin typeface="+mn-lt"/>
           <a:ea typeface="+mn-ea"/>
           <a:cs typeface="+mn-cs"/>
         </a:defRPr>
       </a:lvl6pPr>
-      <a:lvl7pPr marL="2971800" indent="-228600" algn="l" defTabSz="914400" rtl="0" eaLnBrk="1" latinLnBrk="0" hangingPunct="1">
-        <a:lnSpc>
-          <a:spcPct val="90000"/>
-        </a:lnSpc>
+      <a:lvl7pPr marL="2971800" indent="-228600" algn="l" defTabSz="457200" rtl="0" eaLnBrk="1" latinLnBrk="0" hangingPunct="1">
         <a:spcBef>
-          <a:spcPts val="500"/>
+          <a:spcPts val="1000"/>
         </a:spcBef>
-        <a:buFont typeface="Arial" panose="020B0604020202020204" pitchFamily="34" charset="0"/>
-        <a:buChar char="•"/>
-        <a:defRPr sz="1800" kern="1200">
+        <a:spcAft>
+          <a:spcPts val="0"/>
+        </a:spcAft>
+        <a:buClr>
+          <a:schemeClr val="accent1"/>
+        </a:buClr>
+        <a:buFont typeface="Wingdings 3" charset="2"/>
+        <a:buChar char=""/>
+        <a:defRPr sz="1200" kern="1200">
           <a:solidFill>
-            <a:schemeClr val="tx1"/>
+            <a:schemeClr val="tx1">
+              <a:lumMod val="75000"/>
+              <a:lumOff val="25000"/>
+            </a:schemeClr>
           </a:solidFill>
           <a:latin typeface="+mn-lt"/>
           <a:ea typeface="+mn-ea"/>
           <a:cs typeface="+mn-cs"/>
         </a:defRPr>
       </a:lvl7pPr>
-      <a:lvl8pPr marL="3429000" indent="-228600" algn="l" defTabSz="914400" rtl="0" eaLnBrk="1" latinLnBrk="0" hangingPunct="1">
-        <a:lnSpc>
-          <a:spcPct val="90000"/>
-        </a:lnSpc>
+      <a:lvl8pPr marL="3429000" indent="-228600" algn="l" defTabSz="457200" rtl="0" eaLnBrk="1" latinLnBrk="0" hangingPunct="1">
         <a:spcBef>
-          <a:spcPts val="500"/>
+          <a:spcPts val="1000"/>
         </a:spcBef>
-        <a:buFont typeface="Arial" panose="020B0604020202020204" pitchFamily="34" charset="0"/>
-        <a:buChar char="•"/>
-        <a:defRPr sz="1800" kern="1200">
+        <a:spcAft>
+          <a:spcPts val="0"/>
+        </a:spcAft>
+        <a:buClr>
+          <a:schemeClr val="accent1"/>
+        </a:buClr>
+        <a:buFont typeface="Wingdings 3" charset="2"/>
+        <a:buChar char=""/>
+        <a:defRPr sz="1200" kern="1200">
           <a:solidFill>
-            <a:schemeClr val="tx1"/>
+            <a:schemeClr val="tx1">
+              <a:lumMod val="75000"/>
+              <a:lumOff val="25000"/>
+            </a:schemeClr>
           </a:solidFill>
           <a:latin typeface="+mn-lt"/>
           <a:ea typeface="+mn-ea"/>
           <a:cs typeface="+mn-cs"/>
         </a:defRPr>
       </a:lvl8pPr>
-      <a:lvl9pPr marL="3886200" indent="-228600" algn="l" defTabSz="914400" rtl="0" eaLnBrk="1" latinLnBrk="0" hangingPunct="1">
-        <a:lnSpc>
-          <a:spcPct val="90000"/>
-        </a:lnSpc>
+      <a:lvl9pPr marL="3886200" indent="-228600" algn="l" defTabSz="457200" rtl="0" eaLnBrk="1" latinLnBrk="0" hangingPunct="1">
         <a:spcBef>
-          <a:spcPts val="500"/>
+          <a:spcPts val="1000"/>
         </a:spcBef>
-        <a:buFont typeface="Arial" panose="020B0604020202020204" pitchFamily="34" charset="0"/>
-        <a:buChar char="•"/>
-        <a:defRPr sz="1800" kern="1200">
+        <a:spcAft>
+          <a:spcPts val="0"/>
+        </a:spcAft>
+        <a:buClr>
+          <a:schemeClr val="accent1"/>
+        </a:buClr>
+        <a:buFont typeface="Wingdings 3" charset="2"/>
+        <a:buChar char=""/>
+        <a:defRPr sz="1200" kern="1200">
           <a:solidFill>
-            <a:schemeClr val="tx1"/>
+            <a:schemeClr val="tx1">
+              <a:lumMod val="75000"/>
+              <a:lumOff val="25000"/>
+            </a:schemeClr>
           </a:solidFill>
           <a:latin typeface="+mn-lt"/>
           <a:ea typeface="+mn-ea"/>
@@ -7105,7 +12015,7 @@
       <a:defPPr>
         <a:defRPr lang="en-US"/>
       </a:defPPr>
-      <a:lvl1pPr marL="0" algn="l" defTabSz="914400" rtl="0" eaLnBrk="1" latinLnBrk="0" hangingPunct="1">
+      <a:lvl1pPr marL="0" algn="l" defTabSz="457200" rtl="0" eaLnBrk="1" latinLnBrk="0" hangingPunct="1">
         <a:defRPr sz="1800" kern="1200">
           <a:solidFill>
             <a:schemeClr val="tx1"/>
@@ -7115,7 +12025,7 @@
           <a:cs typeface="+mn-cs"/>
         </a:defRPr>
       </a:lvl1pPr>
-      <a:lvl2pPr marL="457200" algn="l" defTabSz="914400" rtl="0" eaLnBrk="1" latinLnBrk="0" hangingPunct="1">
+      <a:lvl2pPr marL="457200" algn="l" defTabSz="457200" rtl="0" eaLnBrk="1" latinLnBrk="0" hangingPunct="1">
         <a:defRPr sz="1800" kern="1200">
           <a:solidFill>
             <a:schemeClr val="tx1"/>
@@ -7125,7 +12035,7 @@
           <a:cs typeface="+mn-cs"/>
         </a:defRPr>
       </a:lvl2pPr>
-      <a:lvl3pPr marL="914400" algn="l" defTabSz="914400" rtl="0" eaLnBrk="1" latinLnBrk="0" hangingPunct="1">
+      <a:lvl3pPr marL="914400" algn="l" defTabSz="457200" rtl="0" eaLnBrk="1" latinLnBrk="0" hangingPunct="1">
         <a:defRPr sz="1800" kern="1200">
           <a:solidFill>
             <a:schemeClr val="tx1"/>
@@ -7135,7 +12045,7 @@
           <a:cs typeface="+mn-cs"/>
         </a:defRPr>
       </a:lvl3pPr>
-      <a:lvl4pPr marL="1371600" algn="l" defTabSz="914400" rtl="0" eaLnBrk="1" latinLnBrk="0" hangingPunct="1">
+      <a:lvl4pPr marL="1371600" algn="l" defTabSz="457200" rtl="0" eaLnBrk="1" latinLnBrk="0" hangingPunct="1">
         <a:defRPr sz="1800" kern="1200">
           <a:solidFill>
             <a:schemeClr val="tx1"/>
@@ -7145,7 +12055,7 @@
           <a:cs typeface="+mn-cs"/>
         </a:defRPr>
       </a:lvl4pPr>
-      <a:lvl5pPr marL="1828800" algn="l" defTabSz="914400" rtl="0" eaLnBrk="1" latinLnBrk="0" hangingPunct="1">
+      <a:lvl5pPr marL="1828800" algn="l" defTabSz="457200" rtl="0" eaLnBrk="1" latinLnBrk="0" hangingPunct="1">
         <a:defRPr sz="1800" kern="1200">
           <a:solidFill>
             <a:schemeClr val="tx1"/>
@@ -7155,7 +12065,7 @@
           <a:cs typeface="+mn-cs"/>
         </a:defRPr>
       </a:lvl5pPr>
-      <a:lvl6pPr marL="2286000" algn="l" defTabSz="914400" rtl="0" eaLnBrk="1" latinLnBrk="0" hangingPunct="1">
+      <a:lvl6pPr marL="2286000" algn="l" defTabSz="457200" rtl="0" eaLnBrk="1" latinLnBrk="0" hangingPunct="1">
         <a:defRPr sz="1800" kern="1200">
           <a:solidFill>
             <a:schemeClr val="tx1"/>
@@ -7165,7 +12075,7 @@
           <a:cs typeface="+mn-cs"/>
         </a:defRPr>
       </a:lvl6pPr>
-      <a:lvl7pPr marL="2743200" algn="l" defTabSz="914400" rtl="0" eaLnBrk="1" latinLnBrk="0" hangingPunct="1">
+      <a:lvl7pPr marL="2743200" algn="l" defTabSz="457200" rtl="0" eaLnBrk="1" latinLnBrk="0" hangingPunct="1">
         <a:defRPr sz="1800" kern="1200">
           <a:solidFill>
             <a:schemeClr val="tx1"/>
@@ -7175,7 +12085,7 @@
           <a:cs typeface="+mn-cs"/>
         </a:defRPr>
       </a:lvl7pPr>
-      <a:lvl8pPr marL="3200400" algn="l" defTabSz="914400" rtl="0" eaLnBrk="1" latinLnBrk="0" hangingPunct="1">
+      <a:lvl8pPr marL="3200400" algn="l" defTabSz="457200" rtl="0" eaLnBrk="1" latinLnBrk="0" hangingPunct="1">
         <a:defRPr sz="1800" kern="1200">
           <a:solidFill>
             <a:schemeClr val="tx1"/>
@@ -7185,7 +12095,7 @@
           <a:cs typeface="+mn-cs"/>
         </a:defRPr>
       </a:lvl8pPr>
-      <a:lvl9pPr marL="3657600" algn="l" defTabSz="914400" rtl="0" eaLnBrk="1" latinLnBrk="0" hangingPunct="1">
+      <a:lvl9pPr marL="3657600" algn="l" defTabSz="457200" rtl="0" eaLnBrk="1" latinLnBrk="0" hangingPunct="1">
         <a:defRPr sz="1800" kern="1200">
           <a:solidFill>
             <a:schemeClr val="tx1"/>
@@ -7203,6 +12113,30 @@
 <file path=ppt/slides/slide1.xml><?xml version="1.0" encoding="utf-8"?>
 <p:sld xmlns:a="http://schemas.openxmlformats.org/drawingml/2006/main" xmlns:r="http://schemas.openxmlformats.org/officeDocument/2006/relationships" xmlns:p="http://schemas.openxmlformats.org/presentationml/2006/main">
   <p:cSld>
+    <p:bg>
+      <p:bgPr>
+        <a:blipFill rotWithShape="1">
+          <a:blip r:embed="rId2">
+            <a:duotone>
+              <a:schemeClr val="bg2">
+                <a:shade val="69000"/>
+                <a:hueMod val="108000"/>
+                <a:satMod val="164000"/>
+                <a:lumMod val="74000"/>
+              </a:schemeClr>
+              <a:schemeClr val="bg2">
+                <a:tint val="96000"/>
+                <a:hueMod val="88000"/>
+                <a:satMod val="140000"/>
+                <a:lumMod val="132000"/>
+              </a:schemeClr>
+            </a:duotone>
+          </a:blip>
+          <a:stretch/>
+        </a:blipFill>
+        <a:effectLst/>
+      </p:bgPr>
+    </p:bg>
     <p:spTree>
       <p:nvGrpSpPr>
         <p:cNvPr id="1" name=""/>
@@ -7235,16 +12169,18 @@
         </p:nvSpPr>
         <p:spPr>
           <a:xfrm>
-            <a:off x="1524000" y="1122363"/>
-            <a:ext cx="9144000" cy="1648269"/>
+            <a:off x="1154955" y="1447800"/>
+            <a:ext cx="6974915" cy="3329581"/>
           </a:xfrm>
         </p:spPr>
         <p:txBody>
-          <a:bodyPr/>
+          <a:bodyPr>
+            <a:normAutofit/>
+          </a:bodyPr>
           <a:lstStyle/>
           <a:p>
             <a:r>
-              <a:rPr lang="en-US" dirty="0"/>
+              <a:rPr lang="en-US"/>
               <a:t>Project 2</a:t>
             </a:r>
           </a:p>
@@ -7268,8 +12204,8 @@
         </p:nvSpPr>
         <p:spPr>
           <a:xfrm>
-            <a:off x="1524000" y="3602038"/>
-            <a:ext cx="9144000" cy="2455862"/>
+            <a:off x="1154955" y="4777380"/>
+            <a:ext cx="6974911" cy="861420"/>
           </a:xfrm>
         </p:spPr>
         <p:txBody>
@@ -7278,28 +12214,56 @@
           </a:bodyPr>
           <a:lstStyle/>
           <a:p>
+            <a:pPr>
+              <a:lnSpc>
+                <a:spcPct val="90000"/>
+              </a:lnSpc>
+            </a:pPr>
             <a:r>
-              <a:rPr lang="en-US" dirty="0"/>
+              <a:rPr lang="en-US" sz="1100">
+                <a:solidFill>
+                  <a:schemeClr val="tx1">
+                    <a:lumMod val="85000"/>
+                    <a:lumOff val="15000"/>
+                  </a:schemeClr>
+                </a:solidFill>
+              </a:rPr>
               <a:t>By</a:t>
             </a:r>
           </a:p>
           <a:p>
+            <a:pPr>
+              <a:lnSpc>
+                <a:spcPct val="90000"/>
+              </a:lnSpc>
+            </a:pPr>
             <a:r>
-              <a:rPr lang="en-US" dirty="0"/>
-              <a:t>Jacob </a:t>
+              <a:rPr lang="en-US" sz="1100">
+                <a:solidFill>
+                  <a:schemeClr val="tx1">
+                    <a:lumMod val="85000"/>
+                    <a:lumOff val="15000"/>
+                  </a:schemeClr>
+                </a:solidFill>
+              </a:rPr>
+              <a:t>Jacob Nesteruck, ,Ray Jaconski, Raymond Fillingame</a:t>
             </a:r>
+          </a:p>
+          <a:p>
+            <a:pPr>
+              <a:lnSpc>
+                <a:spcPct val="90000"/>
+              </a:lnSpc>
+            </a:pPr>
             <a:r>
-              <a:rPr lang="en-US" dirty="0" err="1"/>
-              <a:t>Nesteruck</a:t>
-            </a:r>
-            <a:r>
-              <a:rPr lang="en-US" dirty="0"/>
-              <a:t>, ,Ray Jaconski, Raymond Fillingame</a:t>
-            </a:r>
-          </a:p>
-          <a:p>
-            <a:r>
-              <a:rPr lang="en-US" dirty="0"/>
+              <a:rPr lang="en-US" sz="1100">
+                <a:solidFill>
+                  <a:schemeClr val="tx1">
+                    <a:lumMod val="85000"/>
+                    <a:lumOff val="15000"/>
+                  </a:schemeClr>
+                </a:solidFill>
+              </a:rPr>
               <a:t>Keyon Hawkins, Martin Salinas</a:t>
             </a:r>
           </a:p>
@@ -7321,6 +12285,14 @@
 <file path=ppt/slides/slide2.xml><?xml version="1.0" encoding="utf-8"?>
 <p:sld xmlns:a="http://schemas.openxmlformats.org/drawingml/2006/main" xmlns:r="http://schemas.openxmlformats.org/officeDocument/2006/relationships" xmlns:p="http://schemas.openxmlformats.org/presentationml/2006/main">
   <p:cSld>
+    <p:bg>
+      <p:bgPr>
+        <a:solidFill>
+          <a:schemeClr val="bg1"/>
+        </a:solidFill>
+        <a:effectLst/>
+      </p:bgPr>
+    </p:bg>
     <p:spTree>
       <p:nvGrpSpPr>
         <p:cNvPr id="1" name=""/>
@@ -7351,13 +12323,20 @@
             <p:ph type="title"/>
           </p:nvPr>
         </p:nvSpPr>
-        <p:spPr/>
+        <p:spPr>
+          <a:xfrm>
+            <a:off x="622570" y="1752600"/>
+            <a:ext cx="3709991" cy="4266755"/>
+          </a:xfrm>
+        </p:spPr>
         <p:txBody>
-          <a:bodyPr/>
+          <a:bodyPr>
+            <a:normAutofit/>
+          </a:bodyPr>
           <a:lstStyle/>
           <a:p>
             <a:r>
-              <a:rPr lang="en-US" dirty="0"/>
+              <a:rPr lang="en-US" sz="3600" dirty="0"/>
               <a:t>Task </a:t>
             </a:r>
           </a:p>
@@ -7379,19 +12358,32 @@
             <p:ph idx="1"/>
           </p:nvPr>
         </p:nvSpPr>
-        <p:spPr/>
+        <p:spPr>
+          <a:xfrm>
+            <a:off x="5163671" y="838647"/>
+            <a:ext cx="5823328" cy="5180708"/>
+          </a:xfrm>
+        </p:spPr>
         <p:txBody>
-          <a:bodyPr/>
+          <a:bodyPr anchor="ctr">
+            <a:normAutofit/>
+          </a:bodyPr>
           <a:lstStyle/>
           <a:p>
             <a:r>
-              <a:rPr lang="en-US" dirty="0">
+              <a:rPr lang="en-US" sz="2000">
+                <a:solidFill>
+                  <a:schemeClr val="tx2"/>
+                </a:solidFill>
                 <a:latin typeface="Arial" panose="020B0604020202020204" pitchFamily="34" charset="0"/>
               </a:rPr>
               <a:t>Generate</a:t>
             </a:r>
             <a:r>
-              <a:rPr lang="en-US" b="0" i="0" dirty="0">
+              <a:rPr lang="en-US" sz="2000" b="0" i="0">
+                <a:solidFill>
+                  <a:schemeClr val="tx2"/>
+                </a:solidFill>
                 <a:effectLst/>
                 <a:latin typeface="Arial" panose="020B0604020202020204" pitchFamily="34" charset="0"/>
               </a:rPr>
@@ -7400,13 +12392,20 @@
           </a:p>
           <a:p>
             <a:r>
-              <a:rPr lang="en-US" b="0" i="0" dirty="0">
+              <a:rPr lang="en-US" sz="2000" b="0" i="0">
+                <a:solidFill>
+                  <a:schemeClr val="tx2"/>
+                </a:solidFill>
                 <a:effectLst/>
                 <a:latin typeface="Arial" panose="020B0604020202020204" pitchFamily="34" charset="0"/>
               </a:rPr>
               <a:t>Analise a large dataset of 10-15 thousand records using an E-Commerce data structure.</a:t>
             </a:r>
-            <a:endParaRPr lang="en-US" dirty="0"/>
+            <a:endParaRPr lang="en-US" sz="2000">
+              <a:solidFill>
+                <a:schemeClr val="tx2"/>
+              </a:solidFill>
+            </a:endParaRPr>
           </a:p>
         </p:txBody>
       </p:sp>
@@ -7418,7 +12417,7 @@
     </p:extLst>
   </p:cSld>
   <p:clrMapOvr>
-    <a:masterClrMapping/>
+    <a:overrideClrMapping bg1="lt1" tx1="dk1" bg2="lt2" tx2="dk2" accent1="accent1" accent2="accent2" accent3="accent3" accent4="accent4" accent5="accent5" accent6="accent6" hlink="hlink" folHlink="folHlink"/>
   </p:clrMapOvr>
 </p:sld>
 </file>
@@ -7622,7 +12621,7 @@
         <p:spPr/>
         <p:txBody>
           <a:bodyPr>
-            <a:normAutofit/>
+            <a:normAutofit fontScale="90000"/>
           </a:bodyPr>
           <a:lstStyle/>
           <a:p>
@@ -7770,7 +12769,7 @@
         </p:nvGraphicFramePr>
         <p:xfrm>
           <a:off x="6669240" y="2698877"/>
-          <a:ext cx="3764063" cy="2478115"/>
+          <a:ext cx="3764063" cy="2680680"/>
         </p:xfrm>
         <a:graphic>
           <a:graphicData uri="http://schemas.openxmlformats.org/drawingml/2006/table">
@@ -8998,6 +13997,58 @@
       </p:grpSpPr>
       <p:sp>
         <p:nvSpPr>
+          <p:cNvPr id="3" name="Rectangle 2">
+            <a:extLst>
+              <a:ext uri="{FF2B5EF4-FFF2-40B4-BE49-F238E27FC236}">
+                <a16:creationId xmlns:a16="http://schemas.microsoft.com/office/drawing/2014/main" id="{0C9A7B60-0CB4-5DEB-ED0A-5F6F9B68C056}"/>
+              </a:ext>
+            </a:extLst>
+          </p:cNvPr>
+          <p:cNvSpPr/>
+          <p:nvPr/>
+        </p:nvSpPr>
+        <p:spPr>
+          <a:xfrm>
+            <a:off x="1243584" y="1905000"/>
+            <a:ext cx="4720438" cy="4271963"/>
+          </a:xfrm>
+          <a:prstGeom prst="rect">
+            <a:avLst/>
+          </a:prstGeom>
+          <a:solidFill>
+            <a:schemeClr val="accent1">
+              <a:lumMod val="40000"/>
+              <a:lumOff val="60000"/>
+            </a:schemeClr>
+          </a:solidFill>
+        </p:spPr>
+        <p:style>
+          <a:lnRef idx="2">
+            <a:schemeClr val="accent1">
+              <a:shade val="50000"/>
+            </a:schemeClr>
+          </a:lnRef>
+          <a:fillRef idx="1">
+            <a:schemeClr val="accent1"/>
+          </a:fillRef>
+          <a:effectRef idx="0">
+            <a:schemeClr val="accent1"/>
+          </a:effectRef>
+          <a:fontRef idx="minor">
+            <a:schemeClr val="lt1"/>
+          </a:fontRef>
+        </p:style>
+        <p:txBody>
+          <a:bodyPr rtlCol="0" anchor="ctr"/>
+          <a:lstStyle/>
+          <a:p>
+            <a:pPr algn="ctr"/>
+            <a:endParaRPr lang="en-US"/>
+          </a:p>
+        </p:txBody>
+      </p:sp>
+      <p:sp>
+        <p:nvSpPr>
           <p:cNvPr id="2" name="Title 1">
             <a:extLst>
               <a:ext uri="{FF2B5EF4-FFF2-40B4-BE49-F238E27FC236}">
@@ -9025,36 +14076,6 @@
           </a:p>
         </p:txBody>
       </p:sp>
-      <p:pic>
-        <p:nvPicPr>
-          <p:cNvPr id="7" name="Picture 6">
-            <a:extLst>
-              <a:ext uri="{FF2B5EF4-FFF2-40B4-BE49-F238E27FC236}">
-                <a16:creationId xmlns:a16="http://schemas.microsoft.com/office/drawing/2014/main" id="{47222BED-8EEB-36F6-84ED-06FFC7001FFF}"/>
-              </a:ext>
-            </a:extLst>
-          </p:cNvPr>
-          <p:cNvPicPr>
-            <a:picLocks noChangeAspect="1"/>
-          </p:cNvPicPr>
-          <p:nvPr/>
-        </p:nvPicPr>
-        <p:blipFill>
-          <a:blip r:embed="rId2"/>
-          <a:stretch>
-            <a:fillRect/>
-          </a:stretch>
-        </p:blipFill>
-        <p:spPr>
-          <a:xfrm>
-            <a:off x="6714744" y="1825625"/>
-            <a:ext cx="4039145" cy="4351338"/>
-          </a:xfrm>
-          <a:prstGeom prst="rect">
-            <a:avLst/>
-          </a:prstGeom>
-        </p:spPr>
-      </p:pic>
       <p:graphicFrame>
         <p:nvGraphicFramePr>
           <p:cNvPr id="10" name="Content Placeholder 5">
@@ -9071,21 +14092,51 @@
             <p:ph sz="half" idx="1"/>
             <p:extLst>
               <p:ext uri="{D42A27DB-BD31-4B8C-83A1-F6EECF244321}">
-                <p14:modId xmlns:p14="http://schemas.microsoft.com/office/powerpoint/2010/main" val="2806381863"/>
+                <p14:modId xmlns:p14="http://schemas.microsoft.com/office/powerpoint/2010/main" val="2180448957"/>
               </p:ext>
             </p:extLst>
           </p:nvPr>
         </p:nvGraphicFramePr>
         <p:xfrm>
-          <a:off x="838200" y="1825625"/>
-          <a:ext cx="5181600" cy="4351338"/>
+          <a:off x="1243584" y="1905000"/>
+          <a:ext cx="4720437" cy="4271963"/>
         </p:xfrm>
         <a:graphic>
           <a:graphicData uri="http://schemas.openxmlformats.org/drawingml/2006/chart">
-            <c:chart xmlns:c="http://schemas.openxmlformats.org/drawingml/2006/chart" xmlns:r="http://schemas.openxmlformats.org/officeDocument/2006/relationships" r:id="rId3"/>
+            <c:chart xmlns:c="http://schemas.openxmlformats.org/drawingml/2006/chart" xmlns:r="http://schemas.openxmlformats.org/officeDocument/2006/relationships" r:id="rId2"/>
           </a:graphicData>
         </a:graphic>
       </p:graphicFrame>
+      <p:pic>
+        <p:nvPicPr>
+          <p:cNvPr id="7" name="Picture 6">
+            <a:extLst>
+              <a:ext uri="{FF2B5EF4-FFF2-40B4-BE49-F238E27FC236}">
+                <a16:creationId xmlns:a16="http://schemas.microsoft.com/office/drawing/2014/main" id="{47222BED-8EEB-36F6-84ED-06FFC7001FFF}"/>
+              </a:ext>
+            </a:extLst>
+          </p:cNvPr>
+          <p:cNvPicPr>
+            <a:picLocks noChangeAspect="1"/>
+          </p:cNvPicPr>
+          <p:nvPr/>
+        </p:nvPicPr>
+        <p:blipFill>
+          <a:blip r:embed="rId3"/>
+          <a:stretch>
+            <a:fillRect/>
+          </a:stretch>
+        </p:blipFill>
+        <p:spPr>
+          <a:xfrm>
+            <a:off x="6714744" y="1825625"/>
+            <a:ext cx="4039145" cy="4351338"/>
+          </a:xfrm>
+          <a:prstGeom prst="rect">
+            <a:avLst/>
+          </a:prstGeom>
+        </p:spPr>
+      </p:pic>
     </p:spTree>
     <p:extLst>
       <p:ext uri="{BB962C8B-B14F-4D97-AF65-F5344CB8AC3E}">
@@ -9183,9 +14234,9 @@
 </file>
 
 <file path=ppt/theme/theme1.xml><?xml version="1.0" encoding="utf-8"?>
-<a:theme xmlns:a="http://schemas.openxmlformats.org/drawingml/2006/main" name="Office Theme">
+<a:theme xmlns:a="http://schemas.openxmlformats.org/drawingml/2006/main" name="Wisp">
   <a:themeElements>
-    <a:clrScheme name="Office">
+    <a:clrScheme name="Wisp">
       <a:dk1>
         <a:sysClr val="windowText" lastClr="000000"/>
       </a:dk1>
@@ -9193,100 +14244,48 @@
         <a:sysClr val="window" lastClr="FFFFFF"/>
       </a:lt1>
       <a:dk2>
-        <a:srgbClr val="44546A"/>
+        <a:srgbClr val="766F54"/>
       </a:dk2>
       <a:lt2>
-        <a:srgbClr val="E7E6E6"/>
+        <a:srgbClr val="E3EACF"/>
       </a:lt2>
       <a:accent1>
-        <a:srgbClr val="4472C4"/>
+        <a:srgbClr val="A53010"/>
       </a:accent1>
       <a:accent2>
-        <a:srgbClr val="ED7D31"/>
+        <a:srgbClr val="DE7E18"/>
       </a:accent2>
       <a:accent3>
-        <a:srgbClr val="A5A5A5"/>
+        <a:srgbClr val="9F8351"/>
       </a:accent3>
       <a:accent4>
-        <a:srgbClr val="FFC000"/>
+        <a:srgbClr val="728653"/>
       </a:accent4>
       <a:accent5>
-        <a:srgbClr val="5B9BD5"/>
+        <a:srgbClr val="92AA4C"/>
       </a:accent5>
       <a:accent6>
-        <a:srgbClr val="70AD47"/>
+        <a:srgbClr val="6AAC91"/>
       </a:accent6>
       <a:hlink>
-        <a:srgbClr val="0563C1"/>
+        <a:srgbClr val="FB4A18"/>
       </a:hlink>
       <a:folHlink>
-        <a:srgbClr val="954F72"/>
+        <a:srgbClr val="FB9318"/>
       </a:folHlink>
     </a:clrScheme>
-    <a:fontScheme name="Office">
+    <a:fontScheme name="Wisp">
       <a:majorFont>
-        <a:latin typeface="Calibri Light" panose="020F0302020204030204"/>
+        <a:latin typeface="Century Gothic" panose="020B0502020202020204"/>
         <a:ea typeface=""/>
         <a:cs typeface=""/>
-        <a:font script="Jpan" typeface="游ゴシック Light"/>
-        <a:font script="Hang" typeface="맑은 고딕"/>
-        <a:font script="Hans" typeface="等线 Light"/>
-        <a:font script="Hant" typeface="新細明體"/>
-        <a:font script="Arab" typeface="Times New Roman"/>
-        <a:font script="Hebr" typeface="Times New Roman"/>
-        <a:font script="Thai" typeface="Angsana New"/>
-        <a:font script="Ethi" typeface="Nyala"/>
-        <a:font script="Beng" typeface="Vrinda"/>
-        <a:font script="Gujr" typeface="Shruti"/>
-        <a:font script="Khmr" typeface="MoolBoran"/>
-        <a:font script="Knda" typeface="Tunga"/>
-        <a:font script="Guru" typeface="Raavi"/>
-        <a:font script="Cans" typeface="Euphemia"/>
-        <a:font script="Cher" typeface="Plantagenet Cherokee"/>
-        <a:font script="Yiii" typeface="Microsoft Yi Baiti"/>
-        <a:font script="Tibt" typeface="Microsoft Himalaya"/>
-        <a:font script="Thaa" typeface="MV Boli"/>
-        <a:font script="Deva" typeface="Mangal"/>
-        <a:font script="Telu" typeface="Gautami"/>
-        <a:font script="Taml" typeface="Latha"/>
-        <a:font script="Syrc" typeface="Estrangelo Edessa"/>
-        <a:font script="Orya" typeface="Kalinga"/>
-        <a:font script="Mlym" typeface="Kartika"/>
-        <a:font script="Laoo" typeface="DokChampa"/>
-        <a:font script="Sinh" typeface="Iskoola Pota"/>
-        <a:font script="Mong" typeface="Mongolian Baiti"/>
-        <a:font script="Viet" typeface="Times New Roman"/>
-        <a:font script="Uigh" typeface="Microsoft Uighur"/>
-        <a:font script="Geor" typeface="Sylfaen"/>
-        <a:font script="Armn" typeface="Arial"/>
-        <a:font script="Bugi" typeface="Leelawadee UI"/>
-        <a:font script="Bopo" typeface="Microsoft JhengHei"/>
-        <a:font script="Java" typeface="Javanese Text"/>
-        <a:font script="Lisu" typeface="Segoe UI"/>
-        <a:font script="Mymr" typeface="Myanmar Text"/>
-        <a:font script="Nkoo" typeface="Ebrima"/>
-        <a:font script="Olck" typeface="Nirmala UI"/>
-        <a:font script="Osma" typeface="Ebrima"/>
-        <a:font script="Phag" typeface="Phagspa"/>
-        <a:font script="Syrn" typeface="Estrangelo Edessa"/>
-        <a:font script="Syrj" typeface="Estrangelo Edessa"/>
-        <a:font script="Syre" typeface="Estrangelo Edessa"/>
-        <a:font script="Sora" typeface="Nirmala UI"/>
-        <a:font script="Tale" typeface="Microsoft Tai Le"/>
-        <a:font script="Talu" typeface="Microsoft New Tai Lue"/>
-        <a:font script="Tfng" typeface="Ebrima"/>
-      </a:majorFont>
-      <a:minorFont>
-        <a:latin typeface="Calibri" panose="020F0502020204030204"/>
-        <a:ea typeface=""/>
-        <a:cs typeface=""/>
-        <a:font script="Jpan" typeface="游ゴシック"/>
-        <a:font script="Hang" typeface="맑은 고딕"/>
-        <a:font script="Hans" typeface="等线"/>
-        <a:font script="Hant" typeface="新細明體"/>
-        <a:font script="Arab" typeface="Arial"/>
-        <a:font script="Hebr" typeface="Arial"/>
-        <a:font script="Thai" typeface="Cordia New"/>
+        <a:font script="Jpan" typeface="メイリオ"/>
+        <a:font script="Hang" typeface="HY중고딕"/>
+        <a:font script="Hans" typeface="幼圆"/>
+        <a:font script="Hant" typeface="微軟正黑體"/>
+        <a:font script="Arab" typeface="Tahoma"/>
+        <a:font script="Hebr" typeface="Gisha"/>
+        <a:font script="Thai" typeface="DilleniaUPC"/>
         <a:font script="Ethi" typeface="Nyala"/>
         <a:font script="Beng" typeface="Vrinda"/>
         <a:font script="Gujr" typeface="Shruti"/>
@@ -9307,30 +14306,121 @@
         <a:font script="Laoo" typeface="DokChampa"/>
         <a:font script="Sinh" typeface="Iskoola Pota"/>
         <a:font script="Mong" typeface="Mongolian Baiti"/>
-        <a:font script="Viet" typeface="Arial"/>
+        <a:font script="Viet" typeface="Tahoma"/>
         <a:font script="Uigh" typeface="Microsoft Uighur"/>
         <a:font script="Geor" typeface="Sylfaen"/>
-        <a:font script="Armn" typeface="Arial"/>
-        <a:font script="Bugi" typeface="Leelawadee UI"/>
-        <a:font script="Bopo" typeface="Microsoft JhengHei"/>
-        <a:font script="Java" typeface="Javanese Text"/>
-        <a:font script="Lisu" typeface="Segoe UI"/>
-        <a:font script="Mymr" typeface="Myanmar Text"/>
-        <a:font script="Nkoo" typeface="Ebrima"/>
-        <a:font script="Olck" typeface="Nirmala UI"/>
-        <a:font script="Osma" typeface="Ebrima"/>
-        <a:font script="Phag" typeface="Phagspa"/>
-        <a:font script="Syrn" typeface="Estrangelo Edessa"/>
-        <a:font script="Syrj" typeface="Estrangelo Edessa"/>
-        <a:font script="Syre" typeface="Estrangelo Edessa"/>
-        <a:font script="Sora" typeface="Nirmala UI"/>
-        <a:font script="Tale" typeface="Microsoft Tai Le"/>
-        <a:font script="Talu" typeface="Microsoft New Tai Lue"/>
-        <a:font script="Tfng" typeface="Ebrima"/>
+      </a:majorFont>
+      <a:minorFont>
+        <a:latin typeface="Century Gothic" panose="020B0502020202020204"/>
+        <a:ea typeface=""/>
+        <a:cs typeface=""/>
+        <a:font script="Jpan" typeface="メイリオ"/>
+        <a:font script="Hang" typeface="HY중고딕"/>
+        <a:font script="Hans" typeface="幼圆"/>
+        <a:font script="Hant" typeface="微軟正黑體"/>
+        <a:font script="Arab" typeface="Tahoma"/>
+        <a:font script="Hebr" typeface="Gisha"/>
+        <a:font script="Thai" typeface="DilleniaUPC"/>
+        <a:font script="Ethi" typeface="Nyala"/>
+        <a:font script="Beng" typeface="Vrinda"/>
+        <a:font script="Gujr" typeface="Shruti"/>
+        <a:font script="Khmr" typeface="DaunPenh"/>
+        <a:font script="Knda" typeface="Tunga"/>
+        <a:font script="Guru" typeface="Raavi"/>
+        <a:font script="Cans" typeface="Euphemia"/>
+        <a:font script="Cher" typeface="Plantagenet Cherokee"/>
+        <a:font script="Yiii" typeface="Microsoft Yi Baiti"/>
+        <a:font script="Tibt" typeface="Microsoft Himalaya"/>
+        <a:font script="Thaa" typeface="MV Boli"/>
+        <a:font script="Deva" typeface="Mangal"/>
+        <a:font script="Telu" typeface="Gautami"/>
+        <a:font script="Taml" typeface="Latha"/>
+        <a:font script="Syrc" typeface="Estrangelo Edessa"/>
+        <a:font script="Orya" typeface="Kalinga"/>
+        <a:font script="Mlym" typeface="Kartika"/>
+        <a:font script="Laoo" typeface="DokChampa"/>
+        <a:font script="Sinh" typeface="Iskoola Pota"/>
+        <a:font script="Mong" typeface="Mongolian Baiti"/>
+        <a:font script="Viet" typeface="Tahoma"/>
+        <a:font script="Uigh" typeface="Microsoft Uighur"/>
+        <a:font script="Geor" typeface="Sylfaen"/>
       </a:minorFont>
     </a:fontScheme>
-    <a:fmtScheme name="Office">
+    <a:fmtScheme name="Wisp">
       <a:fillStyleLst>
+        <a:solidFill>
+          <a:schemeClr val="phClr"/>
+        </a:solidFill>
+        <a:solidFill>
+          <a:schemeClr val="phClr">
+            <a:tint val="70000"/>
+            <a:lumMod val="104000"/>
+          </a:schemeClr>
+        </a:solidFill>
+        <a:gradFill rotWithShape="1">
+          <a:gsLst>
+            <a:gs pos="0">
+              <a:schemeClr val="phClr">
+                <a:tint val="96000"/>
+                <a:lumMod val="104000"/>
+              </a:schemeClr>
+            </a:gs>
+            <a:gs pos="100000">
+              <a:schemeClr val="phClr">
+                <a:shade val="98000"/>
+                <a:lumMod val="94000"/>
+              </a:schemeClr>
+            </a:gs>
+          </a:gsLst>
+          <a:lin ang="5400000" scaled="0"/>
+        </a:gradFill>
+      </a:fillStyleLst>
+      <a:lnStyleLst>
+        <a:ln w="9525" cap="rnd" cmpd="sng" algn="ctr">
+          <a:solidFill>
+            <a:schemeClr val="phClr">
+              <a:shade val="90000"/>
+            </a:schemeClr>
+          </a:solidFill>
+          <a:prstDash val="solid"/>
+        </a:ln>
+        <a:ln w="15875" cap="rnd" cmpd="sng" algn="ctr">
+          <a:solidFill>
+            <a:schemeClr val="phClr"/>
+          </a:solidFill>
+          <a:prstDash val="solid"/>
+        </a:ln>
+        <a:ln w="22225" cap="rnd" cmpd="sng" algn="ctr">
+          <a:solidFill>
+            <a:schemeClr val="phClr"/>
+          </a:solidFill>
+          <a:prstDash val="solid"/>
+        </a:ln>
+      </a:lnStyleLst>
+      <a:effectStyleLst>
+        <a:effectStyle>
+          <a:effectLst/>
+        </a:effectStyle>
+        <a:effectStyle>
+          <a:effectLst>
+            <a:outerShdw blurRad="38100" dist="25400" dir="5400000" rotWithShape="0">
+              <a:srgbClr val="000000">
+                <a:alpha val="25000"/>
+              </a:srgbClr>
+            </a:outerShdw>
+          </a:effectLst>
+        </a:effectStyle>
+        <a:effectStyle>
+          <a:effectLst>
+            <a:outerShdw blurRad="50800" dist="38100" dir="5400000" rotWithShape="0">
+              <a:srgbClr val="000000">
+                <a:alpha val="60000"/>
+              </a:srgbClr>
+            </a:outerShdw>
+          </a:effectLst>
+        </a:effectStyle>
+      </a:effectStyleLst>
+      <a:bgFillStyleLst>
         <a:solidFill>
           <a:schemeClr val="phClr"/>
         </a:solidFill>
@@ -9338,23 +14428,15 @@
           <a:gsLst>
             <a:gs pos="0">
               <a:schemeClr val="phClr">
-                <a:lumMod val="110000"/>
-                <a:satMod val="105000"/>
-                <a:tint val="67000"/>
-              </a:schemeClr>
-            </a:gs>
-            <a:gs pos="50000">
-              <a:schemeClr val="phClr">
-                <a:lumMod val="105000"/>
-                <a:satMod val="103000"/>
-                <a:tint val="73000"/>
+                <a:tint val="90000"/>
+                <a:lumMod val="120000"/>
               </a:schemeClr>
             </a:gs>
             <a:gs pos="100000">
               <a:schemeClr val="phClr">
-                <a:lumMod val="105000"/>
-                <a:satMod val="109000"/>
-                <a:tint val="81000"/>
+                <a:shade val="98000"/>
+                <a:satMod val="120000"/>
+                <a:lumMod val="98000"/>
               </a:schemeClr>
             </a:gs>
           </a:gsLst>
@@ -9364,105 +14446,22 @@
           <a:gsLst>
             <a:gs pos="0">
               <a:schemeClr val="phClr">
-                <a:satMod val="103000"/>
-                <a:lumMod val="102000"/>
-                <a:tint val="94000"/>
-              </a:schemeClr>
-            </a:gs>
-            <a:gs pos="50000">
-              <a:schemeClr val="phClr">
-                <a:satMod val="110000"/>
-                <a:lumMod val="100000"/>
-                <a:shade val="100000"/>
+                <a:tint val="90000"/>
+                <a:satMod val="92000"/>
+                <a:lumMod val="120000"/>
               </a:schemeClr>
             </a:gs>
             <a:gs pos="100000">
               <a:schemeClr val="phClr">
-                <a:lumMod val="99000"/>
+                <a:shade val="98000"/>
                 <a:satMod val="120000"/>
-                <a:shade val="78000"/>
+                <a:lumMod val="98000"/>
               </a:schemeClr>
             </a:gs>
           </a:gsLst>
-          <a:lin ang="5400000" scaled="0"/>
-        </a:gradFill>
-      </a:fillStyleLst>
-      <a:lnStyleLst>
-        <a:ln w="6350" cap="flat" cmpd="sng" algn="ctr">
-          <a:solidFill>
-            <a:schemeClr val="phClr"/>
-          </a:solidFill>
-          <a:prstDash val="solid"/>
-          <a:miter lim="800000"/>
-        </a:ln>
-        <a:ln w="12700" cap="flat" cmpd="sng" algn="ctr">
-          <a:solidFill>
-            <a:schemeClr val="phClr"/>
-          </a:solidFill>
-          <a:prstDash val="solid"/>
-          <a:miter lim="800000"/>
-        </a:ln>
-        <a:ln w="19050" cap="flat" cmpd="sng" algn="ctr">
-          <a:solidFill>
-            <a:schemeClr val="phClr"/>
-          </a:solidFill>
-          <a:prstDash val="solid"/>
-          <a:miter lim="800000"/>
-        </a:ln>
-      </a:lnStyleLst>
-      <a:effectStyleLst>
-        <a:effectStyle>
-          <a:effectLst/>
-        </a:effectStyle>
-        <a:effectStyle>
-          <a:effectLst/>
-        </a:effectStyle>
-        <a:effectStyle>
-          <a:effectLst>
-            <a:outerShdw blurRad="57150" dist="19050" dir="5400000" algn="ctr" rotWithShape="0">
-              <a:srgbClr val="000000">
-                <a:alpha val="63000"/>
-              </a:srgbClr>
-            </a:outerShdw>
-          </a:effectLst>
-        </a:effectStyle>
-      </a:effectStyleLst>
-      <a:bgFillStyleLst>
-        <a:solidFill>
-          <a:schemeClr val="phClr"/>
-        </a:solidFill>
-        <a:solidFill>
-          <a:schemeClr val="phClr">
-            <a:tint val="95000"/>
-            <a:satMod val="170000"/>
-          </a:schemeClr>
-        </a:solidFill>
-        <a:gradFill rotWithShape="1">
-          <a:gsLst>
-            <a:gs pos="0">
-              <a:schemeClr val="phClr">
-                <a:tint val="93000"/>
-                <a:satMod val="150000"/>
-                <a:shade val="98000"/>
-                <a:lumMod val="102000"/>
-              </a:schemeClr>
-            </a:gs>
-            <a:gs pos="50000">
-              <a:schemeClr val="phClr">
-                <a:tint val="98000"/>
-                <a:satMod val="130000"/>
-                <a:shade val="90000"/>
-                <a:lumMod val="103000"/>
-              </a:schemeClr>
-            </a:gs>
-            <a:gs pos="100000">
-              <a:schemeClr val="phClr">
-                <a:shade val="63000"/>
-                <a:satMod val="120000"/>
-              </a:schemeClr>
-            </a:gs>
-          </a:gsLst>
-          <a:lin ang="5400000" scaled="0"/>
+          <a:path path="circle">
+            <a:fillToRect l="50000" t="50000" r="100000" b="100000"/>
+          </a:path>
         </a:gradFill>
       </a:bgFillStyleLst>
     </a:fmtScheme>
@@ -9471,7 +14470,7 @@
   <a:extraClrSchemeLst/>
   <a:extLst>
     <a:ext uri="{05A4C25C-085E-4340-85A3-A5531E510DB2}">
-      <thm15:themeFamily xmlns:thm15="http://schemas.microsoft.com/office/thememl/2012/main" name="Office Theme" id="{62F939B6-93AF-4DB8-9C6B-D6C7DFDC589F}" vid="{4A3C46E8-61CC-4603-A589-7422A47A8E4A}"/>
+      <thm15:themeFamily xmlns:thm15="http://schemas.microsoft.com/office/thememl/2012/main" name="Wisp" id="{7CB32D59-10C0-40DD-B7BD-2E94284A981C}" vid="{24B1A44C-C006-48B2-A4D7-E5549B3D8CD4}"/>
     </a:ext>
   </a:extLst>
 </a:theme>
